--- a/minicursos/git-e-github/slides.pptx
+++ b/minicursos/git-e-github/slides.pptx
@@ -5,7 +5,7 @@
     <p:sldMasterId id="2147483648" r:id="rId1"/>
   </p:sldMasterIdLst>
   <p:notesMasterIdLst>
-    <p:notesMasterId r:id="rId45"/>
+    <p:notesMasterId r:id="rId54"/>
   </p:notesMasterIdLst>
   <p:sldIdLst>
     <p:sldId id="256" r:id="rId3"/>
@@ -30,26 +30,35 @@
     <p:sldId id="627" r:id="rId22"/>
     <p:sldId id="628" r:id="rId23"/>
     <p:sldId id="609" r:id="rId24"/>
-    <p:sldId id="613" r:id="rId25"/>
-    <p:sldId id="594" r:id="rId26"/>
-    <p:sldId id="595" r:id="rId27"/>
-    <p:sldId id="596" r:id="rId28"/>
-    <p:sldId id="597" r:id="rId29"/>
-    <p:sldId id="598" r:id="rId30"/>
-    <p:sldId id="599" r:id="rId31"/>
-    <p:sldId id="551" r:id="rId32"/>
-    <p:sldId id="614" r:id="rId33"/>
-    <p:sldId id="615" r:id="rId34"/>
-    <p:sldId id="616" r:id="rId35"/>
-    <p:sldId id="601" r:id="rId36"/>
-    <p:sldId id="617" r:id="rId37"/>
-    <p:sldId id="602" r:id="rId38"/>
-    <p:sldId id="603" r:id="rId39"/>
-    <p:sldId id="604" r:id="rId40"/>
-    <p:sldId id="605" r:id="rId41"/>
-    <p:sldId id="548" r:id="rId42"/>
-    <p:sldId id="549" r:id="rId43"/>
-    <p:sldId id="588" r:id="rId44"/>
+    <p:sldId id="629" r:id="rId25"/>
+    <p:sldId id="630" r:id="rId26"/>
+    <p:sldId id="631" r:id="rId27"/>
+    <p:sldId id="632" r:id="rId28"/>
+    <p:sldId id="613" r:id="rId29"/>
+    <p:sldId id="594" r:id="rId30"/>
+    <p:sldId id="595" r:id="rId31"/>
+    <p:sldId id="596" r:id="rId32"/>
+    <p:sldId id="597" r:id="rId33"/>
+    <p:sldId id="598" r:id="rId34"/>
+    <p:sldId id="599" r:id="rId35"/>
+    <p:sldId id="551" r:id="rId36"/>
+    <p:sldId id="633" r:id="rId37"/>
+    <p:sldId id="634" r:id="rId38"/>
+    <p:sldId id="635" r:id="rId39"/>
+    <p:sldId id="636" r:id="rId40"/>
+    <p:sldId id="638" r:id="rId41"/>
+    <p:sldId id="639" r:id="rId42"/>
+    <p:sldId id="640" r:id="rId43"/>
+    <p:sldId id="616" r:id="rId44"/>
+    <p:sldId id="601" r:id="rId45"/>
+    <p:sldId id="617" r:id="rId46"/>
+    <p:sldId id="602" r:id="rId47"/>
+    <p:sldId id="603" r:id="rId48"/>
+    <p:sldId id="604" r:id="rId49"/>
+    <p:sldId id="605" r:id="rId50"/>
+    <p:sldId id="548" r:id="rId51"/>
+    <p:sldId id="549" r:id="rId52"/>
+    <p:sldId id="588" r:id="rId53"/>
   </p:sldIdLst>
   <p:sldSz cx="12192000" cy="6858000"/>
   <p:notesSz cx="6858000" cy="9144000"/>
@@ -9374,6 +9383,1438 @@
         <p:spPr>
           <a:xfrm>
             <a:off x="405765" y="810260"/>
+            <a:ext cx="8482965" cy="771525"/>
+          </a:xfrm>
+        </p:spPr>
+        <p:txBody>
+          <a:bodyPr>
+            <a:noAutofit/>
+          </a:bodyPr>
+          <a:p>
+            <a:pPr algn="l"/>
+            <a:r>
+              <a:rPr lang="en-US" altLang="en-US" sz="4400">
+                <a:solidFill>
+                  <a:schemeClr val="tx1"/>
+                </a:solidFill>
+                <a:effectLst>
+                  <a:outerShdw blurRad="38100" dist="38100" dir="2700000" algn="tl">
+                    <a:srgbClr val="000000">
+                      <a:alpha val="43137"/>
+                    </a:srgbClr>
+                  </a:outerShdw>
+                </a:effectLst>
+                <a:latin typeface="Laksaman" panose="020B0500040200020003" charset="0"/>
+                <a:cs typeface="Laksaman" panose="020B0500040200020003" charset="0"/>
+              </a:rPr>
+              <a:t>Subindo mudanças na nuvem</a:t>
+            </a:r>
+            <a:endParaRPr lang="en-US" altLang="en-US" sz="4400">
+              <a:solidFill>
+                <a:schemeClr val="tx1"/>
+              </a:solidFill>
+              <a:effectLst>
+                <a:outerShdw blurRad="38100" dist="38100" dir="2700000" algn="tl">
+                  <a:srgbClr val="000000">
+                    <a:alpha val="43137"/>
+                  </a:srgbClr>
+                </a:outerShdw>
+              </a:effectLst>
+              <a:latin typeface="Laksaman" panose="020B0500040200020003" charset="0"/>
+              <a:cs typeface="Laksaman" panose="020B0500040200020003" charset="0"/>
+            </a:endParaRPr>
+          </a:p>
+        </p:txBody>
+      </p:sp>
+      <p:sp>
+        <p:nvSpPr>
+          <p:cNvPr id="16" name="Retângulo 3"/>
+          <p:cNvSpPr/>
+          <p:nvPr/>
+        </p:nvSpPr>
+        <p:spPr>
+          <a:xfrm flipH="1">
+            <a:off x="-8255" y="6473190"/>
+            <a:ext cx="12192000" cy="151130"/>
+          </a:xfrm>
+          <a:prstGeom prst="rect">
+            <a:avLst/>
+          </a:prstGeom>
+          <a:solidFill>
+            <a:srgbClr val="003324"/>
+          </a:solidFill>
+          <a:ln>
+            <a:noFill/>
+          </a:ln>
+        </p:spPr>
+        <p:style>
+          <a:lnRef idx="2">
+            <a:schemeClr val="accent1">
+              <a:shade val="50000"/>
+            </a:schemeClr>
+          </a:lnRef>
+          <a:fillRef idx="1">
+            <a:schemeClr val="accent1"/>
+          </a:fillRef>
+          <a:effectRef idx="0">
+            <a:schemeClr val="accent1"/>
+          </a:effectRef>
+          <a:fontRef idx="minor">
+            <a:schemeClr val="lt1"/>
+          </a:fontRef>
+        </p:style>
+        <p:txBody>
+          <a:bodyPr rtlCol="0" anchor="ctr"/>
+          <a:p>
+            <a:pPr algn="ctr"/>
+            <a:endParaRPr lang="pt-BR" altLang="en-US"/>
+          </a:p>
+        </p:txBody>
+      </p:sp>
+      <p:sp>
+        <p:nvSpPr>
+          <p:cNvPr id="17" name="Retângulo 3"/>
+          <p:cNvSpPr/>
+          <p:nvPr/>
+        </p:nvSpPr>
+        <p:spPr>
+          <a:xfrm flipH="1">
+            <a:off x="-1270" y="6703060"/>
+            <a:ext cx="12192000" cy="151130"/>
+          </a:xfrm>
+          <a:prstGeom prst="rect">
+            <a:avLst/>
+          </a:prstGeom>
+          <a:solidFill>
+            <a:srgbClr val="003324"/>
+          </a:solidFill>
+          <a:ln>
+            <a:noFill/>
+          </a:ln>
+        </p:spPr>
+        <p:style>
+          <a:lnRef idx="2">
+            <a:schemeClr val="accent1">
+              <a:shade val="50000"/>
+            </a:schemeClr>
+          </a:lnRef>
+          <a:fillRef idx="1">
+            <a:schemeClr val="accent1"/>
+          </a:fillRef>
+          <a:effectRef idx="0">
+            <a:schemeClr val="accent1"/>
+          </a:effectRef>
+          <a:fontRef idx="minor">
+            <a:schemeClr val="lt1"/>
+          </a:fontRef>
+        </p:style>
+        <p:txBody>
+          <a:bodyPr rtlCol="0" anchor="ctr"/>
+          <a:p>
+            <a:pPr algn="ctr"/>
+            <a:endParaRPr lang="pt-BR" altLang="en-US"/>
+          </a:p>
+        </p:txBody>
+      </p:sp>
+      <p:pic>
+        <p:nvPicPr>
+          <p:cNvPr id="5" name="Picture 4"/>
+          <p:cNvPicPr>
+            <a:picLocks noChangeAspect="1"/>
+          </p:cNvPicPr>
+          <p:nvPr/>
+        </p:nvPicPr>
+        <p:blipFill>
+          <a:blip r:embed="rId3"/>
+          <a:srcRect t="4173" b="6884"/>
+          <a:stretch>
+            <a:fillRect/>
+          </a:stretch>
+        </p:blipFill>
+        <p:spPr>
+          <a:xfrm>
+            <a:off x="1595120" y="1910715"/>
+            <a:ext cx="8416290" cy="4209415"/>
+          </a:xfrm>
+          <a:prstGeom prst="rect">
+            <a:avLst/>
+          </a:prstGeom>
+        </p:spPr>
+      </p:pic>
+      <p:sp>
+        <p:nvSpPr>
+          <p:cNvPr id="12" name="Rectangle 11"/>
+          <p:cNvSpPr/>
+          <p:nvPr/>
+        </p:nvSpPr>
+        <p:spPr>
+          <a:xfrm>
+            <a:off x="2661285" y="1824990"/>
+            <a:ext cx="3693160" cy="1750695"/>
+          </a:xfrm>
+          <a:prstGeom prst="rect">
+            <a:avLst/>
+          </a:prstGeom>
+          <a:noFill/>
+          <a:ln w="57150">
+            <a:solidFill>
+              <a:srgbClr val="FF0000"/>
+            </a:solidFill>
+          </a:ln>
+          <a:extLst>
+            <a:ext uri="{909E8E84-426E-40DD-AFC4-6F175D3DCCD1}">
+              <a14:hiddenFill xmlns:a14="http://schemas.microsoft.com/office/drawing/2010/main">
+                <a:solidFill>
+                  <a:schemeClr val="accent1"/>
+                </a:solidFill>
+              </a14:hiddenFill>
+            </a:ext>
+          </a:extLst>
+        </p:spPr>
+        <p:style>
+          <a:lnRef idx="2">
+            <a:schemeClr val="accent1">
+              <a:shade val="50000"/>
+            </a:schemeClr>
+          </a:lnRef>
+          <a:fillRef idx="1">
+            <a:schemeClr val="accent1"/>
+          </a:fillRef>
+          <a:effectRef idx="0">
+            <a:schemeClr val="accent1"/>
+          </a:effectRef>
+          <a:fontRef idx="minor">
+            <a:schemeClr val="lt1"/>
+          </a:fontRef>
+        </p:style>
+        <p:txBody>
+          <a:bodyPr rtlCol="0" anchor="ctr"/>
+          <a:p>
+            <a:pPr algn="ctr"/>
+            <a:endParaRPr lang="en-US"/>
+          </a:p>
+        </p:txBody>
+      </p:sp>
+    </p:spTree>
+  </p:cSld>
+  <p:clrMapOvr>
+    <a:masterClrMapping/>
+  </p:clrMapOvr>
+</p:sld>
+</file>
+
+<file path=ppt/slides/slide24.xml><?xml version="1.0" encoding="utf-8"?>
+<p:sld xmlns:a="http://schemas.openxmlformats.org/drawingml/2006/main" xmlns:r="http://schemas.openxmlformats.org/officeDocument/2006/relationships" xmlns:p="http://schemas.openxmlformats.org/presentationml/2006/main">
+  <p:cSld>
+    <p:spTree>
+      <p:nvGrpSpPr>
+        <p:cNvPr id="1" name=""/>
+        <p:cNvGrpSpPr/>
+        <p:nvPr/>
+      </p:nvGrpSpPr>
+      <p:grpSpPr/>
+      <p:pic>
+        <p:nvPicPr>
+          <p:cNvPr id="8" name="Picture 7"/>
+          <p:cNvPicPr>
+            <a:picLocks noChangeAspect="1"/>
+          </p:cNvPicPr>
+          <p:nvPr/>
+        </p:nvPicPr>
+        <p:blipFill>
+          <a:blip r:embed="rId1"/>
+          <a:stretch>
+            <a:fillRect/>
+          </a:stretch>
+        </p:blipFill>
+        <p:spPr>
+          <a:xfrm>
+            <a:off x="1905" y="360045"/>
+            <a:ext cx="12192000" cy="1264920"/>
+          </a:xfrm>
+          <a:prstGeom prst="rect">
+            <a:avLst/>
+          </a:prstGeom>
+        </p:spPr>
+      </p:pic>
+      <p:sp>
+        <p:nvSpPr>
+          <p:cNvPr id="10" name="Rectangle 9"/>
+          <p:cNvSpPr/>
+          <p:nvPr/>
+        </p:nvSpPr>
+        <p:spPr>
+          <a:xfrm>
+            <a:off x="10817860" y="448310"/>
+            <a:ext cx="1162050" cy="1029970"/>
+          </a:xfrm>
+          <a:prstGeom prst="rect">
+            <a:avLst/>
+          </a:prstGeom>
+          <a:solidFill>
+            <a:schemeClr val="bg1"/>
+          </a:solidFill>
+          <a:ln w="50800">
+            <a:solidFill>
+              <a:srgbClr val="76E5AE"/>
+            </a:solidFill>
+          </a:ln>
+        </p:spPr>
+        <p:style>
+          <a:lnRef idx="2">
+            <a:schemeClr val="accent1">
+              <a:shade val="50000"/>
+            </a:schemeClr>
+          </a:lnRef>
+          <a:fillRef idx="1">
+            <a:schemeClr val="accent1"/>
+          </a:fillRef>
+          <a:effectRef idx="0">
+            <a:schemeClr val="accent1"/>
+          </a:effectRef>
+          <a:fontRef idx="minor">
+            <a:schemeClr val="lt1"/>
+          </a:fontRef>
+        </p:style>
+        <p:txBody>
+          <a:bodyPr rtlCol="0" anchor="ctr"/>
+          <a:p>
+            <a:pPr algn="ctr"/>
+            <a:endParaRPr lang="en-US"/>
+          </a:p>
+        </p:txBody>
+      </p:sp>
+      <p:pic>
+        <p:nvPicPr>
+          <p:cNvPr id="7" name="Picture 6"/>
+          <p:cNvPicPr>
+            <a:picLocks noChangeAspect="1"/>
+          </p:cNvPicPr>
+          <p:nvPr/>
+        </p:nvPicPr>
+        <p:blipFill>
+          <a:blip r:embed="rId2"/>
+          <a:stretch>
+            <a:fillRect/>
+          </a:stretch>
+        </p:blipFill>
+        <p:spPr>
+          <a:xfrm>
+            <a:off x="10962005" y="571500"/>
+            <a:ext cx="873760" cy="776605"/>
+          </a:xfrm>
+          <a:prstGeom prst="rect">
+            <a:avLst/>
+          </a:prstGeom>
+        </p:spPr>
+      </p:pic>
+      <p:sp>
+        <p:nvSpPr>
+          <p:cNvPr id="11" name="Rectangle 10"/>
+          <p:cNvSpPr/>
+          <p:nvPr/>
+        </p:nvSpPr>
+        <p:spPr>
+          <a:xfrm>
+            <a:off x="237490" y="509905"/>
+            <a:ext cx="9477375" cy="899795"/>
+          </a:xfrm>
+          <a:prstGeom prst="rect">
+            <a:avLst/>
+          </a:prstGeom>
+          <a:solidFill>
+            <a:schemeClr val="bg1">
+              <a:alpha val="79000"/>
+            </a:schemeClr>
+          </a:solidFill>
+          <a:ln>
+            <a:noFill/>
+          </a:ln>
+        </p:spPr>
+        <p:style>
+          <a:lnRef idx="2">
+            <a:schemeClr val="accent1">
+              <a:shade val="50000"/>
+            </a:schemeClr>
+          </a:lnRef>
+          <a:fillRef idx="1">
+            <a:schemeClr val="accent1"/>
+          </a:fillRef>
+          <a:effectRef idx="0">
+            <a:schemeClr val="accent1"/>
+          </a:effectRef>
+          <a:fontRef idx="minor">
+            <a:schemeClr val="lt1"/>
+          </a:fontRef>
+        </p:style>
+        <p:txBody>
+          <a:bodyPr rtlCol="0" anchor="ctr"/>
+          <a:p>
+            <a:pPr algn="ctr"/>
+            <a:endParaRPr lang="en-US"/>
+          </a:p>
+        </p:txBody>
+      </p:sp>
+      <p:sp>
+        <p:nvSpPr>
+          <p:cNvPr id="2" name="Título 1"/>
+          <p:cNvSpPr>
+            <a:spLocks noGrp="1"/>
+          </p:cNvSpPr>
+          <p:nvPr>
+            <p:ph type="ctrTitle"/>
+          </p:nvPr>
+        </p:nvSpPr>
+        <p:spPr>
+          <a:xfrm>
+            <a:off x="405765" y="810260"/>
+            <a:ext cx="8482965" cy="771525"/>
+          </a:xfrm>
+        </p:spPr>
+        <p:txBody>
+          <a:bodyPr>
+            <a:noAutofit/>
+          </a:bodyPr>
+          <a:p>
+            <a:pPr algn="l"/>
+            <a:r>
+              <a:rPr lang="en-US" altLang="en-US" sz="4400">
+                <a:solidFill>
+                  <a:schemeClr val="tx1"/>
+                </a:solidFill>
+                <a:effectLst>
+                  <a:outerShdw blurRad="38100" dist="38100" dir="2700000" algn="tl">
+                    <a:srgbClr val="000000">
+                      <a:alpha val="43137"/>
+                    </a:srgbClr>
+                  </a:outerShdw>
+                </a:effectLst>
+                <a:latin typeface="Laksaman" panose="020B0500040200020003" charset="0"/>
+                <a:cs typeface="Laksaman" panose="020B0500040200020003" charset="0"/>
+              </a:rPr>
+              <a:t>Subindo mudanças na nuvem</a:t>
+            </a:r>
+            <a:endParaRPr lang="en-US" altLang="en-US" sz="4400">
+              <a:solidFill>
+                <a:schemeClr val="tx1"/>
+              </a:solidFill>
+              <a:effectLst>
+                <a:outerShdw blurRad="38100" dist="38100" dir="2700000" algn="tl">
+                  <a:srgbClr val="000000">
+                    <a:alpha val="43137"/>
+                  </a:srgbClr>
+                </a:outerShdw>
+              </a:effectLst>
+              <a:latin typeface="Laksaman" panose="020B0500040200020003" charset="0"/>
+              <a:cs typeface="Laksaman" panose="020B0500040200020003" charset="0"/>
+            </a:endParaRPr>
+          </a:p>
+        </p:txBody>
+      </p:sp>
+      <p:sp>
+        <p:nvSpPr>
+          <p:cNvPr id="16" name="Retângulo 3"/>
+          <p:cNvSpPr/>
+          <p:nvPr/>
+        </p:nvSpPr>
+        <p:spPr>
+          <a:xfrm flipH="1">
+            <a:off x="-8255" y="6473190"/>
+            <a:ext cx="12192000" cy="151130"/>
+          </a:xfrm>
+          <a:prstGeom prst="rect">
+            <a:avLst/>
+          </a:prstGeom>
+          <a:solidFill>
+            <a:srgbClr val="003324"/>
+          </a:solidFill>
+          <a:ln>
+            <a:noFill/>
+          </a:ln>
+        </p:spPr>
+        <p:style>
+          <a:lnRef idx="2">
+            <a:schemeClr val="accent1">
+              <a:shade val="50000"/>
+            </a:schemeClr>
+          </a:lnRef>
+          <a:fillRef idx="1">
+            <a:schemeClr val="accent1"/>
+          </a:fillRef>
+          <a:effectRef idx="0">
+            <a:schemeClr val="accent1"/>
+          </a:effectRef>
+          <a:fontRef idx="minor">
+            <a:schemeClr val="lt1"/>
+          </a:fontRef>
+        </p:style>
+        <p:txBody>
+          <a:bodyPr rtlCol="0" anchor="ctr"/>
+          <a:p>
+            <a:pPr algn="ctr"/>
+            <a:endParaRPr lang="pt-BR" altLang="en-US"/>
+          </a:p>
+        </p:txBody>
+      </p:sp>
+      <p:sp>
+        <p:nvSpPr>
+          <p:cNvPr id="17" name="Retângulo 3"/>
+          <p:cNvSpPr/>
+          <p:nvPr/>
+        </p:nvSpPr>
+        <p:spPr>
+          <a:xfrm flipH="1">
+            <a:off x="-1270" y="6703060"/>
+            <a:ext cx="12192000" cy="151130"/>
+          </a:xfrm>
+          <a:prstGeom prst="rect">
+            <a:avLst/>
+          </a:prstGeom>
+          <a:solidFill>
+            <a:srgbClr val="003324"/>
+          </a:solidFill>
+          <a:ln>
+            <a:noFill/>
+          </a:ln>
+        </p:spPr>
+        <p:style>
+          <a:lnRef idx="2">
+            <a:schemeClr val="accent1">
+              <a:shade val="50000"/>
+            </a:schemeClr>
+          </a:lnRef>
+          <a:fillRef idx="1">
+            <a:schemeClr val="accent1"/>
+          </a:fillRef>
+          <a:effectRef idx="0">
+            <a:schemeClr val="accent1"/>
+          </a:effectRef>
+          <a:fontRef idx="minor">
+            <a:schemeClr val="lt1"/>
+          </a:fontRef>
+        </p:style>
+        <p:txBody>
+          <a:bodyPr rtlCol="0" anchor="ctr"/>
+          <a:p>
+            <a:pPr algn="ctr"/>
+            <a:endParaRPr lang="pt-BR" altLang="en-US"/>
+          </a:p>
+        </p:txBody>
+      </p:sp>
+      <p:pic>
+        <p:nvPicPr>
+          <p:cNvPr id="9" name="Picture 8"/>
+          <p:cNvPicPr>
+            <a:picLocks noChangeAspect="1"/>
+          </p:cNvPicPr>
+          <p:nvPr/>
+        </p:nvPicPr>
+        <p:blipFill>
+          <a:blip r:embed="rId3"/>
+          <a:srcRect t="4173" r="43345" b="55884"/>
+          <a:stretch>
+            <a:fillRect/>
+          </a:stretch>
+        </p:blipFill>
+        <p:spPr>
+          <a:xfrm>
+            <a:off x="1722120" y="2037715"/>
+            <a:ext cx="9929495" cy="3936365"/>
+          </a:xfrm>
+          <a:prstGeom prst="rect">
+            <a:avLst/>
+          </a:prstGeom>
+        </p:spPr>
+      </p:pic>
+    </p:spTree>
+  </p:cSld>
+  <p:clrMapOvr>
+    <a:masterClrMapping/>
+  </p:clrMapOvr>
+</p:sld>
+</file>
+
+<file path=ppt/slides/slide25.xml><?xml version="1.0" encoding="utf-8"?>
+<p:sld xmlns:a="http://schemas.openxmlformats.org/drawingml/2006/main" xmlns:r="http://schemas.openxmlformats.org/officeDocument/2006/relationships" xmlns:p="http://schemas.openxmlformats.org/presentationml/2006/main">
+  <p:cSld>
+    <p:spTree>
+      <p:nvGrpSpPr>
+        <p:cNvPr id="1" name=""/>
+        <p:cNvGrpSpPr/>
+        <p:nvPr/>
+      </p:nvGrpSpPr>
+      <p:grpSpPr/>
+      <p:pic>
+        <p:nvPicPr>
+          <p:cNvPr id="8" name="Picture 7"/>
+          <p:cNvPicPr>
+            <a:picLocks noChangeAspect="1"/>
+          </p:cNvPicPr>
+          <p:nvPr/>
+        </p:nvPicPr>
+        <p:blipFill>
+          <a:blip r:embed="rId1"/>
+          <a:stretch>
+            <a:fillRect/>
+          </a:stretch>
+        </p:blipFill>
+        <p:spPr>
+          <a:xfrm>
+            <a:off x="1905" y="360045"/>
+            <a:ext cx="12192000" cy="1264920"/>
+          </a:xfrm>
+          <a:prstGeom prst="rect">
+            <a:avLst/>
+          </a:prstGeom>
+        </p:spPr>
+      </p:pic>
+      <p:sp>
+        <p:nvSpPr>
+          <p:cNvPr id="10" name="Rectangle 9"/>
+          <p:cNvSpPr/>
+          <p:nvPr/>
+        </p:nvSpPr>
+        <p:spPr>
+          <a:xfrm>
+            <a:off x="10817860" y="448310"/>
+            <a:ext cx="1162050" cy="1029970"/>
+          </a:xfrm>
+          <a:prstGeom prst="rect">
+            <a:avLst/>
+          </a:prstGeom>
+          <a:solidFill>
+            <a:schemeClr val="bg1"/>
+          </a:solidFill>
+          <a:ln w="50800">
+            <a:solidFill>
+              <a:srgbClr val="76E5AE"/>
+            </a:solidFill>
+          </a:ln>
+        </p:spPr>
+        <p:style>
+          <a:lnRef idx="2">
+            <a:schemeClr val="accent1">
+              <a:shade val="50000"/>
+            </a:schemeClr>
+          </a:lnRef>
+          <a:fillRef idx="1">
+            <a:schemeClr val="accent1"/>
+          </a:fillRef>
+          <a:effectRef idx="0">
+            <a:schemeClr val="accent1"/>
+          </a:effectRef>
+          <a:fontRef idx="minor">
+            <a:schemeClr val="lt1"/>
+          </a:fontRef>
+        </p:style>
+        <p:txBody>
+          <a:bodyPr rtlCol="0" anchor="ctr"/>
+          <a:p>
+            <a:pPr algn="ctr"/>
+            <a:endParaRPr lang="en-US"/>
+          </a:p>
+        </p:txBody>
+      </p:sp>
+      <p:pic>
+        <p:nvPicPr>
+          <p:cNvPr id="7" name="Picture 6"/>
+          <p:cNvPicPr>
+            <a:picLocks noChangeAspect="1"/>
+          </p:cNvPicPr>
+          <p:nvPr/>
+        </p:nvPicPr>
+        <p:blipFill>
+          <a:blip r:embed="rId2"/>
+          <a:stretch>
+            <a:fillRect/>
+          </a:stretch>
+        </p:blipFill>
+        <p:spPr>
+          <a:xfrm>
+            <a:off x="10962005" y="571500"/>
+            <a:ext cx="873760" cy="776605"/>
+          </a:xfrm>
+          <a:prstGeom prst="rect">
+            <a:avLst/>
+          </a:prstGeom>
+        </p:spPr>
+      </p:pic>
+      <p:sp>
+        <p:nvSpPr>
+          <p:cNvPr id="11" name="Rectangle 10"/>
+          <p:cNvSpPr/>
+          <p:nvPr/>
+        </p:nvSpPr>
+        <p:spPr>
+          <a:xfrm>
+            <a:off x="237490" y="509905"/>
+            <a:ext cx="9477375" cy="899795"/>
+          </a:xfrm>
+          <a:prstGeom prst="rect">
+            <a:avLst/>
+          </a:prstGeom>
+          <a:solidFill>
+            <a:schemeClr val="bg1">
+              <a:alpha val="79000"/>
+            </a:schemeClr>
+          </a:solidFill>
+          <a:ln>
+            <a:noFill/>
+          </a:ln>
+        </p:spPr>
+        <p:style>
+          <a:lnRef idx="2">
+            <a:schemeClr val="accent1">
+              <a:shade val="50000"/>
+            </a:schemeClr>
+          </a:lnRef>
+          <a:fillRef idx="1">
+            <a:schemeClr val="accent1"/>
+          </a:fillRef>
+          <a:effectRef idx="0">
+            <a:schemeClr val="accent1"/>
+          </a:effectRef>
+          <a:fontRef idx="minor">
+            <a:schemeClr val="lt1"/>
+          </a:fontRef>
+        </p:style>
+        <p:txBody>
+          <a:bodyPr rtlCol="0" anchor="ctr"/>
+          <a:p>
+            <a:pPr algn="ctr"/>
+            <a:endParaRPr lang="en-US"/>
+          </a:p>
+        </p:txBody>
+      </p:sp>
+      <p:sp>
+        <p:nvSpPr>
+          <p:cNvPr id="2" name="Título 1"/>
+          <p:cNvSpPr>
+            <a:spLocks noGrp="1"/>
+          </p:cNvSpPr>
+          <p:nvPr>
+            <p:ph type="ctrTitle"/>
+          </p:nvPr>
+        </p:nvSpPr>
+        <p:spPr>
+          <a:xfrm>
+            <a:off x="405765" y="810260"/>
+            <a:ext cx="8482965" cy="771525"/>
+          </a:xfrm>
+        </p:spPr>
+        <p:txBody>
+          <a:bodyPr>
+            <a:noAutofit/>
+          </a:bodyPr>
+          <a:p>
+            <a:pPr algn="l"/>
+            <a:r>
+              <a:rPr lang="en-US" altLang="en-US" sz="4400">
+                <a:solidFill>
+                  <a:schemeClr val="tx1"/>
+                </a:solidFill>
+                <a:effectLst>
+                  <a:outerShdw blurRad="38100" dist="38100" dir="2700000" algn="tl">
+                    <a:srgbClr val="000000">
+                      <a:alpha val="43137"/>
+                    </a:srgbClr>
+                  </a:outerShdw>
+                </a:effectLst>
+                <a:latin typeface="Laksaman" panose="020B0500040200020003" charset="0"/>
+                <a:cs typeface="Laksaman" panose="020B0500040200020003" charset="0"/>
+              </a:rPr>
+              <a:t>Subindo mudanças na nuvem</a:t>
+            </a:r>
+            <a:endParaRPr lang="en-US" altLang="en-US" sz="4400">
+              <a:solidFill>
+                <a:schemeClr val="tx1"/>
+              </a:solidFill>
+              <a:effectLst>
+                <a:outerShdw blurRad="38100" dist="38100" dir="2700000" algn="tl">
+                  <a:srgbClr val="000000">
+                    <a:alpha val="43137"/>
+                  </a:srgbClr>
+                </a:outerShdw>
+              </a:effectLst>
+              <a:latin typeface="Laksaman" panose="020B0500040200020003" charset="0"/>
+              <a:cs typeface="Laksaman" panose="020B0500040200020003" charset="0"/>
+            </a:endParaRPr>
+          </a:p>
+        </p:txBody>
+      </p:sp>
+      <p:sp>
+        <p:nvSpPr>
+          <p:cNvPr id="16" name="Retângulo 3"/>
+          <p:cNvSpPr/>
+          <p:nvPr/>
+        </p:nvSpPr>
+        <p:spPr>
+          <a:xfrm flipH="1">
+            <a:off x="-8255" y="6473190"/>
+            <a:ext cx="12192000" cy="151130"/>
+          </a:xfrm>
+          <a:prstGeom prst="rect">
+            <a:avLst/>
+          </a:prstGeom>
+          <a:solidFill>
+            <a:srgbClr val="003324"/>
+          </a:solidFill>
+          <a:ln>
+            <a:noFill/>
+          </a:ln>
+        </p:spPr>
+        <p:style>
+          <a:lnRef idx="2">
+            <a:schemeClr val="accent1">
+              <a:shade val="50000"/>
+            </a:schemeClr>
+          </a:lnRef>
+          <a:fillRef idx="1">
+            <a:schemeClr val="accent1"/>
+          </a:fillRef>
+          <a:effectRef idx="0">
+            <a:schemeClr val="accent1"/>
+          </a:effectRef>
+          <a:fontRef idx="minor">
+            <a:schemeClr val="lt1"/>
+          </a:fontRef>
+        </p:style>
+        <p:txBody>
+          <a:bodyPr rtlCol="0" anchor="ctr"/>
+          <a:p>
+            <a:pPr algn="ctr"/>
+            <a:endParaRPr lang="pt-BR" altLang="en-US"/>
+          </a:p>
+        </p:txBody>
+      </p:sp>
+      <p:sp>
+        <p:nvSpPr>
+          <p:cNvPr id="17" name="Retângulo 3"/>
+          <p:cNvSpPr/>
+          <p:nvPr/>
+        </p:nvSpPr>
+        <p:spPr>
+          <a:xfrm flipH="1">
+            <a:off x="-1270" y="6703060"/>
+            <a:ext cx="12192000" cy="151130"/>
+          </a:xfrm>
+          <a:prstGeom prst="rect">
+            <a:avLst/>
+          </a:prstGeom>
+          <a:solidFill>
+            <a:srgbClr val="003324"/>
+          </a:solidFill>
+          <a:ln>
+            <a:noFill/>
+          </a:ln>
+        </p:spPr>
+        <p:style>
+          <a:lnRef idx="2">
+            <a:schemeClr val="accent1">
+              <a:shade val="50000"/>
+            </a:schemeClr>
+          </a:lnRef>
+          <a:fillRef idx="1">
+            <a:schemeClr val="accent1"/>
+          </a:fillRef>
+          <a:effectRef idx="0">
+            <a:schemeClr val="accent1"/>
+          </a:effectRef>
+          <a:fontRef idx="minor">
+            <a:schemeClr val="lt1"/>
+          </a:fontRef>
+        </p:style>
+        <p:txBody>
+          <a:bodyPr rtlCol="0" anchor="ctr"/>
+          <a:p>
+            <a:pPr algn="ctr"/>
+            <a:endParaRPr lang="pt-BR" altLang="en-US"/>
+          </a:p>
+        </p:txBody>
+      </p:sp>
+      <p:pic>
+        <p:nvPicPr>
+          <p:cNvPr id="3" name="Picture 2"/>
+          <p:cNvPicPr>
+            <a:picLocks noChangeAspect="1"/>
+          </p:cNvPicPr>
+          <p:nvPr/>
+        </p:nvPicPr>
+        <p:blipFill>
+          <a:blip r:embed="rId3"/>
+          <a:srcRect t="4700" b="6372"/>
+          <a:stretch>
+            <a:fillRect/>
+          </a:stretch>
+        </p:blipFill>
+        <p:spPr>
+          <a:xfrm>
+            <a:off x="2121535" y="2032000"/>
+            <a:ext cx="7496810" cy="3748405"/>
+          </a:xfrm>
+          <a:prstGeom prst="rect">
+            <a:avLst/>
+          </a:prstGeom>
+        </p:spPr>
+      </p:pic>
+      <p:sp>
+        <p:nvSpPr>
+          <p:cNvPr id="12" name="Rectangle 11"/>
+          <p:cNvSpPr/>
+          <p:nvPr/>
+        </p:nvSpPr>
+        <p:spPr>
+          <a:xfrm>
+            <a:off x="3013710" y="1923415"/>
+            <a:ext cx="3340735" cy="1652270"/>
+          </a:xfrm>
+          <a:prstGeom prst="rect">
+            <a:avLst/>
+          </a:prstGeom>
+          <a:noFill/>
+          <a:ln w="57150">
+            <a:solidFill>
+              <a:srgbClr val="FF0000"/>
+            </a:solidFill>
+          </a:ln>
+          <a:extLst>
+            <a:ext uri="{909E8E84-426E-40DD-AFC4-6F175D3DCCD1}">
+              <a14:hiddenFill xmlns:a14="http://schemas.microsoft.com/office/drawing/2010/main">
+                <a:solidFill>
+                  <a:schemeClr val="accent1"/>
+                </a:solidFill>
+              </a14:hiddenFill>
+            </a:ext>
+          </a:extLst>
+        </p:spPr>
+        <p:style>
+          <a:lnRef idx="2">
+            <a:schemeClr val="accent1">
+              <a:shade val="50000"/>
+            </a:schemeClr>
+          </a:lnRef>
+          <a:fillRef idx="1">
+            <a:schemeClr val="accent1"/>
+          </a:fillRef>
+          <a:effectRef idx="0">
+            <a:schemeClr val="accent1"/>
+          </a:effectRef>
+          <a:fontRef idx="minor">
+            <a:schemeClr val="lt1"/>
+          </a:fontRef>
+        </p:style>
+        <p:txBody>
+          <a:bodyPr rtlCol="0" anchor="ctr"/>
+          <a:p>
+            <a:pPr algn="ctr"/>
+            <a:endParaRPr lang="en-US"/>
+          </a:p>
+        </p:txBody>
+      </p:sp>
+    </p:spTree>
+  </p:cSld>
+  <p:clrMapOvr>
+    <a:masterClrMapping/>
+  </p:clrMapOvr>
+</p:sld>
+</file>
+
+<file path=ppt/slides/slide26.xml><?xml version="1.0" encoding="utf-8"?>
+<p:sld xmlns:a="http://schemas.openxmlformats.org/drawingml/2006/main" xmlns:r="http://schemas.openxmlformats.org/officeDocument/2006/relationships" xmlns:p="http://schemas.openxmlformats.org/presentationml/2006/main">
+  <p:cSld>
+    <p:spTree>
+      <p:nvGrpSpPr>
+        <p:cNvPr id="1" name=""/>
+        <p:cNvGrpSpPr/>
+        <p:nvPr/>
+      </p:nvGrpSpPr>
+      <p:grpSpPr/>
+      <p:pic>
+        <p:nvPicPr>
+          <p:cNvPr id="8" name="Picture 7"/>
+          <p:cNvPicPr>
+            <a:picLocks noChangeAspect="1"/>
+          </p:cNvPicPr>
+          <p:nvPr/>
+        </p:nvPicPr>
+        <p:blipFill>
+          <a:blip r:embed="rId1"/>
+          <a:stretch>
+            <a:fillRect/>
+          </a:stretch>
+        </p:blipFill>
+        <p:spPr>
+          <a:xfrm>
+            <a:off x="1905" y="360045"/>
+            <a:ext cx="12192000" cy="1264920"/>
+          </a:xfrm>
+          <a:prstGeom prst="rect">
+            <a:avLst/>
+          </a:prstGeom>
+        </p:spPr>
+      </p:pic>
+      <p:sp>
+        <p:nvSpPr>
+          <p:cNvPr id="10" name="Rectangle 9"/>
+          <p:cNvSpPr/>
+          <p:nvPr/>
+        </p:nvSpPr>
+        <p:spPr>
+          <a:xfrm>
+            <a:off x="10817860" y="448310"/>
+            <a:ext cx="1162050" cy="1029970"/>
+          </a:xfrm>
+          <a:prstGeom prst="rect">
+            <a:avLst/>
+          </a:prstGeom>
+          <a:solidFill>
+            <a:schemeClr val="bg1"/>
+          </a:solidFill>
+          <a:ln w="50800">
+            <a:solidFill>
+              <a:srgbClr val="76E5AE"/>
+            </a:solidFill>
+          </a:ln>
+        </p:spPr>
+        <p:style>
+          <a:lnRef idx="2">
+            <a:schemeClr val="accent1">
+              <a:shade val="50000"/>
+            </a:schemeClr>
+          </a:lnRef>
+          <a:fillRef idx="1">
+            <a:schemeClr val="accent1"/>
+          </a:fillRef>
+          <a:effectRef idx="0">
+            <a:schemeClr val="accent1"/>
+          </a:effectRef>
+          <a:fontRef idx="minor">
+            <a:schemeClr val="lt1"/>
+          </a:fontRef>
+        </p:style>
+        <p:txBody>
+          <a:bodyPr rtlCol="0" anchor="ctr"/>
+          <a:p>
+            <a:pPr algn="ctr"/>
+            <a:endParaRPr lang="en-US"/>
+          </a:p>
+        </p:txBody>
+      </p:sp>
+      <p:pic>
+        <p:nvPicPr>
+          <p:cNvPr id="7" name="Picture 6"/>
+          <p:cNvPicPr>
+            <a:picLocks noChangeAspect="1"/>
+          </p:cNvPicPr>
+          <p:nvPr/>
+        </p:nvPicPr>
+        <p:blipFill>
+          <a:blip r:embed="rId2"/>
+          <a:stretch>
+            <a:fillRect/>
+          </a:stretch>
+        </p:blipFill>
+        <p:spPr>
+          <a:xfrm>
+            <a:off x="10962005" y="571500"/>
+            <a:ext cx="873760" cy="776605"/>
+          </a:xfrm>
+          <a:prstGeom prst="rect">
+            <a:avLst/>
+          </a:prstGeom>
+        </p:spPr>
+      </p:pic>
+      <p:sp>
+        <p:nvSpPr>
+          <p:cNvPr id="11" name="Rectangle 10"/>
+          <p:cNvSpPr/>
+          <p:nvPr/>
+        </p:nvSpPr>
+        <p:spPr>
+          <a:xfrm>
+            <a:off x="237490" y="509905"/>
+            <a:ext cx="9477375" cy="899795"/>
+          </a:xfrm>
+          <a:prstGeom prst="rect">
+            <a:avLst/>
+          </a:prstGeom>
+          <a:solidFill>
+            <a:schemeClr val="bg1">
+              <a:alpha val="79000"/>
+            </a:schemeClr>
+          </a:solidFill>
+          <a:ln>
+            <a:noFill/>
+          </a:ln>
+        </p:spPr>
+        <p:style>
+          <a:lnRef idx="2">
+            <a:schemeClr val="accent1">
+              <a:shade val="50000"/>
+            </a:schemeClr>
+          </a:lnRef>
+          <a:fillRef idx="1">
+            <a:schemeClr val="accent1"/>
+          </a:fillRef>
+          <a:effectRef idx="0">
+            <a:schemeClr val="accent1"/>
+          </a:effectRef>
+          <a:fontRef idx="minor">
+            <a:schemeClr val="lt1"/>
+          </a:fontRef>
+        </p:style>
+        <p:txBody>
+          <a:bodyPr rtlCol="0" anchor="ctr"/>
+          <a:p>
+            <a:pPr algn="ctr"/>
+            <a:endParaRPr lang="en-US"/>
+          </a:p>
+        </p:txBody>
+      </p:sp>
+      <p:sp>
+        <p:nvSpPr>
+          <p:cNvPr id="2" name="Título 1"/>
+          <p:cNvSpPr>
+            <a:spLocks noGrp="1"/>
+          </p:cNvSpPr>
+          <p:nvPr>
+            <p:ph type="ctrTitle"/>
+          </p:nvPr>
+        </p:nvSpPr>
+        <p:spPr>
+          <a:xfrm>
+            <a:off x="405765" y="810260"/>
+            <a:ext cx="8482965" cy="771525"/>
+          </a:xfrm>
+        </p:spPr>
+        <p:txBody>
+          <a:bodyPr>
+            <a:noAutofit/>
+          </a:bodyPr>
+          <a:p>
+            <a:pPr algn="l"/>
+            <a:r>
+              <a:rPr lang="en-US" altLang="en-US" sz="4400">
+                <a:solidFill>
+                  <a:schemeClr val="tx1"/>
+                </a:solidFill>
+                <a:effectLst>
+                  <a:outerShdw blurRad="38100" dist="38100" dir="2700000" algn="tl">
+                    <a:srgbClr val="000000">
+                      <a:alpha val="43137"/>
+                    </a:srgbClr>
+                  </a:outerShdw>
+                </a:effectLst>
+                <a:latin typeface="Laksaman" panose="020B0500040200020003" charset="0"/>
+                <a:cs typeface="Laksaman" panose="020B0500040200020003" charset="0"/>
+              </a:rPr>
+              <a:t>Subindo mudanças na nuvem</a:t>
+            </a:r>
+            <a:endParaRPr lang="en-US" altLang="en-US" sz="4400">
+              <a:solidFill>
+                <a:schemeClr val="tx1"/>
+              </a:solidFill>
+              <a:effectLst>
+                <a:outerShdw blurRad="38100" dist="38100" dir="2700000" algn="tl">
+                  <a:srgbClr val="000000">
+                    <a:alpha val="43137"/>
+                  </a:srgbClr>
+                </a:outerShdw>
+              </a:effectLst>
+              <a:latin typeface="Laksaman" panose="020B0500040200020003" charset="0"/>
+              <a:cs typeface="Laksaman" panose="020B0500040200020003" charset="0"/>
+            </a:endParaRPr>
+          </a:p>
+        </p:txBody>
+      </p:sp>
+      <p:sp>
+        <p:nvSpPr>
+          <p:cNvPr id="16" name="Retângulo 3"/>
+          <p:cNvSpPr/>
+          <p:nvPr/>
+        </p:nvSpPr>
+        <p:spPr>
+          <a:xfrm flipH="1">
+            <a:off x="-8255" y="6473190"/>
+            <a:ext cx="12192000" cy="151130"/>
+          </a:xfrm>
+          <a:prstGeom prst="rect">
+            <a:avLst/>
+          </a:prstGeom>
+          <a:solidFill>
+            <a:srgbClr val="003324"/>
+          </a:solidFill>
+          <a:ln>
+            <a:noFill/>
+          </a:ln>
+        </p:spPr>
+        <p:style>
+          <a:lnRef idx="2">
+            <a:schemeClr val="accent1">
+              <a:shade val="50000"/>
+            </a:schemeClr>
+          </a:lnRef>
+          <a:fillRef idx="1">
+            <a:schemeClr val="accent1"/>
+          </a:fillRef>
+          <a:effectRef idx="0">
+            <a:schemeClr val="accent1"/>
+          </a:effectRef>
+          <a:fontRef idx="minor">
+            <a:schemeClr val="lt1"/>
+          </a:fontRef>
+        </p:style>
+        <p:txBody>
+          <a:bodyPr rtlCol="0" anchor="ctr"/>
+          <a:p>
+            <a:pPr algn="ctr"/>
+            <a:endParaRPr lang="pt-BR" altLang="en-US"/>
+          </a:p>
+        </p:txBody>
+      </p:sp>
+      <p:sp>
+        <p:nvSpPr>
+          <p:cNvPr id="17" name="Retângulo 3"/>
+          <p:cNvSpPr/>
+          <p:nvPr/>
+        </p:nvSpPr>
+        <p:spPr>
+          <a:xfrm flipH="1">
+            <a:off x="-1270" y="6703060"/>
+            <a:ext cx="12192000" cy="151130"/>
+          </a:xfrm>
+          <a:prstGeom prst="rect">
+            <a:avLst/>
+          </a:prstGeom>
+          <a:solidFill>
+            <a:srgbClr val="003324"/>
+          </a:solidFill>
+          <a:ln>
+            <a:noFill/>
+          </a:ln>
+        </p:spPr>
+        <p:style>
+          <a:lnRef idx="2">
+            <a:schemeClr val="accent1">
+              <a:shade val="50000"/>
+            </a:schemeClr>
+          </a:lnRef>
+          <a:fillRef idx="1">
+            <a:schemeClr val="accent1"/>
+          </a:fillRef>
+          <a:effectRef idx="0">
+            <a:schemeClr val="accent1"/>
+          </a:effectRef>
+          <a:fontRef idx="minor">
+            <a:schemeClr val="lt1"/>
+          </a:fontRef>
+        </p:style>
+        <p:txBody>
+          <a:bodyPr rtlCol="0" anchor="ctr"/>
+          <a:p>
+            <a:pPr algn="ctr"/>
+            <a:endParaRPr lang="pt-BR" altLang="en-US"/>
+          </a:p>
+        </p:txBody>
+      </p:sp>
+      <p:pic>
+        <p:nvPicPr>
+          <p:cNvPr id="3" name="Picture 2"/>
+          <p:cNvPicPr>
+            <a:picLocks noChangeAspect="1"/>
+          </p:cNvPicPr>
+          <p:nvPr/>
+        </p:nvPicPr>
+        <p:blipFill>
+          <a:blip r:embed="rId3"/>
+          <a:srcRect l="13959" t="4700" r="44130" b="63408"/>
+          <a:stretch>
+            <a:fillRect/>
+          </a:stretch>
+        </p:blipFill>
+        <p:spPr>
+          <a:xfrm>
+            <a:off x="1456690" y="1960880"/>
+            <a:ext cx="8955405" cy="3831590"/>
+          </a:xfrm>
+          <a:prstGeom prst="rect">
+            <a:avLst/>
+          </a:prstGeom>
+        </p:spPr>
+      </p:pic>
+    </p:spTree>
+  </p:cSld>
+  <p:clrMapOvr>
+    <a:masterClrMapping/>
+  </p:clrMapOvr>
+</p:sld>
+</file>
+
+<file path=ppt/slides/slide27.xml><?xml version="1.0" encoding="utf-8"?>
+<p:sld xmlns:a="http://schemas.openxmlformats.org/drawingml/2006/main" xmlns:r="http://schemas.openxmlformats.org/officeDocument/2006/relationships" xmlns:p="http://schemas.openxmlformats.org/presentationml/2006/main">
+  <p:cSld>
+    <p:spTree>
+      <p:nvGrpSpPr>
+        <p:cNvPr id="1" name=""/>
+        <p:cNvGrpSpPr/>
+        <p:nvPr/>
+      </p:nvGrpSpPr>
+      <p:grpSpPr/>
+      <p:pic>
+        <p:nvPicPr>
+          <p:cNvPr id="8" name="Picture 7"/>
+          <p:cNvPicPr>
+            <a:picLocks noChangeAspect="1"/>
+          </p:cNvPicPr>
+          <p:nvPr/>
+        </p:nvPicPr>
+        <p:blipFill>
+          <a:blip r:embed="rId1"/>
+          <a:stretch>
+            <a:fillRect/>
+          </a:stretch>
+        </p:blipFill>
+        <p:spPr>
+          <a:xfrm>
+            <a:off x="1905" y="360045"/>
+            <a:ext cx="12192000" cy="1264920"/>
+          </a:xfrm>
+          <a:prstGeom prst="rect">
+            <a:avLst/>
+          </a:prstGeom>
+        </p:spPr>
+      </p:pic>
+      <p:sp>
+        <p:nvSpPr>
+          <p:cNvPr id="10" name="Rectangle 9"/>
+          <p:cNvSpPr/>
+          <p:nvPr/>
+        </p:nvSpPr>
+        <p:spPr>
+          <a:xfrm>
+            <a:off x="10817860" y="448310"/>
+            <a:ext cx="1162050" cy="1029970"/>
+          </a:xfrm>
+          <a:prstGeom prst="rect">
+            <a:avLst/>
+          </a:prstGeom>
+          <a:solidFill>
+            <a:schemeClr val="bg1"/>
+          </a:solidFill>
+          <a:ln w="50800">
+            <a:solidFill>
+              <a:srgbClr val="76E5AE"/>
+            </a:solidFill>
+          </a:ln>
+        </p:spPr>
+        <p:style>
+          <a:lnRef idx="2">
+            <a:schemeClr val="accent1">
+              <a:shade val="50000"/>
+            </a:schemeClr>
+          </a:lnRef>
+          <a:fillRef idx="1">
+            <a:schemeClr val="accent1"/>
+          </a:fillRef>
+          <a:effectRef idx="0">
+            <a:schemeClr val="accent1"/>
+          </a:effectRef>
+          <a:fontRef idx="minor">
+            <a:schemeClr val="lt1"/>
+          </a:fontRef>
+        </p:style>
+        <p:txBody>
+          <a:bodyPr rtlCol="0" anchor="ctr"/>
+          <a:p>
+            <a:pPr algn="ctr"/>
+            <a:endParaRPr lang="en-US"/>
+          </a:p>
+        </p:txBody>
+      </p:sp>
+      <p:pic>
+        <p:nvPicPr>
+          <p:cNvPr id="7" name="Picture 6"/>
+          <p:cNvPicPr>
+            <a:picLocks noChangeAspect="1"/>
+          </p:cNvPicPr>
+          <p:nvPr/>
+        </p:nvPicPr>
+        <p:blipFill>
+          <a:blip r:embed="rId2"/>
+          <a:stretch>
+            <a:fillRect/>
+          </a:stretch>
+        </p:blipFill>
+        <p:spPr>
+          <a:xfrm>
+            <a:off x="10962005" y="571500"/>
+            <a:ext cx="873760" cy="776605"/>
+          </a:xfrm>
+          <a:prstGeom prst="rect">
+            <a:avLst/>
+          </a:prstGeom>
+        </p:spPr>
+      </p:pic>
+      <p:sp>
+        <p:nvSpPr>
+          <p:cNvPr id="11" name="Rectangle 10"/>
+          <p:cNvSpPr/>
+          <p:nvPr/>
+        </p:nvSpPr>
+        <p:spPr>
+          <a:xfrm>
+            <a:off x="237490" y="509905"/>
+            <a:ext cx="9477375" cy="899795"/>
+          </a:xfrm>
+          <a:prstGeom prst="rect">
+            <a:avLst/>
+          </a:prstGeom>
+          <a:solidFill>
+            <a:schemeClr val="bg1">
+              <a:alpha val="79000"/>
+            </a:schemeClr>
+          </a:solidFill>
+          <a:ln>
+            <a:noFill/>
+          </a:ln>
+        </p:spPr>
+        <p:style>
+          <a:lnRef idx="2">
+            <a:schemeClr val="accent1">
+              <a:shade val="50000"/>
+            </a:schemeClr>
+          </a:lnRef>
+          <a:fillRef idx="1">
+            <a:schemeClr val="accent1"/>
+          </a:fillRef>
+          <a:effectRef idx="0">
+            <a:schemeClr val="accent1"/>
+          </a:effectRef>
+          <a:fontRef idx="minor">
+            <a:schemeClr val="lt1"/>
+          </a:fontRef>
+        </p:style>
+        <p:txBody>
+          <a:bodyPr rtlCol="0" anchor="ctr"/>
+          <a:p>
+            <a:pPr algn="ctr"/>
+            <a:endParaRPr lang="en-US"/>
+          </a:p>
+        </p:txBody>
+      </p:sp>
+      <p:sp>
+        <p:nvSpPr>
+          <p:cNvPr id="2" name="Título 1"/>
+          <p:cNvSpPr>
+            <a:spLocks noGrp="1"/>
+          </p:cNvSpPr>
+          <p:nvPr>
+            <p:ph type="ctrTitle"/>
+          </p:nvPr>
+        </p:nvSpPr>
+        <p:spPr>
+          <a:xfrm>
+            <a:off x="405765" y="810260"/>
             <a:ext cx="7550150" cy="771525"/>
           </a:xfrm>
         </p:spPr>
@@ -9731,7 +11172,7 @@
 </p:sld>
 </file>
 
-<file path=ppt/slides/slide24.xml><?xml version="1.0" encoding="utf-8"?>
+<file path=ppt/slides/slide28.xml><?xml version="1.0" encoding="utf-8"?>
 <p:sld xmlns:a="http://schemas.openxmlformats.org/drawingml/2006/main" xmlns:r="http://schemas.openxmlformats.org/officeDocument/2006/relationships" xmlns:p="http://schemas.openxmlformats.org/presentationml/2006/main">
   <p:cSld>
     <p:spTree>
@@ -10127,7 +11568,7 @@
 </p:sld>
 </file>
 
-<file path=ppt/slides/slide25.xml><?xml version="1.0" encoding="utf-8"?>
+<file path=ppt/slides/slide29.xml><?xml version="1.0" encoding="utf-8"?>
 <p:sld xmlns:a="http://schemas.openxmlformats.org/drawingml/2006/main" xmlns:r="http://schemas.openxmlformats.org/officeDocument/2006/relationships" xmlns:p="http://schemas.openxmlformats.org/presentationml/2006/main">
   <p:cSld>
     <p:spTree>
@@ -10512,7 +11953,403 @@
 </p:sld>
 </file>
 
-<file path=ppt/slides/slide26.xml><?xml version="1.0" encoding="utf-8"?>
+<file path=ppt/slides/slide3.xml><?xml version="1.0" encoding="utf-8"?>
+<p:sld xmlns:a="http://schemas.openxmlformats.org/drawingml/2006/main" xmlns:r="http://schemas.openxmlformats.org/officeDocument/2006/relationships" xmlns:p="http://schemas.openxmlformats.org/presentationml/2006/main">
+  <p:cSld>
+    <p:spTree>
+      <p:nvGrpSpPr>
+        <p:cNvPr id="1" name=""/>
+        <p:cNvGrpSpPr/>
+        <p:nvPr/>
+      </p:nvGrpSpPr>
+      <p:grpSpPr/>
+      <p:sp>
+        <p:nvSpPr>
+          <p:cNvPr id="4" name="Retângulo 3"/>
+          <p:cNvSpPr/>
+          <p:nvPr/>
+        </p:nvSpPr>
+        <p:spPr>
+          <a:xfrm flipH="1">
+            <a:off x="1905" y="-3175"/>
+            <a:ext cx="12192000" cy="151130"/>
+          </a:xfrm>
+          <a:prstGeom prst="rect">
+            <a:avLst/>
+          </a:prstGeom>
+          <a:solidFill>
+            <a:srgbClr val="003324"/>
+          </a:solidFill>
+          <a:ln>
+            <a:noFill/>
+          </a:ln>
+        </p:spPr>
+        <p:style>
+          <a:lnRef idx="2">
+            <a:schemeClr val="accent1">
+              <a:shade val="50000"/>
+            </a:schemeClr>
+          </a:lnRef>
+          <a:fillRef idx="1">
+            <a:schemeClr val="accent1"/>
+          </a:fillRef>
+          <a:effectRef idx="0">
+            <a:schemeClr val="accent1"/>
+          </a:effectRef>
+          <a:fontRef idx="minor">
+            <a:schemeClr val="lt1"/>
+          </a:fontRef>
+        </p:style>
+        <p:txBody>
+          <a:bodyPr rtlCol="0" anchor="ctr"/>
+          <a:p>
+            <a:pPr algn="ctr"/>
+            <a:endParaRPr lang="pt-BR" altLang="en-US"/>
+          </a:p>
+        </p:txBody>
+      </p:sp>
+      <p:pic>
+        <p:nvPicPr>
+          <p:cNvPr id="8" name="Picture 7"/>
+          <p:cNvPicPr>
+            <a:picLocks noChangeAspect="1"/>
+          </p:cNvPicPr>
+          <p:nvPr/>
+        </p:nvPicPr>
+        <p:blipFill>
+          <a:blip r:embed="rId1"/>
+          <a:stretch>
+            <a:fillRect/>
+          </a:stretch>
+        </p:blipFill>
+        <p:spPr>
+          <a:xfrm>
+            <a:off x="1905" y="1851660"/>
+            <a:ext cx="12192000" cy="2280920"/>
+          </a:xfrm>
+          <a:prstGeom prst="rect">
+            <a:avLst/>
+          </a:prstGeom>
+        </p:spPr>
+      </p:pic>
+      <p:sp>
+        <p:nvSpPr>
+          <p:cNvPr id="10" name="Rectangle 9"/>
+          <p:cNvSpPr/>
+          <p:nvPr/>
+        </p:nvSpPr>
+        <p:spPr>
+          <a:xfrm>
+            <a:off x="9802495" y="2043430"/>
+            <a:ext cx="2125980" cy="1899285"/>
+          </a:xfrm>
+          <a:prstGeom prst="rect">
+            <a:avLst/>
+          </a:prstGeom>
+          <a:solidFill>
+            <a:schemeClr val="bg1"/>
+          </a:solidFill>
+          <a:ln w="50800">
+            <a:solidFill>
+              <a:srgbClr val="76E5AE"/>
+            </a:solidFill>
+          </a:ln>
+        </p:spPr>
+        <p:style>
+          <a:lnRef idx="2">
+            <a:schemeClr val="accent1">
+              <a:shade val="50000"/>
+            </a:schemeClr>
+          </a:lnRef>
+          <a:fillRef idx="1">
+            <a:schemeClr val="accent1"/>
+          </a:fillRef>
+          <a:effectRef idx="0">
+            <a:schemeClr val="accent1"/>
+          </a:effectRef>
+          <a:fontRef idx="minor">
+            <a:schemeClr val="lt1"/>
+          </a:fontRef>
+        </p:style>
+        <p:txBody>
+          <a:bodyPr rtlCol="0" anchor="ctr"/>
+          <a:p>
+            <a:pPr algn="ctr"/>
+            <a:endParaRPr lang="en-US"/>
+          </a:p>
+        </p:txBody>
+      </p:sp>
+      <p:pic>
+        <p:nvPicPr>
+          <p:cNvPr id="7" name="Picture 6"/>
+          <p:cNvPicPr>
+            <a:picLocks noChangeAspect="1"/>
+          </p:cNvPicPr>
+          <p:nvPr/>
+        </p:nvPicPr>
+        <p:blipFill>
+          <a:blip r:embed="rId2"/>
+          <a:stretch>
+            <a:fillRect/>
+          </a:stretch>
+        </p:blipFill>
+        <p:spPr>
+          <a:xfrm>
+            <a:off x="10152380" y="2349500"/>
+            <a:ext cx="1431925" cy="1271905"/>
+          </a:xfrm>
+          <a:prstGeom prst="rect">
+            <a:avLst/>
+          </a:prstGeom>
+        </p:spPr>
+      </p:pic>
+      <p:sp>
+        <p:nvSpPr>
+          <p:cNvPr id="11" name="Rectangle 10"/>
+          <p:cNvSpPr/>
+          <p:nvPr/>
+        </p:nvSpPr>
+        <p:spPr>
+          <a:xfrm>
+            <a:off x="840105" y="2250440"/>
+            <a:ext cx="7979410" cy="1484630"/>
+          </a:xfrm>
+          <a:prstGeom prst="rect">
+            <a:avLst/>
+          </a:prstGeom>
+          <a:solidFill>
+            <a:schemeClr val="bg1">
+              <a:alpha val="79000"/>
+            </a:schemeClr>
+          </a:solidFill>
+          <a:ln>
+            <a:noFill/>
+          </a:ln>
+        </p:spPr>
+        <p:style>
+          <a:lnRef idx="2">
+            <a:schemeClr val="accent1">
+              <a:shade val="50000"/>
+            </a:schemeClr>
+          </a:lnRef>
+          <a:fillRef idx="1">
+            <a:schemeClr val="accent1"/>
+          </a:fillRef>
+          <a:effectRef idx="0">
+            <a:schemeClr val="accent1"/>
+          </a:effectRef>
+          <a:fontRef idx="minor">
+            <a:schemeClr val="lt1"/>
+          </a:fontRef>
+        </p:style>
+        <p:txBody>
+          <a:bodyPr rtlCol="0" anchor="ctr"/>
+          <a:p>
+            <a:pPr algn="ctr"/>
+            <a:endParaRPr lang="en-US"/>
+          </a:p>
+        </p:txBody>
+      </p:sp>
+      <p:sp>
+        <p:nvSpPr>
+          <p:cNvPr id="2" name="Título 1"/>
+          <p:cNvSpPr>
+            <a:spLocks noGrp="1"/>
+          </p:cNvSpPr>
+          <p:nvPr>
+            <p:ph type="ctrTitle"/>
+          </p:nvPr>
+        </p:nvSpPr>
+        <p:spPr>
+          <a:xfrm>
+            <a:off x="974725" y="2315845"/>
+            <a:ext cx="7550150" cy="1299210"/>
+          </a:xfrm>
+        </p:spPr>
+        <p:txBody>
+          <a:bodyPr>
+            <a:noAutofit/>
+          </a:bodyPr>
+          <a:p>
+            <a:pPr algn="r"/>
+            <a:r>
+              <a:rPr lang="" altLang="en-US" sz="4000">
+                <a:solidFill>
+                  <a:schemeClr val="tx1"/>
+                </a:solidFill>
+                <a:effectLst>
+                  <a:outerShdw blurRad="38100" dist="38100" dir="2700000" algn="tl">
+                    <a:srgbClr val="000000">
+                      <a:alpha val="43137"/>
+                    </a:srgbClr>
+                  </a:outerShdw>
+                </a:effectLst>
+                <a:latin typeface="Laksaman" panose="020B0500040200020003" charset="0"/>
+                <a:cs typeface="Laksaman" panose="020B0500040200020003" charset="0"/>
+              </a:rPr>
+              <a:t>Git Básico</a:t>
+            </a:r>
+            <a:endParaRPr lang="" altLang="en-US" sz="4000">
+              <a:solidFill>
+                <a:schemeClr val="tx1"/>
+              </a:solidFill>
+              <a:effectLst>
+                <a:outerShdw blurRad="38100" dist="38100" dir="2700000" algn="tl">
+                  <a:srgbClr val="000000">
+                    <a:alpha val="43137"/>
+                  </a:srgbClr>
+                </a:outerShdw>
+              </a:effectLst>
+              <a:latin typeface="Laksaman" panose="020B0500040200020003" charset="0"/>
+              <a:cs typeface="Laksaman" panose="020B0500040200020003" charset="0"/>
+            </a:endParaRPr>
+          </a:p>
+        </p:txBody>
+      </p:sp>
+      <p:sp>
+        <p:nvSpPr>
+          <p:cNvPr id="15" name="Retângulo 3"/>
+          <p:cNvSpPr/>
+          <p:nvPr/>
+        </p:nvSpPr>
+        <p:spPr>
+          <a:xfrm flipH="1">
+            <a:off x="8890" y="226695"/>
+            <a:ext cx="12192000" cy="151130"/>
+          </a:xfrm>
+          <a:prstGeom prst="rect">
+            <a:avLst/>
+          </a:prstGeom>
+          <a:solidFill>
+            <a:srgbClr val="003324"/>
+          </a:solidFill>
+          <a:ln>
+            <a:noFill/>
+          </a:ln>
+        </p:spPr>
+        <p:style>
+          <a:lnRef idx="2">
+            <a:schemeClr val="accent1">
+              <a:shade val="50000"/>
+            </a:schemeClr>
+          </a:lnRef>
+          <a:fillRef idx="1">
+            <a:schemeClr val="accent1"/>
+          </a:fillRef>
+          <a:effectRef idx="0">
+            <a:schemeClr val="accent1"/>
+          </a:effectRef>
+          <a:fontRef idx="minor">
+            <a:schemeClr val="lt1"/>
+          </a:fontRef>
+        </p:style>
+        <p:txBody>
+          <a:bodyPr rtlCol="0" anchor="ctr"/>
+          <a:p>
+            <a:pPr algn="ctr"/>
+            <a:endParaRPr lang="pt-BR" altLang="en-US"/>
+          </a:p>
+        </p:txBody>
+      </p:sp>
+      <p:sp>
+        <p:nvSpPr>
+          <p:cNvPr id="16" name="Retângulo 3"/>
+          <p:cNvSpPr/>
+          <p:nvPr/>
+        </p:nvSpPr>
+        <p:spPr>
+          <a:xfrm flipH="1">
+            <a:off x="8890" y="6473190"/>
+            <a:ext cx="12192000" cy="151130"/>
+          </a:xfrm>
+          <a:prstGeom prst="rect">
+            <a:avLst/>
+          </a:prstGeom>
+          <a:solidFill>
+            <a:srgbClr val="003324"/>
+          </a:solidFill>
+          <a:ln>
+            <a:noFill/>
+          </a:ln>
+        </p:spPr>
+        <p:style>
+          <a:lnRef idx="2">
+            <a:schemeClr val="accent1">
+              <a:shade val="50000"/>
+            </a:schemeClr>
+          </a:lnRef>
+          <a:fillRef idx="1">
+            <a:schemeClr val="accent1"/>
+          </a:fillRef>
+          <a:effectRef idx="0">
+            <a:schemeClr val="accent1"/>
+          </a:effectRef>
+          <a:fontRef idx="minor">
+            <a:schemeClr val="lt1"/>
+          </a:fontRef>
+        </p:style>
+        <p:txBody>
+          <a:bodyPr rtlCol="0" anchor="ctr"/>
+          <a:p>
+            <a:pPr algn="ctr"/>
+            <a:endParaRPr lang="pt-BR" altLang="en-US"/>
+          </a:p>
+        </p:txBody>
+      </p:sp>
+      <p:sp>
+        <p:nvSpPr>
+          <p:cNvPr id="17" name="Retângulo 3"/>
+          <p:cNvSpPr/>
+          <p:nvPr/>
+        </p:nvSpPr>
+        <p:spPr>
+          <a:xfrm flipH="1">
+            <a:off x="15875" y="6703060"/>
+            <a:ext cx="12192000" cy="151130"/>
+          </a:xfrm>
+          <a:prstGeom prst="rect">
+            <a:avLst/>
+          </a:prstGeom>
+          <a:solidFill>
+            <a:srgbClr val="003324"/>
+          </a:solidFill>
+          <a:ln>
+            <a:noFill/>
+          </a:ln>
+        </p:spPr>
+        <p:style>
+          <a:lnRef idx="2">
+            <a:schemeClr val="accent1">
+              <a:shade val="50000"/>
+            </a:schemeClr>
+          </a:lnRef>
+          <a:fillRef idx="1">
+            <a:schemeClr val="accent1"/>
+          </a:fillRef>
+          <a:effectRef idx="0">
+            <a:schemeClr val="accent1"/>
+          </a:effectRef>
+          <a:fontRef idx="minor">
+            <a:schemeClr val="lt1"/>
+          </a:fontRef>
+        </p:style>
+        <p:txBody>
+          <a:bodyPr rtlCol="0" anchor="ctr"/>
+          <a:p>
+            <a:pPr algn="ctr"/>
+            <a:endParaRPr lang="pt-BR" altLang="en-US"/>
+          </a:p>
+        </p:txBody>
+      </p:sp>
+    </p:spTree>
+  </p:cSld>
+  <p:clrMapOvr>
+    <a:masterClrMapping/>
+  </p:clrMapOvr>
+</p:sld>
+</file>
+
+<file path=ppt/slides/slide30.xml><?xml version="1.0" encoding="utf-8"?>
 <p:sld xmlns:a="http://schemas.openxmlformats.org/drawingml/2006/main" xmlns:r="http://schemas.openxmlformats.org/officeDocument/2006/relationships" xmlns:p="http://schemas.openxmlformats.org/presentationml/2006/main">
   <p:cSld>
     <p:spTree>
@@ -10914,7 +12751,7 @@
 </p:sld>
 </file>
 
-<file path=ppt/slides/slide27.xml><?xml version="1.0" encoding="utf-8"?>
+<file path=ppt/slides/slide31.xml><?xml version="1.0" encoding="utf-8"?>
 <p:sld xmlns:a="http://schemas.openxmlformats.org/drawingml/2006/main" xmlns:r="http://schemas.openxmlformats.org/officeDocument/2006/relationships" xmlns:p="http://schemas.openxmlformats.org/presentationml/2006/main">
   <p:cSld>
     <p:spTree>
@@ -11316,7 +13153,7 @@
 </p:sld>
 </file>
 
-<file path=ppt/slides/slide28.xml><?xml version="1.0" encoding="utf-8"?>
+<file path=ppt/slides/slide32.xml><?xml version="1.0" encoding="utf-8"?>
 <p:sld xmlns:a="http://schemas.openxmlformats.org/drawingml/2006/main" xmlns:r="http://schemas.openxmlformats.org/officeDocument/2006/relationships" xmlns:p="http://schemas.openxmlformats.org/presentationml/2006/main">
   <p:cSld>
     <p:spTree>
@@ -11701,7 +13538,7 @@
 </p:sld>
 </file>
 
-<file path=ppt/slides/slide29.xml><?xml version="1.0" encoding="utf-8"?>
+<file path=ppt/slides/slide33.xml><?xml version="1.0" encoding="utf-8"?>
 <p:sld xmlns:a="http://schemas.openxmlformats.org/drawingml/2006/main" xmlns:r="http://schemas.openxmlformats.org/officeDocument/2006/relationships" xmlns:p="http://schemas.openxmlformats.org/presentationml/2006/main">
   <p:cSld>
     <p:spTree>
@@ -12086,403 +13923,7 @@
 </p:sld>
 </file>
 
-<file path=ppt/slides/slide3.xml><?xml version="1.0" encoding="utf-8"?>
-<p:sld xmlns:a="http://schemas.openxmlformats.org/drawingml/2006/main" xmlns:r="http://schemas.openxmlformats.org/officeDocument/2006/relationships" xmlns:p="http://schemas.openxmlformats.org/presentationml/2006/main">
-  <p:cSld>
-    <p:spTree>
-      <p:nvGrpSpPr>
-        <p:cNvPr id="1" name=""/>
-        <p:cNvGrpSpPr/>
-        <p:nvPr/>
-      </p:nvGrpSpPr>
-      <p:grpSpPr/>
-      <p:sp>
-        <p:nvSpPr>
-          <p:cNvPr id="4" name="Retângulo 3"/>
-          <p:cNvSpPr/>
-          <p:nvPr/>
-        </p:nvSpPr>
-        <p:spPr>
-          <a:xfrm flipH="1">
-            <a:off x="1905" y="-3175"/>
-            <a:ext cx="12192000" cy="151130"/>
-          </a:xfrm>
-          <a:prstGeom prst="rect">
-            <a:avLst/>
-          </a:prstGeom>
-          <a:solidFill>
-            <a:srgbClr val="003324"/>
-          </a:solidFill>
-          <a:ln>
-            <a:noFill/>
-          </a:ln>
-        </p:spPr>
-        <p:style>
-          <a:lnRef idx="2">
-            <a:schemeClr val="accent1">
-              <a:shade val="50000"/>
-            </a:schemeClr>
-          </a:lnRef>
-          <a:fillRef idx="1">
-            <a:schemeClr val="accent1"/>
-          </a:fillRef>
-          <a:effectRef idx="0">
-            <a:schemeClr val="accent1"/>
-          </a:effectRef>
-          <a:fontRef idx="minor">
-            <a:schemeClr val="lt1"/>
-          </a:fontRef>
-        </p:style>
-        <p:txBody>
-          <a:bodyPr rtlCol="0" anchor="ctr"/>
-          <a:p>
-            <a:pPr algn="ctr"/>
-            <a:endParaRPr lang="pt-BR" altLang="en-US"/>
-          </a:p>
-        </p:txBody>
-      </p:sp>
-      <p:pic>
-        <p:nvPicPr>
-          <p:cNvPr id="8" name="Picture 7"/>
-          <p:cNvPicPr>
-            <a:picLocks noChangeAspect="1"/>
-          </p:cNvPicPr>
-          <p:nvPr/>
-        </p:nvPicPr>
-        <p:blipFill>
-          <a:blip r:embed="rId1"/>
-          <a:stretch>
-            <a:fillRect/>
-          </a:stretch>
-        </p:blipFill>
-        <p:spPr>
-          <a:xfrm>
-            <a:off x="1905" y="1851660"/>
-            <a:ext cx="12192000" cy="2280920"/>
-          </a:xfrm>
-          <a:prstGeom prst="rect">
-            <a:avLst/>
-          </a:prstGeom>
-        </p:spPr>
-      </p:pic>
-      <p:sp>
-        <p:nvSpPr>
-          <p:cNvPr id="10" name="Rectangle 9"/>
-          <p:cNvSpPr/>
-          <p:nvPr/>
-        </p:nvSpPr>
-        <p:spPr>
-          <a:xfrm>
-            <a:off x="9802495" y="2043430"/>
-            <a:ext cx="2125980" cy="1899285"/>
-          </a:xfrm>
-          <a:prstGeom prst="rect">
-            <a:avLst/>
-          </a:prstGeom>
-          <a:solidFill>
-            <a:schemeClr val="bg1"/>
-          </a:solidFill>
-          <a:ln w="50800">
-            <a:solidFill>
-              <a:srgbClr val="76E5AE"/>
-            </a:solidFill>
-          </a:ln>
-        </p:spPr>
-        <p:style>
-          <a:lnRef idx="2">
-            <a:schemeClr val="accent1">
-              <a:shade val="50000"/>
-            </a:schemeClr>
-          </a:lnRef>
-          <a:fillRef idx="1">
-            <a:schemeClr val="accent1"/>
-          </a:fillRef>
-          <a:effectRef idx="0">
-            <a:schemeClr val="accent1"/>
-          </a:effectRef>
-          <a:fontRef idx="minor">
-            <a:schemeClr val="lt1"/>
-          </a:fontRef>
-        </p:style>
-        <p:txBody>
-          <a:bodyPr rtlCol="0" anchor="ctr"/>
-          <a:p>
-            <a:pPr algn="ctr"/>
-            <a:endParaRPr lang="en-US"/>
-          </a:p>
-        </p:txBody>
-      </p:sp>
-      <p:pic>
-        <p:nvPicPr>
-          <p:cNvPr id="7" name="Picture 6"/>
-          <p:cNvPicPr>
-            <a:picLocks noChangeAspect="1"/>
-          </p:cNvPicPr>
-          <p:nvPr/>
-        </p:nvPicPr>
-        <p:blipFill>
-          <a:blip r:embed="rId2"/>
-          <a:stretch>
-            <a:fillRect/>
-          </a:stretch>
-        </p:blipFill>
-        <p:spPr>
-          <a:xfrm>
-            <a:off x="10152380" y="2349500"/>
-            <a:ext cx="1431925" cy="1271905"/>
-          </a:xfrm>
-          <a:prstGeom prst="rect">
-            <a:avLst/>
-          </a:prstGeom>
-        </p:spPr>
-      </p:pic>
-      <p:sp>
-        <p:nvSpPr>
-          <p:cNvPr id="11" name="Rectangle 10"/>
-          <p:cNvSpPr/>
-          <p:nvPr/>
-        </p:nvSpPr>
-        <p:spPr>
-          <a:xfrm>
-            <a:off x="840105" y="2250440"/>
-            <a:ext cx="7979410" cy="1484630"/>
-          </a:xfrm>
-          <a:prstGeom prst="rect">
-            <a:avLst/>
-          </a:prstGeom>
-          <a:solidFill>
-            <a:schemeClr val="bg1">
-              <a:alpha val="79000"/>
-            </a:schemeClr>
-          </a:solidFill>
-          <a:ln>
-            <a:noFill/>
-          </a:ln>
-        </p:spPr>
-        <p:style>
-          <a:lnRef idx="2">
-            <a:schemeClr val="accent1">
-              <a:shade val="50000"/>
-            </a:schemeClr>
-          </a:lnRef>
-          <a:fillRef idx="1">
-            <a:schemeClr val="accent1"/>
-          </a:fillRef>
-          <a:effectRef idx="0">
-            <a:schemeClr val="accent1"/>
-          </a:effectRef>
-          <a:fontRef idx="minor">
-            <a:schemeClr val="lt1"/>
-          </a:fontRef>
-        </p:style>
-        <p:txBody>
-          <a:bodyPr rtlCol="0" anchor="ctr"/>
-          <a:p>
-            <a:pPr algn="ctr"/>
-            <a:endParaRPr lang="en-US"/>
-          </a:p>
-        </p:txBody>
-      </p:sp>
-      <p:sp>
-        <p:nvSpPr>
-          <p:cNvPr id="2" name="Título 1"/>
-          <p:cNvSpPr>
-            <a:spLocks noGrp="1"/>
-          </p:cNvSpPr>
-          <p:nvPr>
-            <p:ph type="ctrTitle"/>
-          </p:nvPr>
-        </p:nvSpPr>
-        <p:spPr>
-          <a:xfrm>
-            <a:off x="974725" y="2315845"/>
-            <a:ext cx="7550150" cy="1299210"/>
-          </a:xfrm>
-        </p:spPr>
-        <p:txBody>
-          <a:bodyPr>
-            <a:noAutofit/>
-          </a:bodyPr>
-          <a:p>
-            <a:pPr algn="r"/>
-            <a:r>
-              <a:rPr lang="" altLang="en-US" sz="4000">
-                <a:solidFill>
-                  <a:schemeClr val="tx1"/>
-                </a:solidFill>
-                <a:effectLst>
-                  <a:outerShdw blurRad="38100" dist="38100" dir="2700000" algn="tl">
-                    <a:srgbClr val="000000">
-                      <a:alpha val="43137"/>
-                    </a:srgbClr>
-                  </a:outerShdw>
-                </a:effectLst>
-                <a:latin typeface="Laksaman" panose="020B0500040200020003" charset="0"/>
-                <a:cs typeface="Laksaman" panose="020B0500040200020003" charset="0"/>
-              </a:rPr>
-              <a:t>Git Básico</a:t>
-            </a:r>
-            <a:endParaRPr lang="" altLang="en-US" sz="4000">
-              <a:solidFill>
-                <a:schemeClr val="tx1"/>
-              </a:solidFill>
-              <a:effectLst>
-                <a:outerShdw blurRad="38100" dist="38100" dir="2700000" algn="tl">
-                  <a:srgbClr val="000000">
-                    <a:alpha val="43137"/>
-                  </a:srgbClr>
-                </a:outerShdw>
-              </a:effectLst>
-              <a:latin typeface="Laksaman" panose="020B0500040200020003" charset="0"/>
-              <a:cs typeface="Laksaman" panose="020B0500040200020003" charset="0"/>
-            </a:endParaRPr>
-          </a:p>
-        </p:txBody>
-      </p:sp>
-      <p:sp>
-        <p:nvSpPr>
-          <p:cNvPr id="15" name="Retângulo 3"/>
-          <p:cNvSpPr/>
-          <p:nvPr/>
-        </p:nvSpPr>
-        <p:spPr>
-          <a:xfrm flipH="1">
-            <a:off x="8890" y="226695"/>
-            <a:ext cx="12192000" cy="151130"/>
-          </a:xfrm>
-          <a:prstGeom prst="rect">
-            <a:avLst/>
-          </a:prstGeom>
-          <a:solidFill>
-            <a:srgbClr val="003324"/>
-          </a:solidFill>
-          <a:ln>
-            <a:noFill/>
-          </a:ln>
-        </p:spPr>
-        <p:style>
-          <a:lnRef idx="2">
-            <a:schemeClr val="accent1">
-              <a:shade val="50000"/>
-            </a:schemeClr>
-          </a:lnRef>
-          <a:fillRef idx="1">
-            <a:schemeClr val="accent1"/>
-          </a:fillRef>
-          <a:effectRef idx="0">
-            <a:schemeClr val="accent1"/>
-          </a:effectRef>
-          <a:fontRef idx="minor">
-            <a:schemeClr val="lt1"/>
-          </a:fontRef>
-        </p:style>
-        <p:txBody>
-          <a:bodyPr rtlCol="0" anchor="ctr"/>
-          <a:p>
-            <a:pPr algn="ctr"/>
-            <a:endParaRPr lang="pt-BR" altLang="en-US"/>
-          </a:p>
-        </p:txBody>
-      </p:sp>
-      <p:sp>
-        <p:nvSpPr>
-          <p:cNvPr id="16" name="Retângulo 3"/>
-          <p:cNvSpPr/>
-          <p:nvPr/>
-        </p:nvSpPr>
-        <p:spPr>
-          <a:xfrm flipH="1">
-            <a:off x="8890" y="6473190"/>
-            <a:ext cx="12192000" cy="151130"/>
-          </a:xfrm>
-          <a:prstGeom prst="rect">
-            <a:avLst/>
-          </a:prstGeom>
-          <a:solidFill>
-            <a:srgbClr val="003324"/>
-          </a:solidFill>
-          <a:ln>
-            <a:noFill/>
-          </a:ln>
-        </p:spPr>
-        <p:style>
-          <a:lnRef idx="2">
-            <a:schemeClr val="accent1">
-              <a:shade val="50000"/>
-            </a:schemeClr>
-          </a:lnRef>
-          <a:fillRef idx="1">
-            <a:schemeClr val="accent1"/>
-          </a:fillRef>
-          <a:effectRef idx="0">
-            <a:schemeClr val="accent1"/>
-          </a:effectRef>
-          <a:fontRef idx="minor">
-            <a:schemeClr val="lt1"/>
-          </a:fontRef>
-        </p:style>
-        <p:txBody>
-          <a:bodyPr rtlCol="0" anchor="ctr"/>
-          <a:p>
-            <a:pPr algn="ctr"/>
-            <a:endParaRPr lang="pt-BR" altLang="en-US"/>
-          </a:p>
-        </p:txBody>
-      </p:sp>
-      <p:sp>
-        <p:nvSpPr>
-          <p:cNvPr id="17" name="Retângulo 3"/>
-          <p:cNvSpPr/>
-          <p:nvPr/>
-        </p:nvSpPr>
-        <p:spPr>
-          <a:xfrm flipH="1">
-            <a:off x="15875" y="6703060"/>
-            <a:ext cx="12192000" cy="151130"/>
-          </a:xfrm>
-          <a:prstGeom prst="rect">
-            <a:avLst/>
-          </a:prstGeom>
-          <a:solidFill>
-            <a:srgbClr val="003324"/>
-          </a:solidFill>
-          <a:ln>
-            <a:noFill/>
-          </a:ln>
-        </p:spPr>
-        <p:style>
-          <a:lnRef idx="2">
-            <a:schemeClr val="accent1">
-              <a:shade val="50000"/>
-            </a:schemeClr>
-          </a:lnRef>
-          <a:fillRef idx="1">
-            <a:schemeClr val="accent1"/>
-          </a:fillRef>
-          <a:effectRef idx="0">
-            <a:schemeClr val="accent1"/>
-          </a:effectRef>
-          <a:fontRef idx="minor">
-            <a:schemeClr val="lt1"/>
-          </a:fontRef>
-        </p:style>
-        <p:txBody>
-          <a:bodyPr rtlCol="0" anchor="ctr"/>
-          <a:p>
-            <a:pPr algn="ctr"/>
-            <a:endParaRPr lang="pt-BR" altLang="en-US"/>
-          </a:p>
-        </p:txBody>
-      </p:sp>
-    </p:spTree>
-  </p:cSld>
-  <p:clrMapOvr>
-    <a:masterClrMapping/>
-  </p:clrMapOvr>
-</p:sld>
-</file>
-
-<file path=ppt/slides/slide30.xml><?xml version="1.0" encoding="utf-8"?>
+<file path=ppt/slides/slide34.xml><?xml version="1.0" encoding="utf-8"?>
 <p:sld xmlns:a="http://schemas.openxmlformats.org/drawingml/2006/main" xmlns:r="http://schemas.openxmlformats.org/officeDocument/2006/relationships" xmlns:p="http://schemas.openxmlformats.org/presentationml/2006/main">
   <p:cSld>
     <p:spTree>
@@ -12878,7 +14319,7 @@
 </p:sld>
 </file>
 
-<file path=ppt/slides/slide31.xml><?xml version="1.0" encoding="utf-8"?>
+<file path=ppt/slides/slide35.xml><?xml version="1.0" encoding="utf-8"?>
 <p:sld xmlns:a="http://schemas.openxmlformats.org/drawingml/2006/main" xmlns:r="http://schemas.openxmlformats.org/officeDocument/2006/relationships" xmlns:p="http://schemas.openxmlformats.org/presentationml/2006/main">
   <p:cSld>
     <p:spTree>
@@ -13133,53 +14574,6 @@
       </p:sp>
       <p:sp>
         <p:nvSpPr>
-          <p:cNvPr id="18" name="Rectangle 17"/>
-          <p:cNvSpPr/>
-          <p:nvPr/>
-        </p:nvSpPr>
-        <p:spPr>
-          <a:xfrm>
-            <a:off x="1001395" y="1842135"/>
-            <a:ext cx="9816465" cy="4414520"/>
-          </a:xfrm>
-          <a:prstGeom prst="rect">
-            <a:avLst/>
-          </a:prstGeom>
-          <a:solidFill>
-            <a:schemeClr val="bg1">
-              <a:alpha val="66000"/>
-            </a:schemeClr>
-          </a:solidFill>
-          <a:ln>
-            <a:noFill/>
-          </a:ln>
-        </p:spPr>
-        <p:style>
-          <a:lnRef idx="2">
-            <a:schemeClr val="accent1">
-              <a:shade val="50000"/>
-            </a:schemeClr>
-          </a:lnRef>
-          <a:fillRef idx="1">
-            <a:schemeClr val="accent1"/>
-          </a:fillRef>
-          <a:effectRef idx="0">
-            <a:schemeClr val="accent1"/>
-          </a:effectRef>
-          <a:fontRef idx="minor">
-            <a:schemeClr val="lt1"/>
-          </a:fontRef>
-        </p:style>
-        <p:txBody>
-          <a:bodyPr rtlCol="0" anchor="ctr"/>
-          <a:p>
-            <a:pPr algn="ctr"/>
-            <a:endParaRPr lang="en-US"/>
-          </a:p>
-        </p:txBody>
-      </p:sp>
-      <p:sp>
-        <p:nvSpPr>
           <p:cNvPr id="17" name="Retângulo 3"/>
           <p:cNvSpPr/>
           <p:nvPr/>
@@ -13223,142 +14617,178 @@
           </a:p>
         </p:txBody>
       </p:sp>
-      <p:sp>
-        <p:nvSpPr>
-          <p:cNvPr id="6" name="Text Box 5"/>
-          <p:cNvSpPr txBox="1"/>
-          <p:nvPr/>
-        </p:nvSpPr>
-        <p:spPr>
-          <a:xfrm>
-            <a:off x="1374775" y="1967230"/>
-            <a:ext cx="8605520" cy="2968625"/>
-          </a:xfrm>
-          <a:prstGeom prst="rect">
-            <a:avLst/>
-          </a:prstGeom>
-          <a:noFill/>
-        </p:spPr>
-        <p:txBody>
-          <a:bodyPr wrap="square" rtlCol="0">
-            <a:spAutoFit/>
+      <p:pic>
+        <p:nvPicPr>
+          <p:cNvPr id="5" name="Picture 4"/>
+          <p:cNvPicPr>
+            <a:picLocks noChangeAspect="1"/>
+          </p:cNvPicPr>
+          <p:nvPr/>
+        </p:nvPicPr>
+        <p:blipFill>
+          <a:blip r:embed="rId3"/>
+          <a:stretch>
+            <a:fillRect/>
+          </a:stretch>
+        </p:blipFill>
+        <p:spPr>
+          <a:xfrm>
+            <a:off x="725805" y="2197100"/>
+            <a:ext cx="9410700" cy="3933825"/>
+          </a:xfrm>
+          <a:prstGeom prst="rect">
+            <a:avLst/>
+          </a:prstGeom>
+        </p:spPr>
+      </p:pic>
+      <p:pic>
+        <p:nvPicPr>
+          <p:cNvPr id="4" name="Picture 3"/>
+          <p:cNvPicPr>
+            <a:picLocks noChangeAspect="1"/>
+          </p:cNvPicPr>
+          <p:nvPr/>
+        </p:nvPicPr>
+        <p:blipFill>
+          <a:blip r:embed="rId4"/>
+          <a:srcRect b="40194"/>
+          <a:stretch>
+            <a:fillRect/>
+          </a:stretch>
+        </p:blipFill>
+        <p:spPr>
+          <a:xfrm>
+            <a:off x="7699375" y="1962785"/>
+            <a:ext cx="4280535" cy="1094105"/>
+          </a:xfrm>
+          <a:prstGeom prst="rect">
+            <a:avLst/>
+          </a:prstGeom>
+          <a:ln w="57150">
+            <a:solidFill>
+              <a:srgbClr val="003324"/>
+            </a:solidFill>
+          </a:ln>
+        </p:spPr>
+      </p:pic>
+      <p:sp>
+        <p:nvSpPr>
+          <p:cNvPr id="12" name="Rectangle 11"/>
+          <p:cNvSpPr/>
+          <p:nvPr/>
+        </p:nvSpPr>
+        <p:spPr>
+          <a:xfrm>
+            <a:off x="5455920" y="4478655"/>
+            <a:ext cx="5947410" cy="1484630"/>
+          </a:xfrm>
+          <a:prstGeom prst="rect">
+            <a:avLst/>
+          </a:prstGeom>
+          <a:solidFill>
+            <a:schemeClr val="accent3">
+              <a:lumMod val="75000"/>
+              <a:alpha val="32000"/>
+            </a:schemeClr>
+          </a:solidFill>
+          <a:ln>
+            <a:noFill/>
+          </a:ln>
+        </p:spPr>
+        <p:style>
+          <a:lnRef idx="2">
+            <a:schemeClr val="accent1">
+              <a:shade val="50000"/>
+            </a:schemeClr>
+          </a:lnRef>
+          <a:fillRef idx="1">
+            <a:schemeClr val="accent1"/>
+          </a:fillRef>
+          <a:effectRef idx="0">
+            <a:schemeClr val="accent1"/>
+          </a:effectRef>
+          <a:fontRef idx="minor">
+            <a:schemeClr val="lt1"/>
+          </a:fontRef>
+        </p:style>
+        <p:txBody>
+          <a:bodyPr rtlCol="0" anchor="ctr"/>
+          <a:p>
+            <a:pPr algn="ctr"/>
+            <a:endParaRPr lang="en-US"/>
+          </a:p>
+        </p:txBody>
+      </p:sp>
+      <p:sp>
+        <p:nvSpPr>
+          <p:cNvPr id="13" name="Título 1"/>
+          <p:cNvSpPr>
+            <a:spLocks noGrp="1"/>
+          </p:cNvSpPr>
+          <p:nvPr/>
+        </p:nvSpPr>
+        <p:spPr>
+          <a:xfrm>
+            <a:off x="5650230" y="4571365"/>
+            <a:ext cx="5311775" cy="1299210"/>
+          </a:xfrm>
+          <a:prstGeom prst="rect">
+            <a:avLst/>
+          </a:prstGeom>
+        </p:spPr>
+        <p:txBody>
+          <a:bodyPr vert="horz" lIns="91440" tIns="45720" rIns="91440" bIns="45720" rtlCol="0" anchor="b">
+            <a:noAutofit/>
           </a:bodyPr>
-          <a:p>
-            <a:pPr marL="457200" indent="-457200">
+          <a:lstStyle>
+            <a:lvl1pPr algn="ctr" defTabSz="914400" rtl="0" eaLnBrk="1" latinLnBrk="0" hangingPunct="1">
               <a:lnSpc>
-                <a:spcPct val="130000"/>
+                <a:spcPct val="90000"/>
               </a:lnSpc>
-              <a:buFont typeface="Arial" panose="02080604020202020204" pitchFamily="34" charset="0"/>
-              <a:buChar char="•"/>
-            </a:pPr>
+              <a:spcBef>
+                <a:spcPct val="0"/>
+              </a:spcBef>
+              <a:buNone/>
+              <a:defRPr sz="6000" kern="1200">
+                <a:solidFill>
+                  <a:schemeClr val="tx1"/>
+                </a:solidFill>
+                <a:latin typeface="+mj-lt"/>
+                <a:ea typeface="+mj-ea"/>
+                <a:cs typeface="+mj-cs"/>
+              </a:defRPr>
+            </a:lvl1pPr>
+          </a:lstStyle>
+          <a:p>
+            <a:pPr algn="ctr"/>
             <a:r>
-              <a:rPr lang="en-US" altLang="en-US" sz="2400">
+              <a:rPr lang="" altLang="en-US" sz="4000">
+                <a:solidFill>
+                  <a:schemeClr val="tx1"/>
+                </a:solidFill>
+                <a:effectLst>
+                  <a:outerShdw blurRad="38100" dist="38100" dir="2700000" algn="tl">
+                    <a:srgbClr val="000000">
+                      <a:alpha val="43137"/>
+                    </a:srgbClr>
+                  </a:outerShdw>
+                </a:effectLst>
                 <a:latin typeface="Laksaman" panose="020B0500040200020003" charset="0"/>
                 <a:cs typeface="Laksaman" panose="020B0500040200020003" charset="0"/>
               </a:rPr>
-              <a:t>Ferramenta devidamente testada</a:t>
+              <a:t>Bastante utilizado</a:t>
             </a:r>
-            <a:br>
-              <a:rPr lang="en-US" altLang="en-US" sz="2400">
-                <a:latin typeface="Laksaman" panose="020B0500040200020003" charset="0"/>
-                <a:cs typeface="Laksaman" panose="020B0500040200020003" charset="0"/>
-              </a:rPr>
-            </a:br>
-            <a:r>
-              <a:rPr lang="en-US" altLang="en-US" sz="2400">
-                <a:latin typeface="Laksaman" panose="020B0500040200020003" charset="0"/>
-                <a:cs typeface="Laksaman" panose="020B0500040200020003" charset="0"/>
-              </a:rPr>
-              <a:t>	- 20 milhões de repositórios</a:t>
-            </a:r>
-            <a:endParaRPr lang="en-US" altLang="en-US" sz="2400">
-              <a:latin typeface="Laksaman" panose="020B0500040200020003" charset="0"/>
-              <a:cs typeface="Laksaman" panose="020B0500040200020003" charset="0"/>
-            </a:endParaRPr>
-          </a:p>
-          <a:p>
-            <a:pPr marL="457200" indent="-457200">
-              <a:lnSpc>
-                <a:spcPct val="130000"/>
-              </a:lnSpc>
-              <a:buFont typeface="Arial" panose="02080604020202020204" pitchFamily="34" charset="0"/>
-              <a:buChar char="•"/>
-            </a:pPr>
-            <a:r>
-              <a:rPr lang="en-US" altLang="en-US" sz="2400">
-                <a:latin typeface="Laksaman" panose="020B0500040200020003" charset="0"/>
-                <a:cs typeface="Laksaman" panose="020B0500040200020003" charset="0"/>
-              </a:rPr>
-              <a:t> Gerenciador de tarefas integrado</a:t>
-            </a:r>
-            <a:br>
-              <a:rPr lang="en-US" altLang="en-US" sz="2400">
-                <a:latin typeface="Laksaman" panose="020B0500040200020003" charset="0"/>
-                <a:cs typeface="Laksaman" panose="020B0500040200020003" charset="0"/>
-              </a:rPr>
-            </a:br>
-            <a:r>
-              <a:rPr lang="en-US" altLang="en-US" sz="2400">
-                <a:latin typeface="Laksaman" panose="020B0500040200020003" charset="0"/>
-                <a:cs typeface="Laksaman" panose="020B0500040200020003" charset="0"/>
-              </a:rPr>
-              <a:t>	- Tarefas e </a:t>
-            </a:r>
-            <a:r>
-              <a:rPr lang="en-US" altLang="en-US" sz="2400" i="1">
-                <a:latin typeface="Laksaman" panose="020B0500040200020003" charset="0"/>
-                <a:cs typeface="Laksaman" panose="020B0500040200020003" charset="0"/>
-              </a:rPr>
-              <a:t>milestones</a:t>
-            </a:r>
-            <a:endParaRPr lang="en-US" altLang="en-US" sz="2400">
-              <a:latin typeface="Laksaman" panose="020B0500040200020003" charset="0"/>
-              <a:cs typeface="Laksaman" panose="020B0500040200020003" charset="0"/>
-            </a:endParaRPr>
-          </a:p>
-          <a:p>
-            <a:pPr marL="457200" indent="-457200">
-              <a:lnSpc>
-                <a:spcPct val="130000"/>
-              </a:lnSpc>
-              <a:buFont typeface="Arial" panose="02080604020202020204" pitchFamily="34" charset="0"/>
-              <a:buChar char="•"/>
-            </a:pPr>
-            <a:r>
-              <a:rPr lang="en-US" altLang="en-US" sz="2400">
-                <a:latin typeface="Laksaman" panose="020B0500040200020003" charset="0"/>
-                <a:cs typeface="Laksaman" panose="020B0500040200020003" charset="0"/>
-              </a:rPr>
-              <a:t> Revisão colaborativa de código</a:t>
-            </a:r>
-            <a:br>
-              <a:rPr lang="en-US" altLang="en-US" sz="2400">
-                <a:latin typeface="Laksaman" panose="020B0500040200020003" charset="0"/>
-                <a:cs typeface="Laksaman" panose="020B0500040200020003" charset="0"/>
-              </a:rPr>
-            </a:br>
-            <a:r>
-              <a:rPr lang="en-US" altLang="en-US" sz="2400">
-                <a:latin typeface="Laksaman" panose="020B0500040200020003" charset="0"/>
-                <a:cs typeface="Laksaman" panose="020B0500040200020003" charset="0"/>
-              </a:rPr>
-              <a:t>	- </a:t>
-            </a:r>
-            <a:r>
-              <a:rPr lang="en-US" altLang="en-US" sz="2400" i="1">
-                <a:latin typeface="Laksaman" panose="020B0500040200020003" charset="0"/>
-                <a:cs typeface="Laksaman" panose="020B0500040200020003" charset="0"/>
-              </a:rPr>
-              <a:t>Pull Requests</a:t>
-            </a:r>
-            <a:r>
-              <a:rPr lang="en-US" altLang="en-US" sz="2400">
-                <a:latin typeface="Laksaman" panose="020B0500040200020003" charset="0"/>
-                <a:cs typeface="Laksaman" panose="020B0500040200020003" charset="0"/>
-              </a:rPr>
-              <a:t> com comentários</a:t>
-            </a:r>
-            <a:endParaRPr lang="en-US" altLang="en-US" sz="2400">
+            <a:endParaRPr lang="" altLang="en-US" sz="4000" i="1">
+              <a:solidFill>
+                <a:schemeClr val="tx1"/>
+              </a:solidFill>
+              <a:effectLst>
+                <a:outerShdw blurRad="38100" dist="38100" dir="2700000" algn="tl">
+                  <a:srgbClr val="000000">
+                    <a:alpha val="43137"/>
+                  </a:srgbClr>
+                </a:outerShdw>
+              </a:effectLst>
               <a:latin typeface="Laksaman" panose="020B0500040200020003" charset="0"/>
               <a:cs typeface="Laksaman" panose="020B0500040200020003" charset="0"/>
             </a:endParaRPr>
@@ -13373,7 +14803,7 @@
 </p:sld>
 </file>
 
-<file path=ppt/slides/slide32.xml><?xml version="1.0" encoding="utf-8"?>
+<file path=ppt/slides/slide36.xml><?xml version="1.0" encoding="utf-8"?>
 <p:sld xmlns:a="http://schemas.openxmlformats.org/drawingml/2006/main" xmlns:r="http://schemas.openxmlformats.org/officeDocument/2006/relationships" xmlns:p="http://schemas.openxmlformats.org/presentationml/2006/main">
   <p:cSld>
     <p:spTree>
@@ -13628,53 +15058,6 @@
       </p:sp>
       <p:sp>
         <p:nvSpPr>
-          <p:cNvPr id="18" name="Rectangle 17"/>
-          <p:cNvSpPr/>
-          <p:nvPr/>
-        </p:nvSpPr>
-        <p:spPr>
-          <a:xfrm>
-            <a:off x="1001395" y="1842135"/>
-            <a:ext cx="9816465" cy="4414520"/>
-          </a:xfrm>
-          <a:prstGeom prst="rect">
-            <a:avLst/>
-          </a:prstGeom>
-          <a:solidFill>
-            <a:schemeClr val="bg1">
-              <a:alpha val="66000"/>
-            </a:schemeClr>
-          </a:solidFill>
-          <a:ln>
-            <a:noFill/>
-          </a:ln>
-        </p:spPr>
-        <p:style>
-          <a:lnRef idx="2">
-            <a:schemeClr val="accent1">
-              <a:shade val="50000"/>
-            </a:schemeClr>
-          </a:lnRef>
-          <a:fillRef idx="1">
-            <a:schemeClr val="accent1"/>
-          </a:fillRef>
-          <a:effectRef idx="0">
-            <a:schemeClr val="accent1"/>
-          </a:effectRef>
-          <a:fontRef idx="minor">
-            <a:schemeClr val="lt1"/>
-          </a:fontRef>
-        </p:style>
-        <p:txBody>
-          <a:bodyPr rtlCol="0" anchor="ctr"/>
-          <a:p>
-            <a:pPr algn="ctr"/>
-            <a:endParaRPr lang="en-US"/>
-          </a:p>
-        </p:txBody>
-      </p:sp>
-      <p:sp>
-        <p:nvSpPr>
           <p:cNvPr id="17" name="Retângulo 3"/>
           <p:cNvSpPr/>
           <p:nvPr/>
@@ -13718,155 +15101,165 @@
           </a:p>
         </p:txBody>
       </p:sp>
-      <p:sp>
-        <p:nvSpPr>
-          <p:cNvPr id="6" name="Text Box 5"/>
-          <p:cNvSpPr txBox="1"/>
-          <p:nvPr/>
-        </p:nvSpPr>
-        <p:spPr>
-          <a:xfrm>
-            <a:off x="1374775" y="1981200"/>
-            <a:ext cx="8605520" cy="3448685"/>
-          </a:xfrm>
-          <a:prstGeom prst="rect">
-            <a:avLst/>
-          </a:prstGeom>
-          <a:noFill/>
-        </p:spPr>
-        <p:txBody>
-          <a:bodyPr wrap="square" rtlCol="0">
-            <a:spAutoFit/>
+      <p:pic>
+        <p:nvPicPr>
+          <p:cNvPr id="9" name="Picture 8"/>
+          <p:cNvPicPr>
+            <a:picLocks noChangeAspect="1"/>
+          </p:cNvPicPr>
+          <p:nvPr/>
+        </p:nvPicPr>
+        <p:blipFill>
+          <a:blip r:embed="rId3"/>
+          <a:stretch>
+            <a:fillRect/>
+          </a:stretch>
+        </p:blipFill>
+        <p:spPr>
+          <a:xfrm>
+            <a:off x="642620" y="1815465"/>
+            <a:ext cx="10175240" cy="4428490"/>
+          </a:xfrm>
+          <a:prstGeom prst="rect">
+            <a:avLst/>
+          </a:prstGeom>
+        </p:spPr>
+      </p:pic>
+      <p:sp>
+        <p:nvSpPr>
+          <p:cNvPr id="3" name="Rectangle 2"/>
+          <p:cNvSpPr/>
+          <p:nvPr/>
+        </p:nvSpPr>
+        <p:spPr>
+          <a:xfrm>
+            <a:off x="5455920" y="4478655"/>
+            <a:ext cx="5947410" cy="1484630"/>
+          </a:xfrm>
+          <a:prstGeom prst="rect">
+            <a:avLst/>
+          </a:prstGeom>
+          <a:solidFill>
+            <a:schemeClr val="accent3">
+              <a:lumMod val="75000"/>
+              <a:alpha val="32000"/>
+            </a:schemeClr>
+          </a:solidFill>
+          <a:ln>
+            <a:noFill/>
+          </a:ln>
+        </p:spPr>
+        <p:style>
+          <a:lnRef idx="2">
+            <a:schemeClr val="accent1">
+              <a:shade val="50000"/>
+            </a:schemeClr>
+          </a:lnRef>
+          <a:fillRef idx="1">
+            <a:schemeClr val="accent1"/>
+          </a:fillRef>
+          <a:effectRef idx="0">
+            <a:schemeClr val="accent1"/>
+          </a:effectRef>
+          <a:fontRef idx="minor">
+            <a:schemeClr val="lt1"/>
+          </a:fontRef>
+        </p:style>
+        <p:txBody>
+          <a:bodyPr rtlCol="0" anchor="ctr"/>
+          <a:p>
+            <a:pPr algn="ctr"/>
+            <a:endParaRPr lang="en-US"/>
+          </a:p>
+        </p:txBody>
+      </p:sp>
+      <p:sp>
+        <p:nvSpPr>
+          <p:cNvPr id="6" name="Título 1"/>
+          <p:cNvSpPr>
+            <a:spLocks noGrp="1"/>
+          </p:cNvSpPr>
+          <p:nvPr/>
+        </p:nvSpPr>
+        <p:spPr>
+          <a:xfrm>
+            <a:off x="5650230" y="4571365"/>
+            <a:ext cx="5311775" cy="1299210"/>
+          </a:xfrm>
+          <a:prstGeom prst="rect">
+            <a:avLst/>
+          </a:prstGeom>
+        </p:spPr>
+        <p:txBody>
+          <a:bodyPr vert="horz" lIns="91440" tIns="45720" rIns="91440" bIns="45720" rtlCol="0" anchor="b">
+            <a:noAutofit/>
           </a:bodyPr>
-          <a:p>
-            <a:pPr marL="457200" indent="-457200">
+          <a:lstStyle>
+            <a:lvl1pPr algn="ctr" defTabSz="914400" rtl="0" eaLnBrk="1" latinLnBrk="0" hangingPunct="1">
               <a:lnSpc>
-                <a:spcPct val="130000"/>
+                <a:spcPct val="90000"/>
               </a:lnSpc>
-              <a:buFont typeface="Arial" panose="02080604020202020204" pitchFamily="34" charset="0"/>
-              <a:buChar char="•"/>
-            </a:pPr>
+              <a:spcBef>
+                <a:spcPct val="0"/>
+              </a:spcBef>
+              <a:buNone/>
+              <a:defRPr sz="6000" kern="1200">
+                <a:solidFill>
+                  <a:schemeClr val="tx1"/>
+                </a:solidFill>
+                <a:latin typeface="+mj-lt"/>
+                <a:ea typeface="+mj-ea"/>
+                <a:cs typeface="+mj-cs"/>
+              </a:defRPr>
+            </a:lvl1pPr>
+          </a:lstStyle>
+          <a:p>
+            <a:pPr algn="ctr"/>
             <a:r>
-              <a:rPr lang="en-US" altLang="en-US" sz="2400">
+              <a:rPr lang="" altLang="en-US" sz="4000">
+                <a:solidFill>
+                  <a:schemeClr val="tx1"/>
+                </a:solidFill>
+                <a:effectLst>
+                  <a:outerShdw blurRad="38100" dist="38100" dir="2700000" algn="tl">
+                    <a:srgbClr val="000000">
+                      <a:alpha val="43137"/>
+                    </a:srgbClr>
+                  </a:outerShdw>
+                </a:effectLst>
                 <a:latin typeface="Laksaman" panose="020B0500040200020003" charset="0"/>
                 <a:cs typeface="Laksaman" panose="020B0500040200020003" charset="0"/>
               </a:rPr>
-              <a:t>Gerenciador de equipes integrado</a:t>
+              <a:t>Tarefas e </a:t>
             </a:r>
-            <a:br>
-              <a:rPr lang="en-US" altLang="en-US" sz="2400">
+            <a:r>
+              <a:rPr lang="" altLang="en-US" sz="4000" i="1">
+                <a:solidFill>
+                  <a:schemeClr val="tx1"/>
+                </a:solidFill>
+                <a:effectLst>
+                  <a:outerShdw blurRad="38100" dist="38100" dir="2700000" algn="tl">
+                    <a:srgbClr val="000000">
+                      <a:alpha val="43137"/>
+                    </a:srgbClr>
+                  </a:outerShdw>
+                </a:effectLst>
                 <a:latin typeface="Laksaman" panose="020B0500040200020003" charset="0"/>
                 <a:cs typeface="Laksaman" panose="020B0500040200020003" charset="0"/>
               </a:rPr>
-            </a:br>
-            <a:r>
-              <a:rPr lang="en-US" altLang="en-US" sz="2400">
-                <a:latin typeface="Laksaman" panose="020B0500040200020003" charset="0"/>
-                <a:cs typeface="Laksaman" panose="020B0500040200020003" charset="0"/>
-              </a:rPr>
-              <a:t>	- Organizações</a:t>
+              <a:t>Milestones</a:t>
             </a:r>
-            <a:endParaRPr lang="en-US" altLang="en-US" sz="2400">
-              <a:latin typeface="Laksaman" panose="020B0500040200020003" charset="0"/>
-              <a:cs typeface="Laksaman" panose="020B0500040200020003" charset="0"/>
-            </a:endParaRPr>
-          </a:p>
-          <a:p>
-            <a:pPr marL="457200" indent="-457200">
-              <a:lnSpc>
-                <a:spcPct val="130000"/>
-              </a:lnSpc>
-              <a:buFont typeface="Arial" panose="02080604020202020204" pitchFamily="34" charset="0"/>
-              <a:buChar char="•"/>
-            </a:pPr>
-            <a:r>
-              <a:rPr lang="en-US" altLang="en-US" sz="2400">
-                <a:latin typeface="Laksaman" panose="020B0500040200020003" charset="0"/>
-                <a:cs typeface="Laksaman" panose="020B0500040200020003" charset="0"/>
-              </a:rPr>
-              <a:t> Editor de texto simplificado e poderoso</a:t>
-            </a:r>
-            <a:br>
-              <a:rPr lang="en-US" altLang="en-US" sz="2400">
-                <a:latin typeface="Laksaman" panose="020B0500040200020003" charset="0"/>
-                <a:cs typeface="Laksaman" panose="020B0500040200020003" charset="0"/>
-              </a:rPr>
-            </a:br>
-            <a:r>
-              <a:rPr lang="en-US" altLang="en-US" sz="2400">
-                <a:latin typeface="Laksaman" panose="020B0500040200020003" charset="0"/>
-                <a:cs typeface="Laksaman" panose="020B0500040200020003" charset="0"/>
-              </a:rPr>
-              <a:t>	- </a:t>
-            </a:r>
-            <a:r>
-              <a:rPr lang="en-US" altLang="en-US" sz="2400" i="1">
-                <a:latin typeface="Laksaman" panose="020B0500040200020003" charset="0"/>
-                <a:cs typeface="Laksaman" panose="020B0500040200020003" charset="0"/>
-              </a:rPr>
-              <a:t>Markdown</a:t>
-            </a:r>
-            <a:endParaRPr lang="en-US" altLang="en-US" sz="2400">
-              <a:latin typeface="Laksaman" panose="020B0500040200020003" charset="0"/>
-              <a:cs typeface="Laksaman" panose="020B0500040200020003" charset="0"/>
-            </a:endParaRPr>
-          </a:p>
-          <a:p>
-            <a:pPr marL="457200" indent="-457200">
-              <a:lnSpc>
-                <a:spcPct val="130000"/>
-              </a:lnSpc>
-              <a:buFont typeface="Arial" panose="02080604020202020204" pitchFamily="34" charset="0"/>
-              <a:buChar char="•"/>
-            </a:pPr>
-            <a:r>
-              <a:rPr lang="en-US" altLang="en-US" sz="2400">
-                <a:latin typeface="Laksaman" panose="020B0500040200020003" charset="0"/>
-                <a:cs typeface="Laksaman" panose="020B0500040200020003" charset="0"/>
-              </a:rPr>
-              <a:t> </a:t>
-            </a:r>
-            <a:r>
-              <a:rPr lang="en-US" altLang="en-US" sz="2400" i="1">
-                <a:latin typeface="Laksaman" panose="020B0500040200020003" charset="0"/>
-                <a:cs typeface="Laksaman" panose="020B0500040200020003" charset="0"/>
-              </a:rPr>
-              <a:t>Highlighted Code</a:t>
-            </a:r>
-            <a:br>
-              <a:rPr lang="en-US" altLang="en-US" sz="2400" i="1">
-                <a:latin typeface="Laksaman" panose="020B0500040200020003" charset="0"/>
-                <a:cs typeface="Laksaman" panose="020B0500040200020003" charset="0"/>
-              </a:rPr>
-            </a:br>
-            <a:r>
-              <a:rPr lang="en-US" altLang="en-US" sz="2400">
-                <a:latin typeface="Laksaman" panose="020B0500040200020003" charset="0"/>
-                <a:cs typeface="Laksaman" panose="020B0500040200020003" charset="0"/>
-              </a:rPr>
-              <a:t>	- Suporta mais de 200 linguagens</a:t>
-            </a:r>
-            <a:endParaRPr lang="en-US" altLang="en-US" sz="2400">
-              <a:latin typeface="Laksaman" panose="020B0500040200020003" charset="0"/>
-              <a:cs typeface="Laksaman" panose="020B0500040200020003" charset="0"/>
-            </a:endParaRPr>
-          </a:p>
-          <a:p>
-            <a:pPr marL="457200" indent="-457200">
-              <a:lnSpc>
-                <a:spcPct val="130000"/>
-              </a:lnSpc>
-              <a:buFont typeface="Arial" panose="02080604020202020204" pitchFamily="34" charset="0"/>
-              <a:buChar char="•"/>
-            </a:pPr>
-            <a:r>
-              <a:rPr lang="" altLang="en-US" sz="2400">
-                <a:latin typeface="Laksaman" panose="020B0500040200020003" charset="0"/>
-                <a:cs typeface="Laksaman" panose="020B0500040200020003" charset="0"/>
-              </a:rPr>
-              <a:t>Possibilidade de repositórios privados</a:t>
-            </a:r>
-            <a:endParaRPr lang="" altLang="en-US" sz="2400">
+            <a:endParaRPr lang="" altLang="en-US" sz="4000" i="1">
+              <a:solidFill>
+                <a:schemeClr val="tx1"/>
+              </a:solidFill>
+              <a:effectLst>
+                <a:outerShdw blurRad="38100" dist="38100" dir="2700000" algn="tl">
+                  <a:srgbClr val="000000">
+                    <a:alpha val="43137"/>
+                  </a:srgbClr>
+                </a:outerShdw>
+              </a:effectLst>
               <a:latin typeface="Laksaman" panose="020B0500040200020003" charset="0"/>
               <a:cs typeface="Laksaman" panose="020B0500040200020003" charset="0"/>
             </a:endParaRPr>
@@ -13881,7 +15274,2727 @@
 </p:sld>
 </file>
 
-<file path=ppt/slides/slide33.xml><?xml version="1.0" encoding="utf-8"?>
+<file path=ppt/slides/slide37.xml><?xml version="1.0" encoding="utf-8"?>
+<p:sld xmlns:a="http://schemas.openxmlformats.org/drawingml/2006/main" xmlns:r="http://schemas.openxmlformats.org/officeDocument/2006/relationships" xmlns:p="http://schemas.openxmlformats.org/presentationml/2006/main">
+  <p:cSld>
+    <p:spTree>
+      <p:nvGrpSpPr>
+        <p:cNvPr id="1" name=""/>
+        <p:cNvGrpSpPr/>
+        <p:nvPr/>
+      </p:nvGrpSpPr>
+      <p:grpSpPr/>
+      <p:pic>
+        <p:nvPicPr>
+          <p:cNvPr id="8" name="Picture 7"/>
+          <p:cNvPicPr>
+            <a:picLocks noChangeAspect="1"/>
+          </p:cNvPicPr>
+          <p:nvPr/>
+        </p:nvPicPr>
+        <p:blipFill>
+          <a:blip r:embed="rId1"/>
+          <a:stretch>
+            <a:fillRect/>
+          </a:stretch>
+        </p:blipFill>
+        <p:spPr>
+          <a:xfrm>
+            <a:off x="1905" y="360045"/>
+            <a:ext cx="12192000" cy="1264920"/>
+          </a:xfrm>
+          <a:prstGeom prst="rect">
+            <a:avLst/>
+          </a:prstGeom>
+        </p:spPr>
+      </p:pic>
+      <p:sp>
+        <p:nvSpPr>
+          <p:cNvPr id="10" name="Rectangle 9"/>
+          <p:cNvSpPr/>
+          <p:nvPr/>
+        </p:nvSpPr>
+        <p:spPr>
+          <a:xfrm>
+            <a:off x="10817860" y="448310"/>
+            <a:ext cx="1162050" cy="1029970"/>
+          </a:xfrm>
+          <a:prstGeom prst="rect">
+            <a:avLst/>
+          </a:prstGeom>
+          <a:solidFill>
+            <a:schemeClr val="bg1"/>
+          </a:solidFill>
+          <a:ln w="50800">
+            <a:solidFill>
+              <a:srgbClr val="76E5AE"/>
+            </a:solidFill>
+          </a:ln>
+        </p:spPr>
+        <p:style>
+          <a:lnRef idx="2">
+            <a:schemeClr val="accent1">
+              <a:shade val="50000"/>
+            </a:schemeClr>
+          </a:lnRef>
+          <a:fillRef idx="1">
+            <a:schemeClr val="accent1"/>
+          </a:fillRef>
+          <a:effectRef idx="0">
+            <a:schemeClr val="accent1"/>
+          </a:effectRef>
+          <a:fontRef idx="minor">
+            <a:schemeClr val="lt1"/>
+          </a:fontRef>
+        </p:style>
+        <p:txBody>
+          <a:bodyPr rtlCol="0" anchor="ctr"/>
+          <a:p>
+            <a:pPr algn="ctr"/>
+            <a:endParaRPr lang="en-US"/>
+          </a:p>
+        </p:txBody>
+      </p:sp>
+      <p:pic>
+        <p:nvPicPr>
+          <p:cNvPr id="7" name="Picture 6"/>
+          <p:cNvPicPr>
+            <a:picLocks noChangeAspect="1"/>
+          </p:cNvPicPr>
+          <p:nvPr/>
+        </p:nvPicPr>
+        <p:blipFill>
+          <a:blip r:embed="rId2"/>
+          <a:stretch>
+            <a:fillRect/>
+          </a:stretch>
+        </p:blipFill>
+        <p:spPr>
+          <a:xfrm>
+            <a:off x="10962005" y="571500"/>
+            <a:ext cx="873760" cy="776605"/>
+          </a:xfrm>
+          <a:prstGeom prst="rect">
+            <a:avLst/>
+          </a:prstGeom>
+        </p:spPr>
+      </p:pic>
+      <p:sp>
+        <p:nvSpPr>
+          <p:cNvPr id="11" name="Rectangle 10"/>
+          <p:cNvSpPr/>
+          <p:nvPr/>
+        </p:nvSpPr>
+        <p:spPr>
+          <a:xfrm>
+            <a:off x="237490" y="509905"/>
+            <a:ext cx="9477375" cy="899795"/>
+          </a:xfrm>
+          <a:prstGeom prst="rect">
+            <a:avLst/>
+          </a:prstGeom>
+          <a:solidFill>
+            <a:schemeClr val="bg1">
+              <a:alpha val="79000"/>
+            </a:schemeClr>
+          </a:solidFill>
+          <a:ln>
+            <a:noFill/>
+          </a:ln>
+        </p:spPr>
+        <p:style>
+          <a:lnRef idx="2">
+            <a:schemeClr val="accent1">
+              <a:shade val="50000"/>
+            </a:schemeClr>
+          </a:lnRef>
+          <a:fillRef idx="1">
+            <a:schemeClr val="accent1"/>
+          </a:fillRef>
+          <a:effectRef idx="0">
+            <a:schemeClr val="accent1"/>
+          </a:effectRef>
+          <a:fontRef idx="minor">
+            <a:schemeClr val="lt1"/>
+          </a:fontRef>
+        </p:style>
+        <p:txBody>
+          <a:bodyPr rtlCol="0" anchor="ctr"/>
+          <a:p>
+            <a:pPr algn="ctr"/>
+            <a:endParaRPr lang="en-US"/>
+          </a:p>
+        </p:txBody>
+      </p:sp>
+      <p:sp>
+        <p:nvSpPr>
+          <p:cNvPr id="2" name="Título 1"/>
+          <p:cNvSpPr>
+            <a:spLocks noGrp="1"/>
+          </p:cNvSpPr>
+          <p:nvPr>
+            <p:ph type="ctrTitle"/>
+          </p:nvPr>
+        </p:nvSpPr>
+        <p:spPr>
+          <a:xfrm>
+            <a:off x="405765" y="810260"/>
+            <a:ext cx="7550150" cy="771525"/>
+          </a:xfrm>
+        </p:spPr>
+        <p:txBody>
+          <a:bodyPr>
+            <a:noAutofit/>
+          </a:bodyPr>
+          <a:p>
+            <a:pPr algn="l"/>
+            <a:r>
+              <a:rPr lang="en-US" altLang="en-US" sz="4400">
+                <a:solidFill>
+                  <a:schemeClr val="tx1"/>
+                </a:solidFill>
+                <a:effectLst>
+                  <a:outerShdw blurRad="38100" dist="38100" dir="2700000" algn="tl">
+                    <a:srgbClr val="000000">
+                      <a:alpha val="43137"/>
+                    </a:srgbClr>
+                  </a:outerShdw>
+                </a:effectLst>
+                <a:latin typeface="Laksaman" panose="020B0500040200020003" charset="0"/>
+                <a:cs typeface="Laksaman" panose="020B0500040200020003" charset="0"/>
+              </a:rPr>
+              <a:t>Por que usar o GitHub?</a:t>
+            </a:r>
+            <a:endParaRPr lang="en-US" altLang="en-US" sz="4400">
+              <a:solidFill>
+                <a:schemeClr val="tx1"/>
+              </a:solidFill>
+              <a:effectLst>
+                <a:outerShdw blurRad="38100" dist="38100" dir="2700000" algn="tl">
+                  <a:srgbClr val="000000">
+                    <a:alpha val="43137"/>
+                  </a:srgbClr>
+                </a:outerShdw>
+              </a:effectLst>
+              <a:latin typeface="Laksaman" panose="020B0500040200020003" charset="0"/>
+              <a:cs typeface="Laksaman" panose="020B0500040200020003" charset="0"/>
+            </a:endParaRPr>
+          </a:p>
+        </p:txBody>
+      </p:sp>
+      <p:sp>
+        <p:nvSpPr>
+          <p:cNvPr id="16" name="Retângulo 3"/>
+          <p:cNvSpPr/>
+          <p:nvPr/>
+        </p:nvSpPr>
+        <p:spPr>
+          <a:xfrm flipH="1">
+            <a:off x="-8255" y="6473190"/>
+            <a:ext cx="12192000" cy="151130"/>
+          </a:xfrm>
+          <a:prstGeom prst="rect">
+            <a:avLst/>
+          </a:prstGeom>
+          <a:solidFill>
+            <a:srgbClr val="003324"/>
+          </a:solidFill>
+          <a:ln>
+            <a:noFill/>
+          </a:ln>
+        </p:spPr>
+        <p:style>
+          <a:lnRef idx="2">
+            <a:schemeClr val="accent1">
+              <a:shade val="50000"/>
+            </a:schemeClr>
+          </a:lnRef>
+          <a:fillRef idx="1">
+            <a:schemeClr val="accent1"/>
+          </a:fillRef>
+          <a:effectRef idx="0">
+            <a:schemeClr val="accent1"/>
+          </a:effectRef>
+          <a:fontRef idx="minor">
+            <a:schemeClr val="lt1"/>
+          </a:fontRef>
+        </p:style>
+        <p:txBody>
+          <a:bodyPr rtlCol="0" anchor="ctr"/>
+          <a:p>
+            <a:pPr algn="ctr"/>
+            <a:endParaRPr lang="pt-BR" altLang="en-US"/>
+          </a:p>
+        </p:txBody>
+      </p:sp>
+      <p:sp>
+        <p:nvSpPr>
+          <p:cNvPr id="17" name="Retângulo 3"/>
+          <p:cNvSpPr/>
+          <p:nvPr/>
+        </p:nvSpPr>
+        <p:spPr>
+          <a:xfrm flipH="1">
+            <a:off x="-1270" y="6703060"/>
+            <a:ext cx="12192000" cy="151130"/>
+          </a:xfrm>
+          <a:prstGeom prst="rect">
+            <a:avLst/>
+          </a:prstGeom>
+          <a:solidFill>
+            <a:srgbClr val="003324"/>
+          </a:solidFill>
+          <a:ln>
+            <a:noFill/>
+          </a:ln>
+        </p:spPr>
+        <p:style>
+          <a:lnRef idx="2">
+            <a:schemeClr val="accent1">
+              <a:shade val="50000"/>
+            </a:schemeClr>
+          </a:lnRef>
+          <a:fillRef idx="1">
+            <a:schemeClr val="accent1"/>
+          </a:fillRef>
+          <a:effectRef idx="0">
+            <a:schemeClr val="accent1"/>
+          </a:effectRef>
+          <a:fontRef idx="minor">
+            <a:schemeClr val="lt1"/>
+          </a:fontRef>
+        </p:style>
+        <p:txBody>
+          <a:bodyPr rtlCol="0" anchor="ctr"/>
+          <a:p>
+            <a:pPr algn="ctr"/>
+            <a:endParaRPr lang="pt-BR" altLang="en-US"/>
+          </a:p>
+        </p:txBody>
+      </p:sp>
+      <p:pic>
+        <p:nvPicPr>
+          <p:cNvPr id="12" name="Picture 11"/>
+          <p:cNvPicPr>
+            <a:picLocks noChangeAspect="1"/>
+          </p:cNvPicPr>
+          <p:nvPr/>
+        </p:nvPicPr>
+        <p:blipFill>
+          <a:blip r:embed="rId3"/>
+          <a:stretch>
+            <a:fillRect/>
+          </a:stretch>
+        </p:blipFill>
+        <p:spPr>
+          <a:xfrm>
+            <a:off x="797560" y="1888490"/>
+            <a:ext cx="9203055" cy="4321175"/>
+          </a:xfrm>
+          <a:prstGeom prst="rect">
+            <a:avLst/>
+          </a:prstGeom>
+        </p:spPr>
+      </p:pic>
+      <p:sp>
+        <p:nvSpPr>
+          <p:cNvPr id="3" name="Rectangle 2"/>
+          <p:cNvSpPr/>
+          <p:nvPr/>
+        </p:nvSpPr>
+        <p:spPr>
+          <a:xfrm>
+            <a:off x="5455920" y="4478655"/>
+            <a:ext cx="5947410" cy="1484630"/>
+          </a:xfrm>
+          <a:prstGeom prst="rect">
+            <a:avLst/>
+          </a:prstGeom>
+          <a:solidFill>
+            <a:schemeClr val="accent3">
+              <a:lumMod val="75000"/>
+              <a:alpha val="32000"/>
+            </a:schemeClr>
+          </a:solidFill>
+          <a:ln>
+            <a:noFill/>
+          </a:ln>
+        </p:spPr>
+        <p:style>
+          <a:lnRef idx="2">
+            <a:schemeClr val="accent1">
+              <a:shade val="50000"/>
+            </a:schemeClr>
+          </a:lnRef>
+          <a:fillRef idx="1">
+            <a:schemeClr val="accent1"/>
+          </a:fillRef>
+          <a:effectRef idx="0">
+            <a:schemeClr val="accent1"/>
+          </a:effectRef>
+          <a:fontRef idx="minor">
+            <a:schemeClr val="lt1"/>
+          </a:fontRef>
+        </p:style>
+        <p:txBody>
+          <a:bodyPr rtlCol="0" anchor="ctr"/>
+          <a:p>
+            <a:pPr algn="ctr"/>
+            <a:endParaRPr lang="en-US"/>
+          </a:p>
+        </p:txBody>
+      </p:sp>
+      <p:sp>
+        <p:nvSpPr>
+          <p:cNvPr id="6" name="Título 1"/>
+          <p:cNvSpPr>
+            <a:spLocks noGrp="1"/>
+          </p:cNvSpPr>
+          <p:nvPr/>
+        </p:nvSpPr>
+        <p:spPr>
+          <a:xfrm>
+            <a:off x="5650230" y="4777105"/>
+            <a:ext cx="5311775" cy="1299210"/>
+          </a:xfrm>
+          <a:prstGeom prst="rect">
+            <a:avLst/>
+          </a:prstGeom>
+        </p:spPr>
+        <p:txBody>
+          <a:bodyPr vert="horz" lIns="91440" tIns="45720" rIns="91440" bIns="45720" rtlCol="0" anchor="b">
+            <a:noAutofit/>
+          </a:bodyPr>
+          <a:lstStyle>
+            <a:lvl1pPr algn="ctr" defTabSz="914400" rtl="0" eaLnBrk="1" latinLnBrk="0" hangingPunct="1">
+              <a:lnSpc>
+                <a:spcPct val="90000"/>
+              </a:lnSpc>
+              <a:spcBef>
+                <a:spcPct val="0"/>
+              </a:spcBef>
+              <a:buNone/>
+              <a:defRPr sz="6000" kern="1200">
+                <a:solidFill>
+                  <a:schemeClr val="tx1"/>
+                </a:solidFill>
+                <a:latin typeface="+mj-lt"/>
+                <a:ea typeface="+mj-ea"/>
+                <a:cs typeface="+mj-cs"/>
+              </a:defRPr>
+            </a:lvl1pPr>
+          </a:lstStyle>
+          <a:p>
+            <a:pPr algn="ctr"/>
+            <a:r>
+              <a:rPr lang="" altLang="en-US" sz="4000">
+                <a:solidFill>
+                  <a:schemeClr val="tx1"/>
+                </a:solidFill>
+                <a:effectLst>
+                  <a:outerShdw blurRad="38100" dist="38100" dir="2700000" algn="tl">
+                    <a:srgbClr val="000000">
+                      <a:alpha val="43137"/>
+                    </a:srgbClr>
+                  </a:outerShdw>
+                </a:effectLst>
+                <a:latin typeface="Laksaman" panose="020B0500040200020003" charset="0"/>
+                <a:cs typeface="Laksaman" panose="020B0500040200020003" charset="0"/>
+              </a:rPr>
+              <a:t>Pull Requests com comentários</a:t>
+            </a:r>
+            <a:endParaRPr lang="" altLang="en-US" sz="4000" i="1">
+              <a:solidFill>
+                <a:schemeClr val="tx1"/>
+              </a:solidFill>
+              <a:effectLst>
+                <a:outerShdw blurRad="38100" dist="38100" dir="2700000" algn="tl">
+                  <a:srgbClr val="000000">
+                    <a:alpha val="43137"/>
+                  </a:srgbClr>
+                </a:outerShdw>
+              </a:effectLst>
+              <a:latin typeface="Laksaman" panose="020B0500040200020003" charset="0"/>
+              <a:cs typeface="Laksaman" panose="020B0500040200020003" charset="0"/>
+            </a:endParaRPr>
+          </a:p>
+        </p:txBody>
+      </p:sp>
+    </p:spTree>
+  </p:cSld>
+  <p:clrMapOvr>
+    <a:masterClrMapping/>
+  </p:clrMapOvr>
+</p:sld>
+</file>
+
+<file path=ppt/slides/slide38.xml><?xml version="1.0" encoding="utf-8"?>
+<p:sld xmlns:a="http://schemas.openxmlformats.org/drawingml/2006/main" xmlns:r="http://schemas.openxmlformats.org/officeDocument/2006/relationships" xmlns:p="http://schemas.openxmlformats.org/presentationml/2006/main">
+  <p:cSld>
+    <p:spTree>
+      <p:nvGrpSpPr>
+        <p:cNvPr id="1" name=""/>
+        <p:cNvGrpSpPr/>
+        <p:nvPr/>
+      </p:nvGrpSpPr>
+      <p:grpSpPr/>
+      <p:pic>
+        <p:nvPicPr>
+          <p:cNvPr id="8" name="Picture 7"/>
+          <p:cNvPicPr>
+            <a:picLocks noChangeAspect="1"/>
+          </p:cNvPicPr>
+          <p:nvPr/>
+        </p:nvPicPr>
+        <p:blipFill>
+          <a:blip r:embed="rId1"/>
+          <a:stretch>
+            <a:fillRect/>
+          </a:stretch>
+        </p:blipFill>
+        <p:spPr>
+          <a:xfrm>
+            <a:off x="1905" y="360045"/>
+            <a:ext cx="12192000" cy="1264920"/>
+          </a:xfrm>
+          <a:prstGeom prst="rect">
+            <a:avLst/>
+          </a:prstGeom>
+        </p:spPr>
+      </p:pic>
+      <p:sp>
+        <p:nvSpPr>
+          <p:cNvPr id="10" name="Rectangle 9"/>
+          <p:cNvSpPr/>
+          <p:nvPr/>
+        </p:nvSpPr>
+        <p:spPr>
+          <a:xfrm>
+            <a:off x="10817860" y="448310"/>
+            <a:ext cx="1162050" cy="1029970"/>
+          </a:xfrm>
+          <a:prstGeom prst="rect">
+            <a:avLst/>
+          </a:prstGeom>
+          <a:solidFill>
+            <a:schemeClr val="bg1"/>
+          </a:solidFill>
+          <a:ln w="50800">
+            <a:solidFill>
+              <a:srgbClr val="76E5AE"/>
+            </a:solidFill>
+          </a:ln>
+        </p:spPr>
+        <p:style>
+          <a:lnRef idx="2">
+            <a:schemeClr val="accent1">
+              <a:shade val="50000"/>
+            </a:schemeClr>
+          </a:lnRef>
+          <a:fillRef idx="1">
+            <a:schemeClr val="accent1"/>
+          </a:fillRef>
+          <a:effectRef idx="0">
+            <a:schemeClr val="accent1"/>
+          </a:effectRef>
+          <a:fontRef idx="minor">
+            <a:schemeClr val="lt1"/>
+          </a:fontRef>
+        </p:style>
+        <p:txBody>
+          <a:bodyPr rtlCol="0" anchor="ctr"/>
+          <a:p>
+            <a:pPr algn="ctr"/>
+            <a:endParaRPr lang="en-US"/>
+          </a:p>
+        </p:txBody>
+      </p:sp>
+      <p:pic>
+        <p:nvPicPr>
+          <p:cNvPr id="7" name="Picture 6"/>
+          <p:cNvPicPr>
+            <a:picLocks noChangeAspect="1"/>
+          </p:cNvPicPr>
+          <p:nvPr/>
+        </p:nvPicPr>
+        <p:blipFill>
+          <a:blip r:embed="rId2"/>
+          <a:stretch>
+            <a:fillRect/>
+          </a:stretch>
+        </p:blipFill>
+        <p:spPr>
+          <a:xfrm>
+            <a:off x="10962005" y="571500"/>
+            <a:ext cx="873760" cy="776605"/>
+          </a:xfrm>
+          <a:prstGeom prst="rect">
+            <a:avLst/>
+          </a:prstGeom>
+        </p:spPr>
+      </p:pic>
+      <p:sp>
+        <p:nvSpPr>
+          <p:cNvPr id="11" name="Rectangle 10"/>
+          <p:cNvSpPr/>
+          <p:nvPr/>
+        </p:nvSpPr>
+        <p:spPr>
+          <a:xfrm>
+            <a:off x="237490" y="509905"/>
+            <a:ext cx="9477375" cy="899795"/>
+          </a:xfrm>
+          <a:prstGeom prst="rect">
+            <a:avLst/>
+          </a:prstGeom>
+          <a:solidFill>
+            <a:schemeClr val="bg1">
+              <a:alpha val="79000"/>
+            </a:schemeClr>
+          </a:solidFill>
+          <a:ln>
+            <a:noFill/>
+          </a:ln>
+        </p:spPr>
+        <p:style>
+          <a:lnRef idx="2">
+            <a:schemeClr val="accent1">
+              <a:shade val="50000"/>
+            </a:schemeClr>
+          </a:lnRef>
+          <a:fillRef idx="1">
+            <a:schemeClr val="accent1"/>
+          </a:fillRef>
+          <a:effectRef idx="0">
+            <a:schemeClr val="accent1"/>
+          </a:effectRef>
+          <a:fontRef idx="minor">
+            <a:schemeClr val="lt1"/>
+          </a:fontRef>
+        </p:style>
+        <p:txBody>
+          <a:bodyPr rtlCol="0" anchor="ctr"/>
+          <a:p>
+            <a:pPr algn="ctr"/>
+            <a:endParaRPr lang="en-US"/>
+          </a:p>
+        </p:txBody>
+      </p:sp>
+      <p:sp>
+        <p:nvSpPr>
+          <p:cNvPr id="2" name="Título 1"/>
+          <p:cNvSpPr>
+            <a:spLocks noGrp="1"/>
+          </p:cNvSpPr>
+          <p:nvPr>
+            <p:ph type="ctrTitle"/>
+          </p:nvPr>
+        </p:nvSpPr>
+        <p:spPr>
+          <a:xfrm>
+            <a:off x="405765" y="810260"/>
+            <a:ext cx="7550150" cy="771525"/>
+          </a:xfrm>
+        </p:spPr>
+        <p:txBody>
+          <a:bodyPr>
+            <a:noAutofit/>
+          </a:bodyPr>
+          <a:p>
+            <a:pPr algn="l"/>
+            <a:r>
+              <a:rPr lang="en-US" altLang="en-US" sz="4400">
+                <a:solidFill>
+                  <a:schemeClr val="tx1"/>
+                </a:solidFill>
+                <a:effectLst>
+                  <a:outerShdw blurRad="38100" dist="38100" dir="2700000" algn="tl">
+                    <a:srgbClr val="000000">
+                      <a:alpha val="43137"/>
+                    </a:srgbClr>
+                  </a:outerShdw>
+                </a:effectLst>
+                <a:latin typeface="Laksaman" panose="020B0500040200020003" charset="0"/>
+                <a:cs typeface="Laksaman" panose="020B0500040200020003" charset="0"/>
+              </a:rPr>
+              <a:t>Por que usar o GitHub?</a:t>
+            </a:r>
+            <a:endParaRPr lang="en-US" altLang="en-US" sz="4400">
+              <a:solidFill>
+                <a:schemeClr val="tx1"/>
+              </a:solidFill>
+              <a:effectLst>
+                <a:outerShdw blurRad="38100" dist="38100" dir="2700000" algn="tl">
+                  <a:srgbClr val="000000">
+                    <a:alpha val="43137"/>
+                  </a:srgbClr>
+                </a:outerShdw>
+              </a:effectLst>
+              <a:latin typeface="Laksaman" panose="020B0500040200020003" charset="0"/>
+              <a:cs typeface="Laksaman" panose="020B0500040200020003" charset="0"/>
+            </a:endParaRPr>
+          </a:p>
+        </p:txBody>
+      </p:sp>
+      <p:sp>
+        <p:nvSpPr>
+          <p:cNvPr id="16" name="Retângulo 3"/>
+          <p:cNvSpPr/>
+          <p:nvPr/>
+        </p:nvSpPr>
+        <p:spPr>
+          <a:xfrm flipH="1">
+            <a:off x="-8255" y="6473190"/>
+            <a:ext cx="12192000" cy="151130"/>
+          </a:xfrm>
+          <a:prstGeom prst="rect">
+            <a:avLst/>
+          </a:prstGeom>
+          <a:solidFill>
+            <a:srgbClr val="003324"/>
+          </a:solidFill>
+          <a:ln>
+            <a:noFill/>
+          </a:ln>
+        </p:spPr>
+        <p:style>
+          <a:lnRef idx="2">
+            <a:schemeClr val="accent1">
+              <a:shade val="50000"/>
+            </a:schemeClr>
+          </a:lnRef>
+          <a:fillRef idx="1">
+            <a:schemeClr val="accent1"/>
+          </a:fillRef>
+          <a:effectRef idx="0">
+            <a:schemeClr val="accent1"/>
+          </a:effectRef>
+          <a:fontRef idx="minor">
+            <a:schemeClr val="lt1"/>
+          </a:fontRef>
+        </p:style>
+        <p:txBody>
+          <a:bodyPr rtlCol="0" anchor="ctr"/>
+          <a:p>
+            <a:pPr algn="ctr"/>
+            <a:endParaRPr lang="pt-BR" altLang="en-US"/>
+          </a:p>
+        </p:txBody>
+      </p:sp>
+      <p:sp>
+        <p:nvSpPr>
+          <p:cNvPr id="17" name="Retângulo 3"/>
+          <p:cNvSpPr/>
+          <p:nvPr/>
+        </p:nvSpPr>
+        <p:spPr>
+          <a:xfrm flipH="1">
+            <a:off x="-1270" y="6703060"/>
+            <a:ext cx="12192000" cy="151130"/>
+          </a:xfrm>
+          <a:prstGeom prst="rect">
+            <a:avLst/>
+          </a:prstGeom>
+          <a:solidFill>
+            <a:srgbClr val="003324"/>
+          </a:solidFill>
+          <a:ln>
+            <a:noFill/>
+          </a:ln>
+        </p:spPr>
+        <p:style>
+          <a:lnRef idx="2">
+            <a:schemeClr val="accent1">
+              <a:shade val="50000"/>
+            </a:schemeClr>
+          </a:lnRef>
+          <a:fillRef idx="1">
+            <a:schemeClr val="accent1"/>
+          </a:fillRef>
+          <a:effectRef idx="0">
+            <a:schemeClr val="accent1"/>
+          </a:effectRef>
+          <a:fontRef idx="minor">
+            <a:schemeClr val="lt1"/>
+          </a:fontRef>
+        </p:style>
+        <p:txBody>
+          <a:bodyPr rtlCol="0" anchor="ctr"/>
+          <a:p>
+            <a:pPr algn="ctr"/>
+            <a:endParaRPr lang="pt-BR" altLang="en-US"/>
+          </a:p>
+        </p:txBody>
+      </p:sp>
+      <p:pic>
+        <p:nvPicPr>
+          <p:cNvPr id="4" name="Picture 3"/>
+          <p:cNvPicPr>
+            <a:picLocks noChangeAspect="1"/>
+          </p:cNvPicPr>
+          <p:nvPr/>
+        </p:nvPicPr>
+        <p:blipFill>
+          <a:blip r:embed="rId3"/>
+          <a:stretch>
+            <a:fillRect/>
+          </a:stretch>
+        </p:blipFill>
+        <p:spPr>
+          <a:xfrm>
+            <a:off x="939800" y="1870075"/>
+            <a:ext cx="9621520" cy="4264660"/>
+          </a:xfrm>
+          <a:prstGeom prst="rect">
+            <a:avLst/>
+          </a:prstGeom>
+        </p:spPr>
+      </p:pic>
+      <p:sp>
+        <p:nvSpPr>
+          <p:cNvPr id="3" name="Rectangle 2"/>
+          <p:cNvSpPr/>
+          <p:nvPr/>
+        </p:nvSpPr>
+        <p:spPr>
+          <a:xfrm>
+            <a:off x="5455920" y="4478655"/>
+            <a:ext cx="5947410" cy="1484630"/>
+          </a:xfrm>
+          <a:prstGeom prst="rect">
+            <a:avLst/>
+          </a:prstGeom>
+          <a:solidFill>
+            <a:schemeClr val="accent3">
+              <a:lumMod val="75000"/>
+              <a:alpha val="32000"/>
+            </a:schemeClr>
+          </a:solidFill>
+          <a:ln>
+            <a:noFill/>
+          </a:ln>
+        </p:spPr>
+        <p:style>
+          <a:lnRef idx="2">
+            <a:schemeClr val="accent1">
+              <a:shade val="50000"/>
+            </a:schemeClr>
+          </a:lnRef>
+          <a:fillRef idx="1">
+            <a:schemeClr val="accent1"/>
+          </a:fillRef>
+          <a:effectRef idx="0">
+            <a:schemeClr val="accent1"/>
+          </a:effectRef>
+          <a:fontRef idx="minor">
+            <a:schemeClr val="lt1"/>
+          </a:fontRef>
+        </p:style>
+        <p:txBody>
+          <a:bodyPr rtlCol="0" anchor="ctr"/>
+          <a:p>
+            <a:pPr algn="ctr"/>
+            <a:endParaRPr lang="en-US"/>
+          </a:p>
+        </p:txBody>
+      </p:sp>
+      <p:sp>
+        <p:nvSpPr>
+          <p:cNvPr id="6" name="Título 1"/>
+          <p:cNvSpPr>
+            <a:spLocks noGrp="1"/>
+          </p:cNvSpPr>
+          <p:nvPr/>
+        </p:nvSpPr>
+        <p:spPr>
+          <a:xfrm>
+            <a:off x="5650230" y="4777105"/>
+            <a:ext cx="5311775" cy="1299210"/>
+          </a:xfrm>
+          <a:prstGeom prst="rect">
+            <a:avLst/>
+          </a:prstGeom>
+        </p:spPr>
+        <p:txBody>
+          <a:bodyPr vert="horz" lIns="91440" tIns="45720" rIns="91440" bIns="45720" rtlCol="0" anchor="b">
+            <a:noAutofit/>
+          </a:bodyPr>
+          <a:lstStyle>
+            <a:lvl1pPr algn="ctr" defTabSz="914400" rtl="0" eaLnBrk="1" latinLnBrk="0" hangingPunct="1">
+              <a:lnSpc>
+                <a:spcPct val="90000"/>
+              </a:lnSpc>
+              <a:spcBef>
+                <a:spcPct val="0"/>
+              </a:spcBef>
+              <a:buNone/>
+              <a:defRPr sz="6000" kern="1200">
+                <a:solidFill>
+                  <a:schemeClr val="tx1"/>
+                </a:solidFill>
+                <a:latin typeface="+mj-lt"/>
+                <a:ea typeface="+mj-ea"/>
+                <a:cs typeface="+mj-cs"/>
+              </a:defRPr>
+            </a:lvl1pPr>
+          </a:lstStyle>
+          <a:p>
+            <a:pPr algn="ctr"/>
+            <a:r>
+              <a:rPr lang="" altLang="en-US" sz="4000">
+                <a:solidFill>
+                  <a:schemeClr val="tx1"/>
+                </a:solidFill>
+                <a:effectLst>
+                  <a:outerShdw blurRad="38100" dist="38100" dir="2700000" algn="tl">
+                    <a:srgbClr val="000000">
+                      <a:alpha val="43137"/>
+                    </a:srgbClr>
+                  </a:outerShdw>
+                </a:effectLst>
+                <a:latin typeface="Laksaman" panose="020B0500040200020003" charset="0"/>
+                <a:cs typeface="Laksaman" panose="020B0500040200020003" charset="0"/>
+              </a:rPr>
+              <a:t>Gerenciador de Equipes Integrado</a:t>
+            </a:r>
+            <a:endParaRPr lang="" altLang="en-US" sz="4000">
+              <a:solidFill>
+                <a:schemeClr val="tx1"/>
+              </a:solidFill>
+              <a:effectLst>
+                <a:outerShdw blurRad="38100" dist="38100" dir="2700000" algn="tl">
+                  <a:srgbClr val="000000">
+                    <a:alpha val="43137"/>
+                  </a:srgbClr>
+                </a:outerShdw>
+              </a:effectLst>
+              <a:latin typeface="Laksaman" panose="020B0500040200020003" charset="0"/>
+              <a:cs typeface="Laksaman" panose="020B0500040200020003" charset="0"/>
+            </a:endParaRPr>
+          </a:p>
+        </p:txBody>
+      </p:sp>
+    </p:spTree>
+  </p:cSld>
+  <p:clrMapOvr>
+    <a:masterClrMapping/>
+  </p:clrMapOvr>
+</p:sld>
+</file>
+
+<file path=ppt/slides/slide39.xml><?xml version="1.0" encoding="utf-8"?>
+<p:sld xmlns:a="http://schemas.openxmlformats.org/drawingml/2006/main" xmlns:r="http://schemas.openxmlformats.org/officeDocument/2006/relationships" xmlns:p="http://schemas.openxmlformats.org/presentationml/2006/main">
+  <p:cSld>
+    <p:spTree>
+      <p:nvGrpSpPr>
+        <p:cNvPr id="1" name=""/>
+        <p:cNvGrpSpPr/>
+        <p:nvPr/>
+      </p:nvGrpSpPr>
+      <p:grpSpPr/>
+      <p:pic>
+        <p:nvPicPr>
+          <p:cNvPr id="8" name="Picture 7"/>
+          <p:cNvPicPr>
+            <a:picLocks noChangeAspect="1"/>
+          </p:cNvPicPr>
+          <p:nvPr/>
+        </p:nvPicPr>
+        <p:blipFill>
+          <a:blip r:embed="rId1"/>
+          <a:stretch>
+            <a:fillRect/>
+          </a:stretch>
+        </p:blipFill>
+        <p:spPr>
+          <a:xfrm>
+            <a:off x="1905" y="360045"/>
+            <a:ext cx="12192000" cy="1264920"/>
+          </a:xfrm>
+          <a:prstGeom prst="rect">
+            <a:avLst/>
+          </a:prstGeom>
+        </p:spPr>
+      </p:pic>
+      <p:sp>
+        <p:nvSpPr>
+          <p:cNvPr id="10" name="Rectangle 9"/>
+          <p:cNvSpPr/>
+          <p:nvPr/>
+        </p:nvSpPr>
+        <p:spPr>
+          <a:xfrm>
+            <a:off x="10817860" y="448310"/>
+            <a:ext cx="1162050" cy="1029970"/>
+          </a:xfrm>
+          <a:prstGeom prst="rect">
+            <a:avLst/>
+          </a:prstGeom>
+          <a:solidFill>
+            <a:schemeClr val="bg1"/>
+          </a:solidFill>
+          <a:ln w="50800">
+            <a:solidFill>
+              <a:srgbClr val="76E5AE"/>
+            </a:solidFill>
+          </a:ln>
+        </p:spPr>
+        <p:style>
+          <a:lnRef idx="2">
+            <a:schemeClr val="accent1">
+              <a:shade val="50000"/>
+            </a:schemeClr>
+          </a:lnRef>
+          <a:fillRef idx="1">
+            <a:schemeClr val="accent1"/>
+          </a:fillRef>
+          <a:effectRef idx="0">
+            <a:schemeClr val="accent1"/>
+          </a:effectRef>
+          <a:fontRef idx="minor">
+            <a:schemeClr val="lt1"/>
+          </a:fontRef>
+        </p:style>
+        <p:txBody>
+          <a:bodyPr rtlCol="0" anchor="ctr"/>
+          <a:p>
+            <a:pPr algn="ctr"/>
+            <a:endParaRPr lang="en-US"/>
+          </a:p>
+        </p:txBody>
+      </p:sp>
+      <p:pic>
+        <p:nvPicPr>
+          <p:cNvPr id="7" name="Picture 6"/>
+          <p:cNvPicPr>
+            <a:picLocks noChangeAspect="1"/>
+          </p:cNvPicPr>
+          <p:nvPr/>
+        </p:nvPicPr>
+        <p:blipFill>
+          <a:blip r:embed="rId2"/>
+          <a:stretch>
+            <a:fillRect/>
+          </a:stretch>
+        </p:blipFill>
+        <p:spPr>
+          <a:xfrm>
+            <a:off x="10962005" y="571500"/>
+            <a:ext cx="873760" cy="776605"/>
+          </a:xfrm>
+          <a:prstGeom prst="rect">
+            <a:avLst/>
+          </a:prstGeom>
+        </p:spPr>
+      </p:pic>
+      <p:sp>
+        <p:nvSpPr>
+          <p:cNvPr id="11" name="Rectangle 10"/>
+          <p:cNvSpPr/>
+          <p:nvPr/>
+        </p:nvSpPr>
+        <p:spPr>
+          <a:xfrm>
+            <a:off x="237490" y="509905"/>
+            <a:ext cx="9477375" cy="899795"/>
+          </a:xfrm>
+          <a:prstGeom prst="rect">
+            <a:avLst/>
+          </a:prstGeom>
+          <a:solidFill>
+            <a:schemeClr val="bg1">
+              <a:alpha val="79000"/>
+            </a:schemeClr>
+          </a:solidFill>
+          <a:ln>
+            <a:noFill/>
+          </a:ln>
+        </p:spPr>
+        <p:style>
+          <a:lnRef idx="2">
+            <a:schemeClr val="accent1">
+              <a:shade val="50000"/>
+            </a:schemeClr>
+          </a:lnRef>
+          <a:fillRef idx="1">
+            <a:schemeClr val="accent1"/>
+          </a:fillRef>
+          <a:effectRef idx="0">
+            <a:schemeClr val="accent1"/>
+          </a:effectRef>
+          <a:fontRef idx="minor">
+            <a:schemeClr val="lt1"/>
+          </a:fontRef>
+        </p:style>
+        <p:txBody>
+          <a:bodyPr rtlCol="0" anchor="ctr"/>
+          <a:p>
+            <a:pPr algn="ctr"/>
+            <a:endParaRPr lang="en-US"/>
+          </a:p>
+        </p:txBody>
+      </p:sp>
+      <p:sp>
+        <p:nvSpPr>
+          <p:cNvPr id="2" name="Título 1"/>
+          <p:cNvSpPr>
+            <a:spLocks noGrp="1"/>
+          </p:cNvSpPr>
+          <p:nvPr>
+            <p:ph type="ctrTitle"/>
+          </p:nvPr>
+        </p:nvSpPr>
+        <p:spPr>
+          <a:xfrm>
+            <a:off x="405765" y="810260"/>
+            <a:ext cx="7550150" cy="771525"/>
+          </a:xfrm>
+        </p:spPr>
+        <p:txBody>
+          <a:bodyPr>
+            <a:noAutofit/>
+          </a:bodyPr>
+          <a:p>
+            <a:pPr algn="l"/>
+            <a:r>
+              <a:rPr lang="en-US" altLang="en-US" sz="4400">
+                <a:solidFill>
+                  <a:schemeClr val="tx1"/>
+                </a:solidFill>
+                <a:effectLst>
+                  <a:outerShdw blurRad="38100" dist="38100" dir="2700000" algn="tl">
+                    <a:srgbClr val="000000">
+                      <a:alpha val="43137"/>
+                    </a:srgbClr>
+                  </a:outerShdw>
+                </a:effectLst>
+                <a:latin typeface="Laksaman" panose="020B0500040200020003" charset="0"/>
+                <a:cs typeface="Laksaman" panose="020B0500040200020003" charset="0"/>
+              </a:rPr>
+              <a:t>Por que usar o GitHub?</a:t>
+            </a:r>
+            <a:endParaRPr lang="en-US" altLang="en-US" sz="4400">
+              <a:solidFill>
+                <a:schemeClr val="tx1"/>
+              </a:solidFill>
+              <a:effectLst>
+                <a:outerShdw blurRad="38100" dist="38100" dir="2700000" algn="tl">
+                  <a:srgbClr val="000000">
+                    <a:alpha val="43137"/>
+                  </a:srgbClr>
+                </a:outerShdw>
+              </a:effectLst>
+              <a:latin typeface="Laksaman" panose="020B0500040200020003" charset="0"/>
+              <a:cs typeface="Laksaman" panose="020B0500040200020003" charset="0"/>
+            </a:endParaRPr>
+          </a:p>
+        </p:txBody>
+      </p:sp>
+      <p:sp>
+        <p:nvSpPr>
+          <p:cNvPr id="16" name="Retângulo 3"/>
+          <p:cNvSpPr/>
+          <p:nvPr/>
+        </p:nvSpPr>
+        <p:spPr>
+          <a:xfrm flipH="1">
+            <a:off x="-8255" y="6473190"/>
+            <a:ext cx="12192000" cy="151130"/>
+          </a:xfrm>
+          <a:prstGeom prst="rect">
+            <a:avLst/>
+          </a:prstGeom>
+          <a:solidFill>
+            <a:srgbClr val="003324"/>
+          </a:solidFill>
+          <a:ln>
+            <a:noFill/>
+          </a:ln>
+        </p:spPr>
+        <p:style>
+          <a:lnRef idx="2">
+            <a:schemeClr val="accent1">
+              <a:shade val="50000"/>
+            </a:schemeClr>
+          </a:lnRef>
+          <a:fillRef idx="1">
+            <a:schemeClr val="accent1"/>
+          </a:fillRef>
+          <a:effectRef idx="0">
+            <a:schemeClr val="accent1"/>
+          </a:effectRef>
+          <a:fontRef idx="minor">
+            <a:schemeClr val="lt1"/>
+          </a:fontRef>
+        </p:style>
+        <p:txBody>
+          <a:bodyPr rtlCol="0" anchor="ctr"/>
+          <a:p>
+            <a:pPr algn="ctr"/>
+            <a:endParaRPr lang="pt-BR" altLang="en-US"/>
+          </a:p>
+        </p:txBody>
+      </p:sp>
+      <p:sp>
+        <p:nvSpPr>
+          <p:cNvPr id="17" name="Retângulo 3"/>
+          <p:cNvSpPr/>
+          <p:nvPr/>
+        </p:nvSpPr>
+        <p:spPr>
+          <a:xfrm flipH="1">
+            <a:off x="-1270" y="6703060"/>
+            <a:ext cx="12192000" cy="151130"/>
+          </a:xfrm>
+          <a:prstGeom prst="rect">
+            <a:avLst/>
+          </a:prstGeom>
+          <a:solidFill>
+            <a:srgbClr val="003324"/>
+          </a:solidFill>
+          <a:ln>
+            <a:noFill/>
+          </a:ln>
+        </p:spPr>
+        <p:style>
+          <a:lnRef idx="2">
+            <a:schemeClr val="accent1">
+              <a:shade val="50000"/>
+            </a:schemeClr>
+          </a:lnRef>
+          <a:fillRef idx="1">
+            <a:schemeClr val="accent1"/>
+          </a:fillRef>
+          <a:effectRef idx="0">
+            <a:schemeClr val="accent1"/>
+          </a:effectRef>
+          <a:fontRef idx="minor">
+            <a:schemeClr val="lt1"/>
+          </a:fontRef>
+        </p:style>
+        <p:txBody>
+          <a:bodyPr rtlCol="0" anchor="ctr"/>
+          <a:p>
+            <a:pPr algn="ctr"/>
+            <a:endParaRPr lang="pt-BR" altLang="en-US"/>
+          </a:p>
+        </p:txBody>
+      </p:sp>
+      <p:pic>
+        <p:nvPicPr>
+          <p:cNvPr id="5" name="Picture 4"/>
+          <p:cNvPicPr>
+            <a:picLocks noChangeAspect="1"/>
+          </p:cNvPicPr>
+          <p:nvPr/>
+        </p:nvPicPr>
+        <p:blipFill>
+          <a:blip r:embed="rId3"/>
+          <a:stretch>
+            <a:fillRect/>
+          </a:stretch>
+        </p:blipFill>
+        <p:spPr>
+          <a:xfrm>
+            <a:off x="1275715" y="1965325"/>
+            <a:ext cx="9326245" cy="4178300"/>
+          </a:xfrm>
+          <a:prstGeom prst="rect">
+            <a:avLst/>
+          </a:prstGeom>
+        </p:spPr>
+      </p:pic>
+      <p:sp>
+        <p:nvSpPr>
+          <p:cNvPr id="3" name="Rectangle 2"/>
+          <p:cNvSpPr/>
+          <p:nvPr/>
+        </p:nvSpPr>
+        <p:spPr>
+          <a:xfrm>
+            <a:off x="6609715" y="4478655"/>
+            <a:ext cx="4793615" cy="1484630"/>
+          </a:xfrm>
+          <a:prstGeom prst="rect">
+            <a:avLst/>
+          </a:prstGeom>
+          <a:solidFill>
+            <a:schemeClr val="accent3">
+              <a:lumMod val="75000"/>
+              <a:alpha val="32000"/>
+            </a:schemeClr>
+          </a:solidFill>
+          <a:ln>
+            <a:noFill/>
+          </a:ln>
+        </p:spPr>
+        <p:style>
+          <a:lnRef idx="2">
+            <a:schemeClr val="accent1">
+              <a:shade val="50000"/>
+            </a:schemeClr>
+          </a:lnRef>
+          <a:fillRef idx="1">
+            <a:schemeClr val="accent1"/>
+          </a:fillRef>
+          <a:effectRef idx="0">
+            <a:schemeClr val="accent1"/>
+          </a:effectRef>
+          <a:fontRef idx="minor">
+            <a:schemeClr val="lt1"/>
+          </a:fontRef>
+        </p:style>
+        <p:txBody>
+          <a:bodyPr rtlCol="0" anchor="ctr"/>
+          <a:p>
+            <a:pPr algn="ctr"/>
+            <a:endParaRPr lang="en-US"/>
+          </a:p>
+        </p:txBody>
+      </p:sp>
+      <p:sp>
+        <p:nvSpPr>
+          <p:cNvPr id="6" name="Título 1"/>
+          <p:cNvSpPr>
+            <a:spLocks noGrp="1"/>
+          </p:cNvSpPr>
+          <p:nvPr/>
+        </p:nvSpPr>
+        <p:spPr>
+          <a:xfrm>
+            <a:off x="6387465" y="4537075"/>
+            <a:ext cx="5311775" cy="1299210"/>
+          </a:xfrm>
+          <a:prstGeom prst="rect">
+            <a:avLst/>
+          </a:prstGeom>
+        </p:spPr>
+        <p:txBody>
+          <a:bodyPr vert="horz" lIns="91440" tIns="45720" rIns="91440" bIns="45720" rtlCol="0" anchor="b">
+            <a:noAutofit/>
+          </a:bodyPr>
+          <a:lstStyle>
+            <a:lvl1pPr algn="ctr" defTabSz="914400" rtl="0" eaLnBrk="1" latinLnBrk="0" hangingPunct="1">
+              <a:lnSpc>
+                <a:spcPct val="90000"/>
+              </a:lnSpc>
+              <a:spcBef>
+                <a:spcPct val="0"/>
+              </a:spcBef>
+              <a:buNone/>
+              <a:defRPr sz="6000" kern="1200">
+                <a:solidFill>
+                  <a:schemeClr val="tx1"/>
+                </a:solidFill>
+                <a:latin typeface="+mj-lt"/>
+                <a:ea typeface="+mj-ea"/>
+                <a:cs typeface="+mj-cs"/>
+              </a:defRPr>
+            </a:lvl1pPr>
+          </a:lstStyle>
+          <a:p>
+            <a:pPr algn="ctr"/>
+            <a:r>
+              <a:rPr lang="" altLang="en-US" sz="4000">
+                <a:solidFill>
+                  <a:schemeClr val="tx1"/>
+                </a:solidFill>
+                <a:effectLst>
+                  <a:outerShdw blurRad="38100" dist="38100" dir="2700000" algn="tl">
+                    <a:srgbClr val="000000">
+                      <a:alpha val="43137"/>
+                    </a:srgbClr>
+                  </a:outerShdw>
+                </a:effectLst>
+                <a:latin typeface="Laksaman" panose="020B0500040200020003" charset="0"/>
+                <a:cs typeface="Laksaman" panose="020B0500040200020003" charset="0"/>
+              </a:rPr>
+              <a:t>Editor </a:t>
+            </a:r>
+            <a:r>
+              <a:rPr lang="" altLang="en-US" sz="4000" i="1">
+                <a:solidFill>
+                  <a:schemeClr val="tx1"/>
+                </a:solidFill>
+                <a:effectLst>
+                  <a:outerShdw blurRad="38100" dist="38100" dir="2700000" algn="tl">
+                    <a:srgbClr val="000000">
+                      <a:alpha val="43137"/>
+                    </a:srgbClr>
+                  </a:outerShdw>
+                </a:effectLst>
+                <a:latin typeface="Laksaman" panose="020B0500040200020003" charset="0"/>
+                <a:cs typeface="Laksaman" panose="020B0500040200020003" charset="0"/>
+              </a:rPr>
+              <a:t>Markdown</a:t>
+            </a:r>
+            <a:endParaRPr lang="" altLang="en-US" sz="4000" i="1">
+              <a:solidFill>
+                <a:schemeClr val="tx1"/>
+              </a:solidFill>
+              <a:effectLst>
+                <a:outerShdw blurRad="38100" dist="38100" dir="2700000" algn="tl">
+                  <a:srgbClr val="000000">
+                    <a:alpha val="43137"/>
+                  </a:srgbClr>
+                </a:outerShdw>
+              </a:effectLst>
+              <a:latin typeface="Laksaman" panose="020B0500040200020003" charset="0"/>
+              <a:cs typeface="Laksaman" panose="020B0500040200020003" charset="0"/>
+            </a:endParaRPr>
+          </a:p>
+        </p:txBody>
+      </p:sp>
+    </p:spTree>
+  </p:cSld>
+  <p:clrMapOvr>
+    <a:masterClrMapping/>
+  </p:clrMapOvr>
+</p:sld>
+</file>
+
+<file path=ppt/slides/slide4.xml><?xml version="1.0" encoding="utf-8"?>
+<p:sld xmlns:a="http://schemas.openxmlformats.org/drawingml/2006/main" xmlns:r="http://schemas.openxmlformats.org/officeDocument/2006/relationships" xmlns:p="http://schemas.openxmlformats.org/presentationml/2006/main">
+  <p:cSld>
+    <p:spTree>
+      <p:nvGrpSpPr>
+        <p:cNvPr id="1" name=""/>
+        <p:cNvGrpSpPr/>
+        <p:nvPr/>
+      </p:nvGrpSpPr>
+      <p:grpSpPr/>
+      <p:pic>
+        <p:nvPicPr>
+          <p:cNvPr id="8" name="Picture 7"/>
+          <p:cNvPicPr>
+            <a:picLocks noChangeAspect="1"/>
+          </p:cNvPicPr>
+          <p:nvPr/>
+        </p:nvPicPr>
+        <p:blipFill>
+          <a:blip r:embed="rId1"/>
+          <a:stretch>
+            <a:fillRect/>
+          </a:stretch>
+        </p:blipFill>
+        <p:spPr>
+          <a:xfrm>
+            <a:off x="1905" y="360045"/>
+            <a:ext cx="12192000" cy="1264920"/>
+          </a:xfrm>
+          <a:prstGeom prst="rect">
+            <a:avLst/>
+          </a:prstGeom>
+        </p:spPr>
+      </p:pic>
+      <p:sp>
+        <p:nvSpPr>
+          <p:cNvPr id="10" name="Rectangle 9"/>
+          <p:cNvSpPr/>
+          <p:nvPr/>
+        </p:nvSpPr>
+        <p:spPr>
+          <a:xfrm>
+            <a:off x="10817860" y="448310"/>
+            <a:ext cx="1162050" cy="1029970"/>
+          </a:xfrm>
+          <a:prstGeom prst="rect">
+            <a:avLst/>
+          </a:prstGeom>
+          <a:solidFill>
+            <a:schemeClr val="bg1"/>
+          </a:solidFill>
+          <a:ln w="50800">
+            <a:solidFill>
+              <a:srgbClr val="76E5AE"/>
+            </a:solidFill>
+          </a:ln>
+        </p:spPr>
+        <p:style>
+          <a:lnRef idx="2">
+            <a:schemeClr val="accent1">
+              <a:shade val="50000"/>
+            </a:schemeClr>
+          </a:lnRef>
+          <a:fillRef idx="1">
+            <a:schemeClr val="accent1"/>
+          </a:fillRef>
+          <a:effectRef idx="0">
+            <a:schemeClr val="accent1"/>
+          </a:effectRef>
+          <a:fontRef idx="minor">
+            <a:schemeClr val="lt1"/>
+          </a:fontRef>
+        </p:style>
+        <p:txBody>
+          <a:bodyPr rtlCol="0" anchor="ctr"/>
+          <a:p>
+            <a:pPr algn="ctr"/>
+            <a:endParaRPr lang="en-US"/>
+          </a:p>
+        </p:txBody>
+      </p:sp>
+      <p:pic>
+        <p:nvPicPr>
+          <p:cNvPr id="7" name="Picture 6"/>
+          <p:cNvPicPr>
+            <a:picLocks noChangeAspect="1"/>
+          </p:cNvPicPr>
+          <p:nvPr/>
+        </p:nvPicPr>
+        <p:blipFill>
+          <a:blip r:embed="rId2"/>
+          <a:stretch>
+            <a:fillRect/>
+          </a:stretch>
+        </p:blipFill>
+        <p:spPr>
+          <a:xfrm>
+            <a:off x="10962005" y="571500"/>
+            <a:ext cx="873760" cy="776605"/>
+          </a:xfrm>
+          <a:prstGeom prst="rect">
+            <a:avLst/>
+          </a:prstGeom>
+        </p:spPr>
+      </p:pic>
+      <p:sp>
+        <p:nvSpPr>
+          <p:cNvPr id="11" name="Rectangle 10"/>
+          <p:cNvSpPr/>
+          <p:nvPr/>
+        </p:nvSpPr>
+        <p:spPr>
+          <a:xfrm>
+            <a:off x="237490" y="509905"/>
+            <a:ext cx="9477375" cy="899795"/>
+          </a:xfrm>
+          <a:prstGeom prst="rect">
+            <a:avLst/>
+          </a:prstGeom>
+          <a:solidFill>
+            <a:schemeClr val="bg1">
+              <a:alpha val="79000"/>
+            </a:schemeClr>
+          </a:solidFill>
+          <a:ln>
+            <a:noFill/>
+          </a:ln>
+        </p:spPr>
+        <p:style>
+          <a:lnRef idx="2">
+            <a:schemeClr val="accent1">
+              <a:shade val="50000"/>
+            </a:schemeClr>
+          </a:lnRef>
+          <a:fillRef idx="1">
+            <a:schemeClr val="accent1"/>
+          </a:fillRef>
+          <a:effectRef idx="0">
+            <a:schemeClr val="accent1"/>
+          </a:effectRef>
+          <a:fontRef idx="minor">
+            <a:schemeClr val="lt1"/>
+          </a:fontRef>
+        </p:style>
+        <p:txBody>
+          <a:bodyPr rtlCol="0" anchor="ctr"/>
+          <a:p>
+            <a:pPr algn="ctr"/>
+            <a:endParaRPr lang="en-US"/>
+          </a:p>
+        </p:txBody>
+      </p:sp>
+      <p:sp>
+        <p:nvSpPr>
+          <p:cNvPr id="2" name="Título 1"/>
+          <p:cNvSpPr>
+            <a:spLocks noGrp="1"/>
+          </p:cNvSpPr>
+          <p:nvPr>
+            <p:ph type="ctrTitle"/>
+          </p:nvPr>
+        </p:nvSpPr>
+        <p:spPr>
+          <a:xfrm>
+            <a:off x="405765" y="810260"/>
+            <a:ext cx="7550150" cy="771525"/>
+          </a:xfrm>
+        </p:spPr>
+        <p:txBody>
+          <a:bodyPr>
+            <a:noAutofit/>
+          </a:bodyPr>
+          <a:p>
+            <a:pPr algn="l"/>
+            <a:r>
+              <a:rPr lang="" altLang="en-US" sz="4400">
+                <a:solidFill>
+                  <a:schemeClr val="tx1"/>
+                </a:solidFill>
+                <a:effectLst>
+                  <a:outerShdw blurRad="38100" dist="38100" dir="2700000" algn="tl">
+                    <a:srgbClr val="000000">
+                      <a:alpha val="43137"/>
+                    </a:srgbClr>
+                  </a:outerShdw>
+                </a:effectLst>
+                <a:latin typeface="Laksaman" panose="020B0500040200020003" charset="0"/>
+                <a:cs typeface="Laksaman" panose="020B0500040200020003" charset="0"/>
+              </a:rPr>
+              <a:t>Snapshots</a:t>
+            </a:r>
+            <a:endParaRPr lang="" altLang="en-US" sz="4400">
+              <a:solidFill>
+                <a:schemeClr val="tx1"/>
+              </a:solidFill>
+              <a:effectLst>
+                <a:outerShdw blurRad="38100" dist="38100" dir="2700000" algn="tl">
+                  <a:srgbClr val="000000">
+                    <a:alpha val="43137"/>
+                  </a:srgbClr>
+                </a:outerShdw>
+              </a:effectLst>
+              <a:latin typeface="Laksaman" panose="020B0500040200020003" charset="0"/>
+              <a:cs typeface="Laksaman" panose="020B0500040200020003" charset="0"/>
+            </a:endParaRPr>
+          </a:p>
+        </p:txBody>
+      </p:sp>
+      <p:sp>
+        <p:nvSpPr>
+          <p:cNvPr id="16" name="Retângulo 3"/>
+          <p:cNvSpPr/>
+          <p:nvPr/>
+        </p:nvSpPr>
+        <p:spPr>
+          <a:xfrm flipH="1">
+            <a:off x="-8255" y="6473190"/>
+            <a:ext cx="12192000" cy="151130"/>
+          </a:xfrm>
+          <a:prstGeom prst="rect">
+            <a:avLst/>
+          </a:prstGeom>
+          <a:solidFill>
+            <a:srgbClr val="003324"/>
+          </a:solidFill>
+          <a:ln>
+            <a:noFill/>
+          </a:ln>
+        </p:spPr>
+        <p:style>
+          <a:lnRef idx="2">
+            <a:schemeClr val="accent1">
+              <a:shade val="50000"/>
+            </a:schemeClr>
+          </a:lnRef>
+          <a:fillRef idx="1">
+            <a:schemeClr val="accent1"/>
+          </a:fillRef>
+          <a:effectRef idx="0">
+            <a:schemeClr val="accent1"/>
+          </a:effectRef>
+          <a:fontRef idx="minor">
+            <a:schemeClr val="lt1"/>
+          </a:fontRef>
+        </p:style>
+        <p:txBody>
+          <a:bodyPr rtlCol="0" anchor="ctr"/>
+          <a:p>
+            <a:pPr algn="ctr"/>
+            <a:endParaRPr lang="pt-BR" altLang="en-US"/>
+          </a:p>
+        </p:txBody>
+      </p:sp>
+      <p:sp>
+        <p:nvSpPr>
+          <p:cNvPr id="17" name="Retângulo 3"/>
+          <p:cNvSpPr/>
+          <p:nvPr/>
+        </p:nvSpPr>
+        <p:spPr>
+          <a:xfrm flipH="1">
+            <a:off x="-1270" y="6703060"/>
+            <a:ext cx="12192000" cy="151130"/>
+          </a:xfrm>
+          <a:prstGeom prst="rect">
+            <a:avLst/>
+          </a:prstGeom>
+          <a:solidFill>
+            <a:srgbClr val="003324"/>
+          </a:solidFill>
+          <a:ln>
+            <a:noFill/>
+          </a:ln>
+        </p:spPr>
+        <p:style>
+          <a:lnRef idx="2">
+            <a:schemeClr val="accent1">
+              <a:shade val="50000"/>
+            </a:schemeClr>
+          </a:lnRef>
+          <a:fillRef idx="1">
+            <a:schemeClr val="accent1"/>
+          </a:fillRef>
+          <a:effectRef idx="0">
+            <a:schemeClr val="accent1"/>
+          </a:effectRef>
+          <a:fontRef idx="minor">
+            <a:schemeClr val="lt1"/>
+          </a:fontRef>
+        </p:style>
+        <p:txBody>
+          <a:bodyPr rtlCol="0" anchor="ctr"/>
+          <a:p>
+            <a:pPr algn="ctr"/>
+            <a:endParaRPr lang="pt-BR" altLang="en-US"/>
+          </a:p>
+        </p:txBody>
+      </p:sp>
+      <p:sp>
+        <p:nvSpPr>
+          <p:cNvPr id="3" name="Rectangle 2"/>
+          <p:cNvSpPr/>
+          <p:nvPr/>
+        </p:nvSpPr>
+        <p:spPr>
+          <a:xfrm>
+            <a:off x="578485" y="1842135"/>
+            <a:ext cx="11257280" cy="4414520"/>
+          </a:xfrm>
+          <a:prstGeom prst="rect">
+            <a:avLst/>
+          </a:prstGeom>
+          <a:solidFill>
+            <a:schemeClr val="bg1">
+              <a:alpha val="52000"/>
+            </a:schemeClr>
+          </a:solidFill>
+          <a:ln>
+            <a:noFill/>
+          </a:ln>
+        </p:spPr>
+        <p:style>
+          <a:lnRef idx="2">
+            <a:schemeClr val="accent1">
+              <a:shade val="50000"/>
+            </a:schemeClr>
+          </a:lnRef>
+          <a:fillRef idx="1">
+            <a:schemeClr val="accent1"/>
+          </a:fillRef>
+          <a:effectRef idx="0">
+            <a:schemeClr val="accent1"/>
+          </a:effectRef>
+          <a:fontRef idx="minor">
+            <a:schemeClr val="lt1"/>
+          </a:fontRef>
+        </p:style>
+        <p:txBody>
+          <a:bodyPr rtlCol="0" anchor="ctr"/>
+          <a:p>
+            <a:pPr algn="ctr"/>
+            <a:endParaRPr lang="en-US"/>
+          </a:p>
+        </p:txBody>
+      </p:sp>
+      <p:pic>
+        <p:nvPicPr>
+          <p:cNvPr id="19460" name="Picture 4" descr="Git stores data as snapshots of the project over time."/>
+          <p:cNvPicPr>
+            <a:picLocks noChangeAspect="1" noChangeArrowheads="1"/>
+          </p:cNvPicPr>
+          <p:nvPr/>
+        </p:nvPicPr>
+        <p:blipFill>
+          <a:blip r:embed="rId3" cstate="print"/>
+          <a:srcRect/>
+          <a:stretch>
+            <a:fillRect/>
+          </a:stretch>
+        </p:blipFill>
+        <p:spPr bwMode="auto">
+          <a:xfrm>
+            <a:off x="1006475" y="2060575"/>
+            <a:ext cx="10421620" cy="3978275"/>
+          </a:xfrm>
+          <a:prstGeom prst="rect">
+            <a:avLst/>
+          </a:prstGeom>
+          <a:noFill/>
+        </p:spPr>
+      </p:pic>
+    </p:spTree>
+  </p:cSld>
+  <p:clrMapOvr>
+    <a:masterClrMapping/>
+  </p:clrMapOvr>
+</p:sld>
+</file>
+
+<file path=ppt/slides/slide40.xml><?xml version="1.0" encoding="utf-8"?>
+<p:sld xmlns:a="http://schemas.openxmlformats.org/drawingml/2006/main" xmlns:r="http://schemas.openxmlformats.org/officeDocument/2006/relationships" xmlns:p="http://schemas.openxmlformats.org/presentationml/2006/main">
+  <p:cSld>
+    <p:spTree>
+      <p:nvGrpSpPr>
+        <p:cNvPr id="1" name=""/>
+        <p:cNvGrpSpPr/>
+        <p:nvPr/>
+      </p:nvGrpSpPr>
+      <p:grpSpPr/>
+      <p:pic>
+        <p:nvPicPr>
+          <p:cNvPr id="8" name="Picture 7"/>
+          <p:cNvPicPr>
+            <a:picLocks noChangeAspect="1"/>
+          </p:cNvPicPr>
+          <p:nvPr/>
+        </p:nvPicPr>
+        <p:blipFill>
+          <a:blip r:embed="rId1"/>
+          <a:stretch>
+            <a:fillRect/>
+          </a:stretch>
+        </p:blipFill>
+        <p:spPr>
+          <a:xfrm>
+            <a:off x="1905" y="360045"/>
+            <a:ext cx="12192000" cy="1264920"/>
+          </a:xfrm>
+          <a:prstGeom prst="rect">
+            <a:avLst/>
+          </a:prstGeom>
+        </p:spPr>
+      </p:pic>
+      <p:sp>
+        <p:nvSpPr>
+          <p:cNvPr id="10" name="Rectangle 9"/>
+          <p:cNvSpPr/>
+          <p:nvPr/>
+        </p:nvSpPr>
+        <p:spPr>
+          <a:xfrm>
+            <a:off x="10817860" y="448310"/>
+            <a:ext cx="1162050" cy="1029970"/>
+          </a:xfrm>
+          <a:prstGeom prst="rect">
+            <a:avLst/>
+          </a:prstGeom>
+          <a:solidFill>
+            <a:schemeClr val="bg1"/>
+          </a:solidFill>
+          <a:ln w="50800">
+            <a:solidFill>
+              <a:srgbClr val="76E5AE"/>
+            </a:solidFill>
+          </a:ln>
+        </p:spPr>
+        <p:style>
+          <a:lnRef idx="2">
+            <a:schemeClr val="accent1">
+              <a:shade val="50000"/>
+            </a:schemeClr>
+          </a:lnRef>
+          <a:fillRef idx="1">
+            <a:schemeClr val="accent1"/>
+          </a:fillRef>
+          <a:effectRef idx="0">
+            <a:schemeClr val="accent1"/>
+          </a:effectRef>
+          <a:fontRef idx="minor">
+            <a:schemeClr val="lt1"/>
+          </a:fontRef>
+        </p:style>
+        <p:txBody>
+          <a:bodyPr rtlCol="0" anchor="ctr"/>
+          <a:p>
+            <a:pPr algn="ctr"/>
+            <a:endParaRPr lang="en-US"/>
+          </a:p>
+        </p:txBody>
+      </p:sp>
+      <p:pic>
+        <p:nvPicPr>
+          <p:cNvPr id="7" name="Picture 6"/>
+          <p:cNvPicPr>
+            <a:picLocks noChangeAspect="1"/>
+          </p:cNvPicPr>
+          <p:nvPr/>
+        </p:nvPicPr>
+        <p:blipFill>
+          <a:blip r:embed="rId2"/>
+          <a:stretch>
+            <a:fillRect/>
+          </a:stretch>
+        </p:blipFill>
+        <p:spPr>
+          <a:xfrm>
+            <a:off x="10962005" y="571500"/>
+            <a:ext cx="873760" cy="776605"/>
+          </a:xfrm>
+          <a:prstGeom prst="rect">
+            <a:avLst/>
+          </a:prstGeom>
+        </p:spPr>
+      </p:pic>
+      <p:sp>
+        <p:nvSpPr>
+          <p:cNvPr id="11" name="Rectangle 10"/>
+          <p:cNvSpPr/>
+          <p:nvPr/>
+        </p:nvSpPr>
+        <p:spPr>
+          <a:xfrm>
+            <a:off x="237490" y="509905"/>
+            <a:ext cx="9477375" cy="899795"/>
+          </a:xfrm>
+          <a:prstGeom prst="rect">
+            <a:avLst/>
+          </a:prstGeom>
+          <a:solidFill>
+            <a:schemeClr val="bg1">
+              <a:alpha val="79000"/>
+            </a:schemeClr>
+          </a:solidFill>
+          <a:ln>
+            <a:noFill/>
+          </a:ln>
+        </p:spPr>
+        <p:style>
+          <a:lnRef idx="2">
+            <a:schemeClr val="accent1">
+              <a:shade val="50000"/>
+            </a:schemeClr>
+          </a:lnRef>
+          <a:fillRef idx="1">
+            <a:schemeClr val="accent1"/>
+          </a:fillRef>
+          <a:effectRef idx="0">
+            <a:schemeClr val="accent1"/>
+          </a:effectRef>
+          <a:fontRef idx="minor">
+            <a:schemeClr val="lt1"/>
+          </a:fontRef>
+        </p:style>
+        <p:txBody>
+          <a:bodyPr rtlCol="0" anchor="ctr"/>
+          <a:p>
+            <a:pPr algn="ctr"/>
+            <a:endParaRPr lang="en-US"/>
+          </a:p>
+        </p:txBody>
+      </p:sp>
+      <p:sp>
+        <p:nvSpPr>
+          <p:cNvPr id="2" name="Título 1"/>
+          <p:cNvSpPr>
+            <a:spLocks noGrp="1"/>
+          </p:cNvSpPr>
+          <p:nvPr>
+            <p:ph type="ctrTitle"/>
+          </p:nvPr>
+        </p:nvSpPr>
+        <p:spPr>
+          <a:xfrm>
+            <a:off x="405765" y="810260"/>
+            <a:ext cx="7550150" cy="771525"/>
+          </a:xfrm>
+        </p:spPr>
+        <p:txBody>
+          <a:bodyPr>
+            <a:noAutofit/>
+          </a:bodyPr>
+          <a:p>
+            <a:pPr algn="l"/>
+            <a:r>
+              <a:rPr lang="en-US" altLang="en-US" sz="4400">
+                <a:solidFill>
+                  <a:schemeClr val="tx1"/>
+                </a:solidFill>
+                <a:effectLst>
+                  <a:outerShdw blurRad="38100" dist="38100" dir="2700000" algn="tl">
+                    <a:srgbClr val="000000">
+                      <a:alpha val="43137"/>
+                    </a:srgbClr>
+                  </a:outerShdw>
+                </a:effectLst>
+                <a:latin typeface="Laksaman" panose="020B0500040200020003" charset="0"/>
+                <a:cs typeface="Laksaman" panose="020B0500040200020003" charset="0"/>
+              </a:rPr>
+              <a:t>Por que usar o GitHub?</a:t>
+            </a:r>
+            <a:endParaRPr lang="en-US" altLang="en-US" sz="4400">
+              <a:solidFill>
+                <a:schemeClr val="tx1"/>
+              </a:solidFill>
+              <a:effectLst>
+                <a:outerShdw blurRad="38100" dist="38100" dir="2700000" algn="tl">
+                  <a:srgbClr val="000000">
+                    <a:alpha val="43137"/>
+                  </a:srgbClr>
+                </a:outerShdw>
+              </a:effectLst>
+              <a:latin typeface="Laksaman" panose="020B0500040200020003" charset="0"/>
+              <a:cs typeface="Laksaman" panose="020B0500040200020003" charset="0"/>
+            </a:endParaRPr>
+          </a:p>
+        </p:txBody>
+      </p:sp>
+      <p:sp>
+        <p:nvSpPr>
+          <p:cNvPr id="16" name="Retângulo 3"/>
+          <p:cNvSpPr/>
+          <p:nvPr/>
+        </p:nvSpPr>
+        <p:spPr>
+          <a:xfrm flipH="1">
+            <a:off x="-8255" y="6473190"/>
+            <a:ext cx="12192000" cy="151130"/>
+          </a:xfrm>
+          <a:prstGeom prst="rect">
+            <a:avLst/>
+          </a:prstGeom>
+          <a:solidFill>
+            <a:srgbClr val="003324"/>
+          </a:solidFill>
+          <a:ln>
+            <a:noFill/>
+          </a:ln>
+        </p:spPr>
+        <p:style>
+          <a:lnRef idx="2">
+            <a:schemeClr val="accent1">
+              <a:shade val="50000"/>
+            </a:schemeClr>
+          </a:lnRef>
+          <a:fillRef idx="1">
+            <a:schemeClr val="accent1"/>
+          </a:fillRef>
+          <a:effectRef idx="0">
+            <a:schemeClr val="accent1"/>
+          </a:effectRef>
+          <a:fontRef idx="minor">
+            <a:schemeClr val="lt1"/>
+          </a:fontRef>
+        </p:style>
+        <p:txBody>
+          <a:bodyPr rtlCol="0" anchor="ctr"/>
+          <a:p>
+            <a:pPr algn="ctr"/>
+            <a:endParaRPr lang="pt-BR" altLang="en-US"/>
+          </a:p>
+        </p:txBody>
+      </p:sp>
+      <p:sp>
+        <p:nvSpPr>
+          <p:cNvPr id="17" name="Retângulo 3"/>
+          <p:cNvSpPr/>
+          <p:nvPr/>
+        </p:nvSpPr>
+        <p:spPr>
+          <a:xfrm flipH="1">
+            <a:off x="-1270" y="6703060"/>
+            <a:ext cx="12192000" cy="151130"/>
+          </a:xfrm>
+          <a:prstGeom prst="rect">
+            <a:avLst/>
+          </a:prstGeom>
+          <a:solidFill>
+            <a:srgbClr val="003324"/>
+          </a:solidFill>
+          <a:ln>
+            <a:noFill/>
+          </a:ln>
+        </p:spPr>
+        <p:style>
+          <a:lnRef idx="2">
+            <a:schemeClr val="accent1">
+              <a:shade val="50000"/>
+            </a:schemeClr>
+          </a:lnRef>
+          <a:fillRef idx="1">
+            <a:schemeClr val="accent1"/>
+          </a:fillRef>
+          <a:effectRef idx="0">
+            <a:schemeClr val="accent1"/>
+          </a:effectRef>
+          <a:fontRef idx="minor">
+            <a:schemeClr val="lt1"/>
+          </a:fontRef>
+        </p:style>
+        <p:txBody>
+          <a:bodyPr rtlCol="0" anchor="ctr"/>
+          <a:p>
+            <a:pPr algn="ctr"/>
+            <a:endParaRPr lang="pt-BR" altLang="en-US"/>
+          </a:p>
+        </p:txBody>
+      </p:sp>
+      <p:pic>
+        <p:nvPicPr>
+          <p:cNvPr id="9" name="Picture 8"/>
+          <p:cNvPicPr>
+            <a:picLocks noChangeAspect="1"/>
+          </p:cNvPicPr>
+          <p:nvPr/>
+        </p:nvPicPr>
+        <p:blipFill>
+          <a:blip r:embed="rId3"/>
+          <a:stretch>
+            <a:fillRect/>
+          </a:stretch>
+        </p:blipFill>
+        <p:spPr>
+          <a:xfrm>
+            <a:off x="1275715" y="1624965"/>
+            <a:ext cx="8686165" cy="4700270"/>
+          </a:xfrm>
+          <a:prstGeom prst="rect">
+            <a:avLst/>
+          </a:prstGeom>
+        </p:spPr>
+      </p:pic>
+      <p:sp>
+        <p:nvSpPr>
+          <p:cNvPr id="3" name="Rectangle 2"/>
+          <p:cNvSpPr/>
+          <p:nvPr/>
+        </p:nvSpPr>
+        <p:spPr>
+          <a:xfrm>
+            <a:off x="6609715" y="4478655"/>
+            <a:ext cx="4793615" cy="1484630"/>
+          </a:xfrm>
+          <a:prstGeom prst="rect">
+            <a:avLst/>
+          </a:prstGeom>
+          <a:solidFill>
+            <a:schemeClr val="accent3">
+              <a:lumMod val="75000"/>
+              <a:alpha val="32000"/>
+            </a:schemeClr>
+          </a:solidFill>
+          <a:ln>
+            <a:noFill/>
+          </a:ln>
+        </p:spPr>
+        <p:style>
+          <a:lnRef idx="2">
+            <a:schemeClr val="accent1">
+              <a:shade val="50000"/>
+            </a:schemeClr>
+          </a:lnRef>
+          <a:fillRef idx="1">
+            <a:schemeClr val="accent1"/>
+          </a:fillRef>
+          <a:effectRef idx="0">
+            <a:schemeClr val="accent1"/>
+          </a:effectRef>
+          <a:fontRef idx="minor">
+            <a:schemeClr val="lt1"/>
+          </a:fontRef>
+        </p:style>
+        <p:txBody>
+          <a:bodyPr rtlCol="0" anchor="ctr"/>
+          <a:p>
+            <a:pPr algn="ctr"/>
+            <a:endParaRPr lang="en-US"/>
+          </a:p>
+        </p:txBody>
+      </p:sp>
+      <p:sp>
+        <p:nvSpPr>
+          <p:cNvPr id="6" name="Título 1"/>
+          <p:cNvSpPr>
+            <a:spLocks noGrp="1"/>
+          </p:cNvSpPr>
+          <p:nvPr/>
+        </p:nvSpPr>
+        <p:spPr>
+          <a:xfrm>
+            <a:off x="6387465" y="4537075"/>
+            <a:ext cx="5311775" cy="1299210"/>
+          </a:xfrm>
+          <a:prstGeom prst="rect">
+            <a:avLst/>
+          </a:prstGeom>
+        </p:spPr>
+        <p:txBody>
+          <a:bodyPr vert="horz" lIns="91440" tIns="45720" rIns="91440" bIns="45720" rtlCol="0" anchor="b">
+            <a:noAutofit/>
+          </a:bodyPr>
+          <a:lstStyle>
+            <a:lvl1pPr algn="ctr" defTabSz="914400" rtl="0" eaLnBrk="1" latinLnBrk="0" hangingPunct="1">
+              <a:lnSpc>
+                <a:spcPct val="90000"/>
+              </a:lnSpc>
+              <a:spcBef>
+                <a:spcPct val="0"/>
+              </a:spcBef>
+              <a:buNone/>
+              <a:defRPr sz="6000" kern="1200">
+                <a:solidFill>
+                  <a:schemeClr val="tx1"/>
+                </a:solidFill>
+                <a:latin typeface="+mj-lt"/>
+                <a:ea typeface="+mj-ea"/>
+                <a:cs typeface="+mj-cs"/>
+              </a:defRPr>
+            </a:lvl1pPr>
+          </a:lstStyle>
+          <a:p>
+            <a:pPr algn="ctr"/>
+            <a:r>
+              <a:rPr lang="" altLang="en-US" sz="4000" i="1">
+                <a:solidFill>
+                  <a:schemeClr val="tx1"/>
+                </a:solidFill>
+                <a:effectLst>
+                  <a:outerShdw blurRad="38100" dist="38100" dir="2700000" algn="tl">
+                    <a:srgbClr val="000000">
+                      <a:alpha val="43137"/>
+                    </a:srgbClr>
+                  </a:outerShdw>
+                </a:effectLst>
+                <a:latin typeface="Laksaman" panose="020B0500040200020003" charset="0"/>
+                <a:cs typeface="Laksaman" panose="020B0500040200020003" charset="0"/>
+              </a:rPr>
+              <a:t>Highlight Code</a:t>
+            </a:r>
+            <a:endParaRPr lang="" altLang="en-US" sz="4000" i="1">
+              <a:solidFill>
+                <a:schemeClr val="tx1"/>
+              </a:solidFill>
+              <a:effectLst>
+                <a:outerShdw blurRad="38100" dist="38100" dir="2700000" algn="tl">
+                  <a:srgbClr val="000000">
+                    <a:alpha val="43137"/>
+                  </a:srgbClr>
+                </a:outerShdw>
+              </a:effectLst>
+              <a:latin typeface="Laksaman" panose="020B0500040200020003" charset="0"/>
+              <a:cs typeface="Laksaman" panose="020B0500040200020003" charset="0"/>
+            </a:endParaRPr>
+          </a:p>
+        </p:txBody>
+      </p:sp>
+    </p:spTree>
+  </p:cSld>
+  <p:clrMapOvr>
+    <a:masterClrMapping/>
+  </p:clrMapOvr>
+</p:sld>
+</file>
+
+<file path=ppt/slides/slide41.xml><?xml version="1.0" encoding="utf-8"?>
+<p:sld xmlns:a="http://schemas.openxmlformats.org/drawingml/2006/main" xmlns:r="http://schemas.openxmlformats.org/officeDocument/2006/relationships" xmlns:p="http://schemas.openxmlformats.org/presentationml/2006/main">
+  <p:cSld>
+    <p:spTree>
+      <p:nvGrpSpPr>
+        <p:cNvPr id="1" name=""/>
+        <p:cNvGrpSpPr/>
+        <p:nvPr/>
+      </p:nvGrpSpPr>
+      <p:grpSpPr/>
+      <p:pic>
+        <p:nvPicPr>
+          <p:cNvPr id="8" name="Picture 7"/>
+          <p:cNvPicPr>
+            <a:picLocks noChangeAspect="1"/>
+          </p:cNvPicPr>
+          <p:nvPr/>
+        </p:nvPicPr>
+        <p:blipFill>
+          <a:blip r:embed="rId1"/>
+          <a:stretch>
+            <a:fillRect/>
+          </a:stretch>
+        </p:blipFill>
+        <p:spPr>
+          <a:xfrm>
+            <a:off x="1905" y="360045"/>
+            <a:ext cx="12192000" cy="1264920"/>
+          </a:xfrm>
+          <a:prstGeom prst="rect">
+            <a:avLst/>
+          </a:prstGeom>
+        </p:spPr>
+      </p:pic>
+      <p:sp>
+        <p:nvSpPr>
+          <p:cNvPr id="10" name="Rectangle 9"/>
+          <p:cNvSpPr/>
+          <p:nvPr/>
+        </p:nvSpPr>
+        <p:spPr>
+          <a:xfrm>
+            <a:off x="10817860" y="448310"/>
+            <a:ext cx="1162050" cy="1029970"/>
+          </a:xfrm>
+          <a:prstGeom prst="rect">
+            <a:avLst/>
+          </a:prstGeom>
+          <a:solidFill>
+            <a:schemeClr val="bg1"/>
+          </a:solidFill>
+          <a:ln w="50800">
+            <a:solidFill>
+              <a:srgbClr val="76E5AE"/>
+            </a:solidFill>
+          </a:ln>
+        </p:spPr>
+        <p:style>
+          <a:lnRef idx="2">
+            <a:schemeClr val="accent1">
+              <a:shade val="50000"/>
+            </a:schemeClr>
+          </a:lnRef>
+          <a:fillRef idx="1">
+            <a:schemeClr val="accent1"/>
+          </a:fillRef>
+          <a:effectRef idx="0">
+            <a:schemeClr val="accent1"/>
+          </a:effectRef>
+          <a:fontRef idx="minor">
+            <a:schemeClr val="lt1"/>
+          </a:fontRef>
+        </p:style>
+        <p:txBody>
+          <a:bodyPr rtlCol="0" anchor="ctr"/>
+          <a:p>
+            <a:pPr algn="ctr"/>
+            <a:endParaRPr lang="en-US"/>
+          </a:p>
+        </p:txBody>
+      </p:sp>
+      <p:pic>
+        <p:nvPicPr>
+          <p:cNvPr id="7" name="Picture 6"/>
+          <p:cNvPicPr>
+            <a:picLocks noChangeAspect="1"/>
+          </p:cNvPicPr>
+          <p:nvPr/>
+        </p:nvPicPr>
+        <p:blipFill>
+          <a:blip r:embed="rId2"/>
+          <a:stretch>
+            <a:fillRect/>
+          </a:stretch>
+        </p:blipFill>
+        <p:spPr>
+          <a:xfrm>
+            <a:off x="10962005" y="571500"/>
+            <a:ext cx="873760" cy="776605"/>
+          </a:xfrm>
+          <a:prstGeom prst="rect">
+            <a:avLst/>
+          </a:prstGeom>
+        </p:spPr>
+      </p:pic>
+      <p:sp>
+        <p:nvSpPr>
+          <p:cNvPr id="11" name="Rectangle 10"/>
+          <p:cNvSpPr/>
+          <p:nvPr/>
+        </p:nvSpPr>
+        <p:spPr>
+          <a:xfrm>
+            <a:off x="237490" y="509905"/>
+            <a:ext cx="9477375" cy="899795"/>
+          </a:xfrm>
+          <a:prstGeom prst="rect">
+            <a:avLst/>
+          </a:prstGeom>
+          <a:solidFill>
+            <a:schemeClr val="bg1">
+              <a:alpha val="79000"/>
+            </a:schemeClr>
+          </a:solidFill>
+          <a:ln>
+            <a:noFill/>
+          </a:ln>
+        </p:spPr>
+        <p:style>
+          <a:lnRef idx="2">
+            <a:schemeClr val="accent1">
+              <a:shade val="50000"/>
+            </a:schemeClr>
+          </a:lnRef>
+          <a:fillRef idx="1">
+            <a:schemeClr val="accent1"/>
+          </a:fillRef>
+          <a:effectRef idx="0">
+            <a:schemeClr val="accent1"/>
+          </a:effectRef>
+          <a:fontRef idx="minor">
+            <a:schemeClr val="lt1"/>
+          </a:fontRef>
+        </p:style>
+        <p:txBody>
+          <a:bodyPr rtlCol="0" anchor="ctr"/>
+          <a:p>
+            <a:pPr algn="ctr"/>
+            <a:endParaRPr lang="en-US"/>
+          </a:p>
+        </p:txBody>
+      </p:sp>
+      <p:sp>
+        <p:nvSpPr>
+          <p:cNvPr id="2" name="Título 1"/>
+          <p:cNvSpPr>
+            <a:spLocks noGrp="1"/>
+          </p:cNvSpPr>
+          <p:nvPr>
+            <p:ph type="ctrTitle"/>
+          </p:nvPr>
+        </p:nvSpPr>
+        <p:spPr>
+          <a:xfrm>
+            <a:off x="405765" y="810260"/>
+            <a:ext cx="7550150" cy="771525"/>
+          </a:xfrm>
+        </p:spPr>
+        <p:txBody>
+          <a:bodyPr>
+            <a:noAutofit/>
+          </a:bodyPr>
+          <a:p>
+            <a:pPr algn="l"/>
+            <a:r>
+              <a:rPr lang="en-US" altLang="en-US" sz="4400">
+                <a:solidFill>
+                  <a:schemeClr val="tx1"/>
+                </a:solidFill>
+                <a:effectLst>
+                  <a:outerShdw blurRad="38100" dist="38100" dir="2700000" algn="tl">
+                    <a:srgbClr val="000000">
+                      <a:alpha val="43137"/>
+                    </a:srgbClr>
+                  </a:outerShdw>
+                </a:effectLst>
+                <a:latin typeface="Laksaman" panose="020B0500040200020003" charset="0"/>
+                <a:cs typeface="Laksaman" panose="020B0500040200020003" charset="0"/>
+              </a:rPr>
+              <a:t>Por que usar o GitHub?</a:t>
+            </a:r>
+            <a:endParaRPr lang="en-US" altLang="en-US" sz="4400">
+              <a:solidFill>
+                <a:schemeClr val="tx1"/>
+              </a:solidFill>
+              <a:effectLst>
+                <a:outerShdw blurRad="38100" dist="38100" dir="2700000" algn="tl">
+                  <a:srgbClr val="000000">
+                    <a:alpha val="43137"/>
+                  </a:srgbClr>
+                </a:outerShdw>
+              </a:effectLst>
+              <a:latin typeface="Laksaman" panose="020B0500040200020003" charset="0"/>
+              <a:cs typeface="Laksaman" panose="020B0500040200020003" charset="0"/>
+            </a:endParaRPr>
+          </a:p>
+        </p:txBody>
+      </p:sp>
+      <p:sp>
+        <p:nvSpPr>
+          <p:cNvPr id="16" name="Retângulo 3"/>
+          <p:cNvSpPr/>
+          <p:nvPr/>
+        </p:nvSpPr>
+        <p:spPr>
+          <a:xfrm flipH="1">
+            <a:off x="-8255" y="6473190"/>
+            <a:ext cx="12192000" cy="151130"/>
+          </a:xfrm>
+          <a:prstGeom prst="rect">
+            <a:avLst/>
+          </a:prstGeom>
+          <a:solidFill>
+            <a:srgbClr val="003324"/>
+          </a:solidFill>
+          <a:ln>
+            <a:noFill/>
+          </a:ln>
+        </p:spPr>
+        <p:style>
+          <a:lnRef idx="2">
+            <a:schemeClr val="accent1">
+              <a:shade val="50000"/>
+            </a:schemeClr>
+          </a:lnRef>
+          <a:fillRef idx="1">
+            <a:schemeClr val="accent1"/>
+          </a:fillRef>
+          <a:effectRef idx="0">
+            <a:schemeClr val="accent1"/>
+          </a:effectRef>
+          <a:fontRef idx="minor">
+            <a:schemeClr val="lt1"/>
+          </a:fontRef>
+        </p:style>
+        <p:txBody>
+          <a:bodyPr rtlCol="0" anchor="ctr"/>
+          <a:p>
+            <a:pPr algn="ctr"/>
+            <a:endParaRPr lang="pt-BR" altLang="en-US"/>
+          </a:p>
+        </p:txBody>
+      </p:sp>
+      <p:sp>
+        <p:nvSpPr>
+          <p:cNvPr id="17" name="Retângulo 3"/>
+          <p:cNvSpPr/>
+          <p:nvPr/>
+        </p:nvSpPr>
+        <p:spPr>
+          <a:xfrm flipH="1">
+            <a:off x="-1270" y="6703060"/>
+            <a:ext cx="12192000" cy="151130"/>
+          </a:xfrm>
+          <a:prstGeom prst="rect">
+            <a:avLst/>
+          </a:prstGeom>
+          <a:solidFill>
+            <a:srgbClr val="003324"/>
+          </a:solidFill>
+          <a:ln>
+            <a:noFill/>
+          </a:ln>
+        </p:spPr>
+        <p:style>
+          <a:lnRef idx="2">
+            <a:schemeClr val="accent1">
+              <a:shade val="50000"/>
+            </a:schemeClr>
+          </a:lnRef>
+          <a:fillRef idx="1">
+            <a:schemeClr val="accent1"/>
+          </a:fillRef>
+          <a:effectRef idx="0">
+            <a:schemeClr val="accent1"/>
+          </a:effectRef>
+          <a:fontRef idx="minor">
+            <a:schemeClr val="lt1"/>
+          </a:fontRef>
+        </p:style>
+        <p:txBody>
+          <a:bodyPr rtlCol="0" anchor="ctr"/>
+          <a:p>
+            <a:pPr algn="ctr"/>
+            <a:endParaRPr lang="pt-BR" altLang="en-US"/>
+          </a:p>
+        </p:txBody>
+      </p:sp>
+      <p:pic>
+        <p:nvPicPr>
+          <p:cNvPr id="4" name="Picture 3"/>
+          <p:cNvPicPr>
+            <a:picLocks noChangeAspect="1"/>
+          </p:cNvPicPr>
+          <p:nvPr/>
+        </p:nvPicPr>
+        <p:blipFill>
+          <a:blip r:embed="rId3"/>
+          <a:stretch>
+            <a:fillRect/>
+          </a:stretch>
+        </p:blipFill>
+        <p:spPr>
+          <a:xfrm>
+            <a:off x="1337945" y="1969770"/>
+            <a:ext cx="8792845" cy="3993515"/>
+          </a:xfrm>
+          <a:prstGeom prst="rect">
+            <a:avLst/>
+          </a:prstGeom>
+        </p:spPr>
+      </p:pic>
+      <p:sp>
+        <p:nvSpPr>
+          <p:cNvPr id="3" name="Rectangle 2"/>
+          <p:cNvSpPr/>
+          <p:nvPr/>
+        </p:nvSpPr>
+        <p:spPr>
+          <a:xfrm>
+            <a:off x="6126480" y="4787265"/>
+            <a:ext cx="5585460" cy="1484630"/>
+          </a:xfrm>
+          <a:prstGeom prst="rect">
+            <a:avLst/>
+          </a:prstGeom>
+          <a:solidFill>
+            <a:schemeClr val="accent3">
+              <a:lumMod val="75000"/>
+              <a:alpha val="32000"/>
+            </a:schemeClr>
+          </a:solidFill>
+          <a:ln>
+            <a:noFill/>
+          </a:ln>
+        </p:spPr>
+        <p:style>
+          <a:lnRef idx="2">
+            <a:schemeClr val="accent1">
+              <a:shade val="50000"/>
+            </a:schemeClr>
+          </a:lnRef>
+          <a:fillRef idx="1">
+            <a:schemeClr val="accent1"/>
+          </a:fillRef>
+          <a:effectRef idx="0">
+            <a:schemeClr val="accent1"/>
+          </a:effectRef>
+          <a:fontRef idx="minor">
+            <a:schemeClr val="lt1"/>
+          </a:fontRef>
+        </p:style>
+        <p:txBody>
+          <a:bodyPr rtlCol="0" anchor="ctr"/>
+          <a:p>
+            <a:pPr algn="ctr"/>
+            <a:endParaRPr lang="en-US"/>
+          </a:p>
+        </p:txBody>
+      </p:sp>
+      <p:sp>
+        <p:nvSpPr>
+          <p:cNvPr id="6" name="Título 1"/>
+          <p:cNvSpPr>
+            <a:spLocks noGrp="1"/>
+          </p:cNvSpPr>
+          <p:nvPr/>
+        </p:nvSpPr>
+        <p:spPr>
+          <a:xfrm>
+            <a:off x="6195060" y="4879975"/>
+            <a:ext cx="5448935" cy="1299210"/>
+          </a:xfrm>
+          <a:prstGeom prst="rect">
+            <a:avLst/>
+          </a:prstGeom>
+        </p:spPr>
+        <p:txBody>
+          <a:bodyPr vert="horz" lIns="91440" tIns="45720" rIns="91440" bIns="45720" rtlCol="0" anchor="b">
+            <a:noAutofit/>
+          </a:bodyPr>
+          <a:lstStyle>
+            <a:lvl1pPr algn="ctr" defTabSz="914400" rtl="0" eaLnBrk="1" latinLnBrk="0" hangingPunct="1">
+              <a:lnSpc>
+                <a:spcPct val="90000"/>
+              </a:lnSpc>
+              <a:spcBef>
+                <a:spcPct val="0"/>
+              </a:spcBef>
+              <a:buNone/>
+              <a:defRPr sz="6000" kern="1200">
+                <a:solidFill>
+                  <a:schemeClr val="tx1"/>
+                </a:solidFill>
+                <a:latin typeface="+mj-lt"/>
+                <a:ea typeface="+mj-ea"/>
+                <a:cs typeface="+mj-cs"/>
+              </a:defRPr>
+            </a:lvl1pPr>
+          </a:lstStyle>
+          <a:p>
+            <a:pPr algn="ctr"/>
+            <a:r>
+              <a:rPr lang="" altLang="en-US" sz="4000">
+                <a:solidFill>
+                  <a:schemeClr val="tx1"/>
+                </a:solidFill>
+                <a:effectLst>
+                  <a:outerShdw blurRad="38100" dist="38100" dir="2700000" algn="tl">
+                    <a:srgbClr val="000000">
+                      <a:alpha val="43137"/>
+                    </a:srgbClr>
+                  </a:outerShdw>
+                </a:effectLst>
+                <a:latin typeface="Laksaman" panose="020B0500040200020003" charset="0"/>
+                <a:cs typeface="Laksaman" panose="020B0500040200020003" charset="0"/>
+              </a:rPr>
+              <a:t>Repositórios privados</a:t>
+            </a:r>
+            <a:endParaRPr lang="" altLang="en-US" sz="4000">
+              <a:solidFill>
+                <a:schemeClr val="tx1"/>
+              </a:solidFill>
+              <a:effectLst>
+                <a:outerShdw blurRad="38100" dist="38100" dir="2700000" algn="tl">
+                  <a:srgbClr val="000000">
+                    <a:alpha val="43137"/>
+                  </a:srgbClr>
+                </a:outerShdw>
+              </a:effectLst>
+              <a:latin typeface="Laksaman" panose="020B0500040200020003" charset="0"/>
+              <a:cs typeface="Laksaman" panose="020B0500040200020003" charset="0"/>
+            </a:endParaRPr>
+          </a:p>
+        </p:txBody>
+      </p:sp>
+      <p:sp>
+        <p:nvSpPr>
+          <p:cNvPr id="12" name="Rectangle 11"/>
+          <p:cNvSpPr/>
+          <p:nvPr/>
+        </p:nvSpPr>
+        <p:spPr>
+          <a:xfrm>
+            <a:off x="1338580" y="1923415"/>
+            <a:ext cx="2294890" cy="532765"/>
+          </a:xfrm>
+          <a:prstGeom prst="rect">
+            <a:avLst/>
+          </a:prstGeom>
+          <a:noFill/>
+          <a:ln w="57150">
+            <a:solidFill>
+              <a:srgbClr val="FF0000"/>
+            </a:solidFill>
+          </a:ln>
+          <a:extLst>
+            <a:ext uri="{909E8E84-426E-40DD-AFC4-6F175D3DCCD1}">
+              <a14:hiddenFill xmlns:a14="http://schemas.microsoft.com/office/drawing/2010/main">
+                <a:solidFill>
+                  <a:schemeClr val="accent1"/>
+                </a:solidFill>
+              </a14:hiddenFill>
+            </a:ext>
+          </a:extLst>
+        </p:spPr>
+        <p:style>
+          <a:lnRef idx="2">
+            <a:schemeClr val="accent1">
+              <a:shade val="50000"/>
+            </a:schemeClr>
+          </a:lnRef>
+          <a:fillRef idx="1">
+            <a:schemeClr val="accent1"/>
+          </a:fillRef>
+          <a:effectRef idx="0">
+            <a:schemeClr val="accent1"/>
+          </a:effectRef>
+          <a:fontRef idx="minor">
+            <a:schemeClr val="lt1"/>
+          </a:fontRef>
+        </p:style>
+        <p:txBody>
+          <a:bodyPr rtlCol="0" anchor="ctr"/>
+          <a:p>
+            <a:pPr algn="ctr"/>
+            <a:endParaRPr lang="en-US"/>
+          </a:p>
+        </p:txBody>
+      </p:sp>
+    </p:spTree>
+  </p:cSld>
+  <p:clrMapOvr>
+    <a:masterClrMapping/>
+  </p:clrMapOvr>
+</p:sld>
+</file>
+
+<file path=ppt/slides/slide42.xml><?xml version="1.0" encoding="utf-8"?>
 <p:sld xmlns:a="http://schemas.openxmlformats.org/drawingml/2006/main" xmlns:r="http://schemas.openxmlformats.org/officeDocument/2006/relationships" xmlns:p="http://schemas.openxmlformats.org/presentationml/2006/main">
   <p:cSld>
     <p:spTree>
@@ -14369,7 +18482,7 @@
 </p:sld>
 </file>
 
-<file path=ppt/slides/slide34.xml><?xml version="1.0" encoding="utf-8"?>
+<file path=ppt/slides/slide43.xml><?xml version="1.0" encoding="utf-8"?>
 <p:sld xmlns:a="http://schemas.openxmlformats.org/drawingml/2006/main" xmlns:r="http://schemas.openxmlformats.org/officeDocument/2006/relationships" xmlns:p="http://schemas.openxmlformats.org/presentationml/2006/main">
   <p:cSld>
     <p:spTree>
@@ -14940,7 +19053,7 @@
 </p:sld>
 </file>
 
-<file path=ppt/slides/slide35.xml><?xml version="1.0" encoding="utf-8"?>
+<file path=ppt/slides/slide44.xml><?xml version="1.0" encoding="utf-8"?>
 <p:sld xmlns:a="http://schemas.openxmlformats.org/drawingml/2006/main" xmlns:r="http://schemas.openxmlformats.org/officeDocument/2006/relationships" xmlns:p="http://schemas.openxmlformats.org/presentationml/2006/main">
   <p:cSld>
     <p:spTree>
@@ -15336,7 +19449,7 @@
 </p:sld>
 </file>
 
-<file path=ppt/slides/slide36.xml><?xml version="1.0" encoding="utf-8"?>
+<file path=ppt/slides/slide45.xml><?xml version="1.0" encoding="utf-8"?>
 <p:sld xmlns:a="http://schemas.openxmlformats.org/drawingml/2006/main" xmlns:r="http://schemas.openxmlformats.org/officeDocument/2006/relationships" xmlns:p="http://schemas.openxmlformats.org/presentationml/2006/main">
   <p:cSld>
     <p:spTree>
@@ -15844,7 +19957,7 @@
 </p:sld>
 </file>
 
-<file path=ppt/slides/slide37.xml><?xml version="1.0" encoding="utf-8"?>
+<file path=ppt/slides/slide46.xml><?xml version="1.0" encoding="utf-8"?>
 <p:sld xmlns:a="http://schemas.openxmlformats.org/drawingml/2006/main" xmlns:r="http://schemas.openxmlformats.org/officeDocument/2006/relationships" xmlns:p="http://schemas.openxmlformats.org/presentationml/2006/main">
   <p:cSld>
     <p:spTree>
@@ -16351,7 +20464,7 @@
 </p:sld>
 </file>
 
-<file path=ppt/slides/slide38.xml><?xml version="1.0" encoding="utf-8"?>
+<file path=ppt/slides/slide47.xml><?xml version="1.0" encoding="utf-8"?>
 <p:sld xmlns:a="http://schemas.openxmlformats.org/drawingml/2006/main" xmlns:r="http://schemas.openxmlformats.org/officeDocument/2006/relationships" xmlns:p="http://schemas.openxmlformats.org/presentationml/2006/main">
   <p:cSld>
     <p:spTree>
@@ -16747,7 +20860,7 @@
 </p:sld>
 </file>
 
-<file path=ppt/slides/slide39.xml><?xml version="1.0" encoding="utf-8"?>
+<file path=ppt/slides/slide48.xml><?xml version="1.0" encoding="utf-8"?>
 <p:sld xmlns:a="http://schemas.openxmlformats.org/drawingml/2006/main" xmlns:r="http://schemas.openxmlformats.org/officeDocument/2006/relationships" xmlns:p="http://schemas.openxmlformats.org/presentationml/2006/main">
   <p:cSld>
     <p:spTree>
@@ -17249,386 +21362,7 @@
 </p:sld>
 </file>
 
-<file path=ppt/slides/slide4.xml><?xml version="1.0" encoding="utf-8"?>
-<p:sld xmlns:a="http://schemas.openxmlformats.org/drawingml/2006/main" xmlns:r="http://schemas.openxmlformats.org/officeDocument/2006/relationships" xmlns:p="http://schemas.openxmlformats.org/presentationml/2006/main">
-  <p:cSld>
-    <p:spTree>
-      <p:nvGrpSpPr>
-        <p:cNvPr id="1" name=""/>
-        <p:cNvGrpSpPr/>
-        <p:nvPr/>
-      </p:nvGrpSpPr>
-      <p:grpSpPr/>
-      <p:pic>
-        <p:nvPicPr>
-          <p:cNvPr id="8" name="Picture 7"/>
-          <p:cNvPicPr>
-            <a:picLocks noChangeAspect="1"/>
-          </p:cNvPicPr>
-          <p:nvPr/>
-        </p:nvPicPr>
-        <p:blipFill>
-          <a:blip r:embed="rId1"/>
-          <a:stretch>
-            <a:fillRect/>
-          </a:stretch>
-        </p:blipFill>
-        <p:spPr>
-          <a:xfrm>
-            <a:off x="1905" y="360045"/>
-            <a:ext cx="12192000" cy="1264920"/>
-          </a:xfrm>
-          <a:prstGeom prst="rect">
-            <a:avLst/>
-          </a:prstGeom>
-        </p:spPr>
-      </p:pic>
-      <p:sp>
-        <p:nvSpPr>
-          <p:cNvPr id="10" name="Rectangle 9"/>
-          <p:cNvSpPr/>
-          <p:nvPr/>
-        </p:nvSpPr>
-        <p:spPr>
-          <a:xfrm>
-            <a:off x="10817860" y="448310"/>
-            <a:ext cx="1162050" cy="1029970"/>
-          </a:xfrm>
-          <a:prstGeom prst="rect">
-            <a:avLst/>
-          </a:prstGeom>
-          <a:solidFill>
-            <a:schemeClr val="bg1"/>
-          </a:solidFill>
-          <a:ln w="50800">
-            <a:solidFill>
-              <a:srgbClr val="76E5AE"/>
-            </a:solidFill>
-          </a:ln>
-        </p:spPr>
-        <p:style>
-          <a:lnRef idx="2">
-            <a:schemeClr val="accent1">
-              <a:shade val="50000"/>
-            </a:schemeClr>
-          </a:lnRef>
-          <a:fillRef idx="1">
-            <a:schemeClr val="accent1"/>
-          </a:fillRef>
-          <a:effectRef idx="0">
-            <a:schemeClr val="accent1"/>
-          </a:effectRef>
-          <a:fontRef idx="minor">
-            <a:schemeClr val="lt1"/>
-          </a:fontRef>
-        </p:style>
-        <p:txBody>
-          <a:bodyPr rtlCol="0" anchor="ctr"/>
-          <a:p>
-            <a:pPr algn="ctr"/>
-            <a:endParaRPr lang="en-US"/>
-          </a:p>
-        </p:txBody>
-      </p:sp>
-      <p:pic>
-        <p:nvPicPr>
-          <p:cNvPr id="7" name="Picture 6"/>
-          <p:cNvPicPr>
-            <a:picLocks noChangeAspect="1"/>
-          </p:cNvPicPr>
-          <p:nvPr/>
-        </p:nvPicPr>
-        <p:blipFill>
-          <a:blip r:embed="rId2"/>
-          <a:stretch>
-            <a:fillRect/>
-          </a:stretch>
-        </p:blipFill>
-        <p:spPr>
-          <a:xfrm>
-            <a:off x="10962005" y="571500"/>
-            <a:ext cx="873760" cy="776605"/>
-          </a:xfrm>
-          <a:prstGeom prst="rect">
-            <a:avLst/>
-          </a:prstGeom>
-        </p:spPr>
-      </p:pic>
-      <p:sp>
-        <p:nvSpPr>
-          <p:cNvPr id="11" name="Rectangle 10"/>
-          <p:cNvSpPr/>
-          <p:nvPr/>
-        </p:nvSpPr>
-        <p:spPr>
-          <a:xfrm>
-            <a:off x="237490" y="509905"/>
-            <a:ext cx="9477375" cy="899795"/>
-          </a:xfrm>
-          <a:prstGeom prst="rect">
-            <a:avLst/>
-          </a:prstGeom>
-          <a:solidFill>
-            <a:schemeClr val="bg1">
-              <a:alpha val="79000"/>
-            </a:schemeClr>
-          </a:solidFill>
-          <a:ln>
-            <a:noFill/>
-          </a:ln>
-        </p:spPr>
-        <p:style>
-          <a:lnRef idx="2">
-            <a:schemeClr val="accent1">
-              <a:shade val="50000"/>
-            </a:schemeClr>
-          </a:lnRef>
-          <a:fillRef idx="1">
-            <a:schemeClr val="accent1"/>
-          </a:fillRef>
-          <a:effectRef idx="0">
-            <a:schemeClr val="accent1"/>
-          </a:effectRef>
-          <a:fontRef idx="minor">
-            <a:schemeClr val="lt1"/>
-          </a:fontRef>
-        </p:style>
-        <p:txBody>
-          <a:bodyPr rtlCol="0" anchor="ctr"/>
-          <a:p>
-            <a:pPr algn="ctr"/>
-            <a:endParaRPr lang="en-US"/>
-          </a:p>
-        </p:txBody>
-      </p:sp>
-      <p:sp>
-        <p:nvSpPr>
-          <p:cNvPr id="2" name="Título 1"/>
-          <p:cNvSpPr>
-            <a:spLocks noGrp="1"/>
-          </p:cNvSpPr>
-          <p:nvPr>
-            <p:ph type="ctrTitle"/>
-          </p:nvPr>
-        </p:nvSpPr>
-        <p:spPr>
-          <a:xfrm>
-            <a:off x="405765" y="810260"/>
-            <a:ext cx="7550150" cy="771525"/>
-          </a:xfrm>
-        </p:spPr>
-        <p:txBody>
-          <a:bodyPr>
-            <a:noAutofit/>
-          </a:bodyPr>
-          <a:p>
-            <a:pPr algn="l"/>
-            <a:r>
-              <a:rPr lang="" altLang="en-US" sz="4400">
-                <a:solidFill>
-                  <a:schemeClr val="tx1"/>
-                </a:solidFill>
-                <a:effectLst>
-                  <a:outerShdw blurRad="38100" dist="38100" dir="2700000" algn="tl">
-                    <a:srgbClr val="000000">
-                      <a:alpha val="43137"/>
-                    </a:srgbClr>
-                  </a:outerShdw>
-                </a:effectLst>
-                <a:latin typeface="Laksaman" panose="020B0500040200020003" charset="0"/>
-                <a:cs typeface="Laksaman" panose="020B0500040200020003" charset="0"/>
-              </a:rPr>
-              <a:t>Snapshots</a:t>
-            </a:r>
-            <a:endParaRPr lang="" altLang="en-US" sz="4400">
-              <a:solidFill>
-                <a:schemeClr val="tx1"/>
-              </a:solidFill>
-              <a:effectLst>
-                <a:outerShdw blurRad="38100" dist="38100" dir="2700000" algn="tl">
-                  <a:srgbClr val="000000">
-                    <a:alpha val="43137"/>
-                  </a:srgbClr>
-                </a:outerShdw>
-              </a:effectLst>
-              <a:latin typeface="Laksaman" panose="020B0500040200020003" charset="0"/>
-              <a:cs typeface="Laksaman" panose="020B0500040200020003" charset="0"/>
-            </a:endParaRPr>
-          </a:p>
-        </p:txBody>
-      </p:sp>
-      <p:sp>
-        <p:nvSpPr>
-          <p:cNvPr id="16" name="Retângulo 3"/>
-          <p:cNvSpPr/>
-          <p:nvPr/>
-        </p:nvSpPr>
-        <p:spPr>
-          <a:xfrm flipH="1">
-            <a:off x="-8255" y="6473190"/>
-            <a:ext cx="12192000" cy="151130"/>
-          </a:xfrm>
-          <a:prstGeom prst="rect">
-            <a:avLst/>
-          </a:prstGeom>
-          <a:solidFill>
-            <a:srgbClr val="003324"/>
-          </a:solidFill>
-          <a:ln>
-            <a:noFill/>
-          </a:ln>
-        </p:spPr>
-        <p:style>
-          <a:lnRef idx="2">
-            <a:schemeClr val="accent1">
-              <a:shade val="50000"/>
-            </a:schemeClr>
-          </a:lnRef>
-          <a:fillRef idx="1">
-            <a:schemeClr val="accent1"/>
-          </a:fillRef>
-          <a:effectRef idx="0">
-            <a:schemeClr val="accent1"/>
-          </a:effectRef>
-          <a:fontRef idx="minor">
-            <a:schemeClr val="lt1"/>
-          </a:fontRef>
-        </p:style>
-        <p:txBody>
-          <a:bodyPr rtlCol="0" anchor="ctr"/>
-          <a:p>
-            <a:pPr algn="ctr"/>
-            <a:endParaRPr lang="pt-BR" altLang="en-US"/>
-          </a:p>
-        </p:txBody>
-      </p:sp>
-      <p:sp>
-        <p:nvSpPr>
-          <p:cNvPr id="17" name="Retângulo 3"/>
-          <p:cNvSpPr/>
-          <p:nvPr/>
-        </p:nvSpPr>
-        <p:spPr>
-          <a:xfrm flipH="1">
-            <a:off x="-1270" y="6703060"/>
-            <a:ext cx="12192000" cy="151130"/>
-          </a:xfrm>
-          <a:prstGeom prst="rect">
-            <a:avLst/>
-          </a:prstGeom>
-          <a:solidFill>
-            <a:srgbClr val="003324"/>
-          </a:solidFill>
-          <a:ln>
-            <a:noFill/>
-          </a:ln>
-        </p:spPr>
-        <p:style>
-          <a:lnRef idx="2">
-            <a:schemeClr val="accent1">
-              <a:shade val="50000"/>
-            </a:schemeClr>
-          </a:lnRef>
-          <a:fillRef idx="1">
-            <a:schemeClr val="accent1"/>
-          </a:fillRef>
-          <a:effectRef idx="0">
-            <a:schemeClr val="accent1"/>
-          </a:effectRef>
-          <a:fontRef idx="minor">
-            <a:schemeClr val="lt1"/>
-          </a:fontRef>
-        </p:style>
-        <p:txBody>
-          <a:bodyPr rtlCol="0" anchor="ctr"/>
-          <a:p>
-            <a:pPr algn="ctr"/>
-            <a:endParaRPr lang="pt-BR" altLang="en-US"/>
-          </a:p>
-        </p:txBody>
-      </p:sp>
-      <p:sp>
-        <p:nvSpPr>
-          <p:cNvPr id="3" name="Rectangle 2"/>
-          <p:cNvSpPr/>
-          <p:nvPr/>
-        </p:nvSpPr>
-        <p:spPr>
-          <a:xfrm>
-            <a:off x="578485" y="1842135"/>
-            <a:ext cx="11257280" cy="4414520"/>
-          </a:xfrm>
-          <a:prstGeom prst="rect">
-            <a:avLst/>
-          </a:prstGeom>
-          <a:solidFill>
-            <a:schemeClr val="bg1">
-              <a:alpha val="52000"/>
-            </a:schemeClr>
-          </a:solidFill>
-          <a:ln>
-            <a:noFill/>
-          </a:ln>
-        </p:spPr>
-        <p:style>
-          <a:lnRef idx="2">
-            <a:schemeClr val="accent1">
-              <a:shade val="50000"/>
-            </a:schemeClr>
-          </a:lnRef>
-          <a:fillRef idx="1">
-            <a:schemeClr val="accent1"/>
-          </a:fillRef>
-          <a:effectRef idx="0">
-            <a:schemeClr val="accent1"/>
-          </a:effectRef>
-          <a:fontRef idx="minor">
-            <a:schemeClr val="lt1"/>
-          </a:fontRef>
-        </p:style>
-        <p:txBody>
-          <a:bodyPr rtlCol="0" anchor="ctr"/>
-          <a:p>
-            <a:pPr algn="ctr"/>
-            <a:endParaRPr lang="en-US"/>
-          </a:p>
-        </p:txBody>
-      </p:sp>
-      <p:pic>
-        <p:nvPicPr>
-          <p:cNvPr id="19460" name="Picture 4" descr="Git stores data as snapshots of the project over time."/>
-          <p:cNvPicPr>
-            <a:picLocks noChangeAspect="1" noChangeArrowheads="1"/>
-          </p:cNvPicPr>
-          <p:nvPr/>
-        </p:nvPicPr>
-        <p:blipFill>
-          <a:blip r:embed="rId3" cstate="print"/>
-          <a:srcRect/>
-          <a:stretch>
-            <a:fillRect/>
-          </a:stretch>
-        </p:blipFill>
-        <p:spPr bwMode="auto">
-          <a:xfrm>
-            <a:off x="1006475" y="2060575"/>
-            <a:ext cx="10421620" cy="3978275"/>
-          </a:xfrm>
-          <a:prstGeom prst="rect">
-            <a:avLst/>
-          </a:prstGeom>
-          <a:noFill/>
-        </p:spPr>
-      </p:pic>
-    </p:spTree>
-  </p:cSld>
-  <p:clrMapOvr>
-    <a:masterClrMapping/>
-  </p:clrMapOvr>
-</p:sld>
-</file>
-
-<file path=ppt/slides/slide40.xml><?xml version="1.0" encoding="utf-8"?>
+<file path=ppt/slides/slide49.xml><?xml version="1.0" encoding="utf-8"?>
 <p:sld xmlns:a="http://schemas.openxmlformats.org/drawingml/2006/main" xmlns:r="http://schemas.openxmlformats.org/officeDocument/2006/relationships" xmlns:p="http://schemas.openxmlformats.org/presentationml/2006/main">
   <p:cSld>
     <p:spTree>
@@ -18024,7 +21758,386 @@
 </p:sld>
 </file>
 
-<file path=ppt/slides/slide41.xml><?xml version="1.0" encoding="utf-8"?>
+<file path=ppt/slides/slide5.xml><?xml version="1.0" encoding="utf-8"?>
+<p:sld xmlns:a="http://schemas.openxmlformats.org/drawingml/2006/main" xmlns:r="http://schemas.openxmlformats.org/officeDocument/2006/relationships" xmlns:p="http://schemas.openxmlformats.org/presentationml/2006/main">
+  <p:cSld>
+    <p:spTree>
+      <p:nvGrpSpPr>
+        <p:cNvPr id="1" name=""/>
+        <p:cNvGrpSpPr/>
+        <p:nvPr/>
+      </p:nvGrpSpPr>
+      <p:grpSpPr/>
+      <p:pic>
+        <p:nvPicPr>
+          <p:cNvPr id="8" name="Picture 7"/>
+          <p:cNvPicPr>
+            <a:picLocks noChangeAspect="1"/>
+          </p:cNvPicPr>
+          <p:nvPr/>
+        </p:nvPicPr>
+        <p:blipFill>
+          <a:blip r:embed="rId1"/>
+          <a:stretch>
+            <a:fillRect/>
+          </a:stretch>
+        </p:blipFill>
+        <p:spPr>
+          <a:xfrm>
+            <a:off x="1905" y="360045"/>
+            <a:ext cx="12192000" cy="1264920"/>
+          </a:xfrm>
+          <a:prstGeom prst="rect">
+            <a:avLst/>
+          </a:prstGeom>
+        </p:spPr>
+      </p:pic>
+      <p:sp>
+        <p:nvSpPr>
+          <p:cNvPr id="10" name="Rectangle 9"/>
+          <p:cNvSpPr/>
+          <p:nvPr/>
+        </p:nvSpPr>
+        <p:spPr>
+          <a:xfrm>
+            <a:off x="10817860" y="448310"/>
+            <a:ext cx="1162050" cy="1029970"/>
+          </a:xfrm>
+          <a:prstGeom prst="rect">
+            <a:avLst/>
+          </a:prstGeom>
+          <a:solidFill>
+            <a:schemeClr val="bg1"/>
+          </a:solidFill>
+          <a:ln w="50800">
+            <a:solidFill>
+              <a:srgbClr val="76E5AE"/>
+            </a:solidFill>
+          </a:ln>
+        </p:spPr>
+        <p:style>
+          <a:lnRef idx="2">
+            <a:schemeClr val="accent1">
+              <a:shade val="50000"/>
+            </a:schemeClr>
+          </a:lnRef>
+          <a:fillRef idx="1">
+            <a:schemeClr val="accent1"/>
+          </a:fillRef>
+          <a:effectRef idx="0">
+            <a:schemeClr val="accent1"/>
+          </a:effectRef>
+          <a:fontRef idx="minor">
+            <a:schemeClr val="lt1"/>
+          </a:fontRef>
+        </p:style>
+        <p:txBody>
+          <a:bodyPr rtlCol="0" anchor="ctr"/>
+          <a:p>
+            <a:pPr algn="ctr"/>
+            <a:endParaRPr lang="en-US"/>
+          </a:p>
+        </p:txBody>
+      </p:sp>
+      <p:pic>
+        <p:nvPicPr>
+          <p:cNvPr id="7" name="Picture 6"/>
+          <p:cNvPicPr>
+            <a:picLocks noChangeAspect="1"/>
+          </p:cNvPicPr>
+          <p:nvPr/>
+        </p:nvPicPr>
+        <p:blipFill>
+          <a:blip r:embed="rId2"/>
+          <a:stretch>
+            <a:fillRect/>
+          </a:stretch>
+        </p:blipFill>
+        <p:spPr>
+          <a:xfrm>
+            <a:off x="10962005" y="571500"/>
+            <a:ext cx="873760" cy="776605"/>
+          </a:xfrm>
+          <a:prstGeom prst="rect">
+            <a:avLst/>
+          </a:prstGeom>
+        </p:spPr>
+      </p:pic>
+      <p:sp>
+        <p:nvSpPr>
+          <p:cNvPr id="11" name="Rectangle 10"/>
+          <p:cNvSpPr/>
+          <p:nvPr/>
+        </p:nvSpPr>
+        <p:spPr>
+          <a:xfrm>
+            <a:off x="237490" y="509905"/>
+            <a:ext cx="9477375" cy="899795"/>
+          </a:xfrm>
+          <a:prstGeom prst="rect">
+            <a:avLst/>
+          </a:prstGeom>
+          <a:solidFill>
+            <a:schemeClr val="bg1">
+              <a:alpha val="79000"/>
+            </a:schemeClr>
+          </a:solidFill>
+          <a:ln>
+            <a:noFill/>
+          </a:ln>
+        </p:spPr>
+        <p:style>
+          <a:lnRef idx="2">
+            <a:schemeClr val="accent1">
+              <a:shade val="50000"/>
+            </a:schemeClr>
+          </a:lnRef>
+          <a:fillRef idx="1">
+            <a:schemeClr val="accent1"/>
+          </a:fillRef>
+          <a:effectRef idx="0">
+            <a:schemeClr val="accent1"/>
+          </a:effectRef>
+          <a:fontRef idx="minor">
+            <a:schemeClr val="lt1"/>
+          </a:fontRef>
+        </p:style>
+        <p:txBody>
+          <a:bodyPr rtlCol="0" anchor="ctr"/>
+          <a:p>
+            <a:pPr algn="ctr"/>
+            <a:endParaRPr lang="en-US"/>
+          </a:p>
+        </p:txBody>
+      </p:sp>
+      <p:sp>
+        <p:nvSpPr>
+          <p:cNvPr id="2" name="Título 1"/>
+          <p:cNvSpPr>
+            <a:spLocks noGrp="1"/>
+          </p:cNvSpPr>
+          <p:nvPr>
+            <p:ph type="ctrTitle"/>
+          </p:nvPr>
+        </p:nvSpPr>
+        <p:spPr>
+          <a:xfrm>
+            <a:off x="405765" y="839470"/>
+            <a:ext cx="7550150" cy="771525"/>
+          </a:xfrm>
+        </p:spPr>
+        <p:txBody>
+          <a:bodyPr>
+            <a:noAutofit/>
+          </a:bodyPr>
+          <a:p>
+            <a:pPr algn="l"/>
+            <a:r>
+              <a:rPr lang="" altLang="en-US" sz="4400">
+                <a:solidFill>
+                  <a:schemeClr val="tx1"/>
+                </a:solidFill>
+                <a:effectLst>
+                  <a:outerShdw blurRad="38100" dist="38100" dir="2700000" algn="tl">
+                    <a:srgbClr val="000000">
+                      <a:alpha val="43137"/>
+                    </a:srgbClr>
+                  </a:outerShdw>
+                </a:effectLst>
+                <a:latin typeface="Laksaman" panose="020B0500040200020003" charset="0"/>
+                <a:cs typeface="Laksaman" panose="020B0500040200020003" charset="0"/>
+              </a:rPr>
+              <a:t>Os Três Estados</a:t>
+            </a:r>
+            <a:endParaRPr lang="" altLang="en-US" sz="4400">
+              <a:solidFill>
+                <a:schemeClr val="tx1"/>
+              </a:solidFill>
+              <a:effectLst>
+                <a:outerShdw blurRad="38100" dist="38100" dir="2700000" algn="tl">
+                  <a:srgbClr val="000000">
+                    <a:alpha val="43137"/>
+                  </a:srgbClr>
+                </a:outerShdw>
+              </a:effectLst>
+              <a:latin typeface="Laksaman" panose="020B0500040200020003" charset="0"/>
+              <a:cs typeface="Laksaman" panose="020B0500040200020003" charset="0"/>
+            </a:endParaRPr>
+          </a:p>
+        </p:txBody>
+      </p:sp>
+      <p:sp>
+        <p:nvSpPr>
+          <p:cNvPr id="16" name="Retângulo 3"/>
+          <p:cNvSpPr/>
+          <p:nvPr/>
+        </p:nvSpPr>
+        <p:spPr>
+          <a:xfrm flipH="1">
+            <a:off x="-8255" y="6473190"/>
+            <a:ext cx="12192000" cy="151130"/>
+          </a:xfrm>
+          <a:prstGeom prst="rect">
+            <a:avLst/>
+          </a:prstGeom>
+          <a:solidFill>
+            <a:srgbClr val="003324"/>
+          </a:solidFill>
+          <a:ln>
+            <a:noFill/>
+          </a:ln>
+        </p:spPr>
+        <p:style>
+          <a:lnRef idx="2">
+            <a:schemeClr val="accent1">
+              <a:shade val="50000"/>
+            </a:schemeClr>
+          </a:lnRef>
+          <a:fillRef idx="1">
+            <a:schemeClr val="accent1"/>
+          </a:fillRef>
+          <a:effectRef idx="0">
+            <a:schemeClr val="accent1"/>
+          </a:effectRef>
+          <a:fontRef idx="minor">
+            <a:schemeClr val="lt1"/>
+          </a:fontRef>
+        </p:style>
+        <p:txBody>
+          <a:bodyPr rtlCol="0" anchor="ctr"/>
+          <a:p>
+            <a:pPr algn="ctr"/>
+            <a:endParaRPr lang="pt-BR" altLang="en-US"/>
+          </a:p>
+        </p:txBody>
+      </p:sp>
+      <p:sp>
+        <p:nvSpPr>
+          <p:cNvPr id="17" name="Retângulo 3"/>
+          <p:cNvSpPr/>
+          <p:nvPr/>
+        </p:nvSpPr>
+        <p:spPr>
+          <a:xfrm flipH="1">
+            <a:off x="-1270" y="6703060"/>
+            <a:ext cx="12192000" cy="151130"/>
+          </a:xfrm>
+          <a:prstGeom prst="rect">
+            <a:avLst/>
+          </a:prstGeom>
+          <a:solidFill>
+            <a:srgbClr val="003324"/>
+          </a:solidFill>
+          <a:ln>
+            <a:noFill/>
+          </a:ln>
+        </p:spPr>
+        <p:style>
+          <a:lnRef idx="2">
+            <a:schemeClr val="accent1">
+              <a:shade val="50000"/>
+            </a:schemeClr>
+          </a:lnRef>
+          <a:fillRef idx="1">
+            <a:schemeClr val="accent1"/>
+          </a:fillRef>
+          <a:effectRef idx="0">
+            <a:schemeClr val="accent1"/>
+          </a:effectRef>
+          <a:fontRef idx="minor">
+            <a:schemeClr val="lt1"/>
+          </a:fontRef>
+        </p:style>
+        <p:txBody>
+          <a:bodyPr rtlCol="0" anchor="ctr"/>
+          <a:p>
+            <a:pPr algn="ctr"/>
+            <a:endParaRPr lang="pt-BR" altLang="en-US"/>
+          </a:p>
+        </p:txBody>
+      </p:sp>
+      <p:sp>
+        <p:nvSpPr>
+          <p:cNvPr id="18" name="Rectangle 17"/>
+          <p:cNvSpPr/>
+          <p:nvPr/>
+        </p:nvSpPr>
+        <p:spPr>
+          <a:xfrm>
+            <a:off x="1595755" y="1842135"/>
+            <a:ext cx="9222105" cy="4414520"/>
+          </a:xfrm>
+          <a:prstGeom prst="rect">
+            <a:avLst/>
+          </a:prstGeom>
+          <a:solidFill>
+            <a:schemeClr val="bg1">
+              <a:alpha val="66000"/>
+            </a:schemeClr>
+          </a:solidFill>
+          <a:ln>
+            <a:noFill/>
+          </a:ln>
+        </p:spPr>
+        <p:style>
+          <a:lnRef idx="2">
+            <a:schemeClr val="accent1">
+              <a:shade val="50000"/>
+            </a:schemeClr>
+          </a:lnRef>
+          <a:fillRef idx="1">
+            <a:schemeClr val="accent1"/>
+          </a:fillRef>
+          <a:effectRef idx="0">
+            <a:schemeClr val="accent1"/>
+          </a:effectRef>
+          <a:fontRef idx="minor">
+            <a:schemeClr val="lt1"/>
+          </a:fontRef>
+        </p:style>
+        <p:txBody>
+          <a:bodyPr rtlCol="0" anchor="ctr"/>
+          <a:p>
+            <a:pPr algn="ctr"/>
+            <a:endParaRPr lang="en-US"/>
+          </a:p>
+        </p:txBody>
+      </p:sp>
+      <p:pic>
+        <p:nvPicPr>
+          <p:cNvPr id="19458" name="Picture 2" descr="Working directory, staging area, and Git directory."/>
+          <p:cNvPicPr>
+            <a:picLocks noChangeAspect="1" noChangeArrowheads="1"/>
+          </p:cNvPicPr>
+          <p:nvPr/>
+        </p:nvPicPr>
+        <p:blipFill>
+          <a:blip r:embed="rId3" cstate="print"/>
+          <a:srcRect/>
+          <a:stretch>
+            <a:fillRect/>
+          </a:stretch>
+        </p:blipFill>
+        <p:spPr bwMode="auto">
+          <a:xfrm>
+            <a:off x="2525395" y="2022475"/>
+            <a:ext cx="7847965" cy="4325620"/>
+          </a:xfrm>
+          <a:prstGeom prst="rect">
+            <a:avLst/>
+          </a:prstGeom>
+          <a:noFill/>
+        </p:spPr>
+      </p:pic>
+    </p:spTree>
+  </p:cSld>
+  <p:clrMapOvr>
+    <a:masterClrMapping/>
+  </p:clrMapOvr>
+</p:sld>
+</file>
+
+<file path=ppt/slides/slide50.xml><?xml version="1.0" encoding="utf-8"?>
 <p:sld xmlns:a="http://schemas.openxmlformats.org/drawingml/2006/main" xmlns:r="http://schemas.openxmlformats.org/officeDocument/2006/relationships" xmlns:p="http://schemas.openxmlformats.org/presentationml/2006/main">
   <p:cSld>
     <p:spTree>
@@ -18236,53 +22349,12 @@
         </p:blipFill>
         <p:spPr>
           <a:xfrm>
-            <a:off x="631044" y="3360053"/>
-            <a:ext cx="1751569" cy="2336743"/>
-          </a:xfrm>
-          <a:prstGeom prst="rect">
-            <a:avLst/>
-          </a:prstGeom>
-        </p:spPr>
-      </p:pic>
-      <p:pic>
-        <p:nvPicPr>
-          <p:cNvPr id="25602" name="Picture 2" descr="https://scontent.ffor8-2.fna.fbcdn.net/v/t34.0-12/23782251_1712455218765017_243070580_n.png?oh=be25f91a6034a2d462be728614debf73&amp;oe=5A20F321"/>
-          <p:cNvPicPr>
-            <a:picLocks noChangeAspect="1" noChangeArrowheads="1"/>
-          </p:cNvPicPr>
-          <p:nvPr/>
-        </p:nvPicPr>
-        <p:blipFill rotWithShape="1">
-          <a:blip r:embed="rId2">
-            <a:extLst>
-              <a:ext uri="{28A0092B-C50C-407E-A947-70E740481C1C}">
-                <a14:useLocalDpi xmlns:a14="http://schemas.microsoft.com/office/drawing/2010/main" val="0"/>
-              </a:ext>
-            </a:extLst>
-          </a:blip>
-          <a:srcRect b="17808"/>
-          <a:stretch>
-            <a:fillRect/>
-          </a:stretch>
-        </p:blipFill>
-        <p:spPr bwMode="auto">
-          <a:xfrm>
-            <a:off x="8745515" y="3595031"/>
-            <a:ext cx="3049610" cy="2020508"/>
-          </a:xfrm>
-          <a:prstGeom prst="rect">
-            <a:avLst/>
-          </a:prstGeom>
-          <a:noFill/>
-          <a:extLst>
-            <a:ext uri="{909E8E84-426E-40DD-AFC4-6F175D3DCCD1}">
-              <a14:hiddenFill xmlns:a14="http://schemas.microsoft.com/office/drawing/2010/main">
-                <a:solidFill>
-                  <a:srgbClr val="FFFFFF"/>
-                </a:solidFill>
-              </a14:hiddenFill>
-            </a:ext>
-          </a:extLst>
+            <a:off x="8886190" y="1781810"/>
+            <a:ext cx="2489835" cy="3322320"/>
+          </a:xfrm>
+          <a:prstGeom prst="rect">
+            <a:avLst/>
+          </a:prstGeom>
         </p:spPr>
       </p:pic>
       <p:pic>
@@ -18294,6 +22366,77 @@
           <p:nvPr/>
         </p:nvPicPr>
         <p:blipFill>
+          <a:blip r:embed="rId2"/>
+          <a:stretch>
+            <a:fillRect/>
+          </a:stretch>
+        </p:blipFill>
+        <p:spPr>
+          <a:xfrm>
+            <a:off x="4219575" y="1315085"/>
+            <a:ext cx="3477260" cy="3918585"/>
+          </a:xfrm>
+          <a:prstGeom prst="rect">
+            <a:avLst/>
+          </a:prstGeom>
+        </p:spPr>
+      </p:pic>
+      <p:sp>
+        <p:nvSpPr>
+          <p:cNvPr id="18" name="Rectangle 17"/>
+          <p:cNvSpPr/>
+          <p:nvPr/>
+        </p:nvSpPr>
+        <p:spPr>
+          <a:xfrm>
+            <a:off x="772160" y="1440180"/>
+            <a:ext cx="2675255" cy="3793490"/>
+          </a:xfrm>
+          <a:prstGeom prst="rect">
+            <a:avLst/>
+          </a:prstGeom>
+          <a:solidFill>
+            <a:schemeClr val="bg1">
+              <a:alpha val="66000"/>
+            </a:schemeClr>
+          </a:solidFill>
+          <a:ln>
+            <a:noFill/>
+          </a:ln>
+        </p:spPr>
+        <p:style>
+          <a:lnRef idx="2">
+            <a:schemeClr val="accent1">
+              <a:shade val="50000"/>
+            </a:schemeClr>
+          </a:lnRef>
+          <a:fillRef idx="1">
+            <a:schemeClr val="accent1"/>
+          </a:fillRef>
+          <a:effectRef idx="0">
+            <a:schemeClr val="accent1"/>
+          </a:effectRef>
+          <a:fontRef idx="minor">
+            <a:schemeClr val="lt1"/>
+          </a:fontRef>
+        </p:style>
+        <p:txBody>
+          <a:bodyPr rtlCol="0" anchor="ctr"/>
+          <a:p>
+            <a:pPr algn="ctr"/>
+            <a:endParaRPr lang="en-US"/>
+          </a:p>
+        </p:txBody>
+      </p:sp>
+      <p:pic>
+        <p:nvPicPr>
+          <p:cNvPr id="2" name="Picture 1"/>
+          <p:cNvPicPr>
+            <a:picLocks noChangeAspect="1"/>
+          </p:cNvPicPr>
+          <p:nvPr/>
+        </p:nvPicPr>
+        <p:blipFill>
           <a:blip r:embed="rId3"/>
           <a:stretch>
             <a:fillRect/>
@@ -18301,8 +22444,8 @@
         </p:blipFill>
         <p:spPr>
           <a:xfrm>
-            <a:off x="3926205" y="1250950"/>
-            <a:ext cx="3477260" cy="3918585"/>
+            <a:off x="922020" y="1781810"/>
+            <a:ext cx="2270125" cy="3321685"/>
           </a:xfrm>
           <a:prstGeom prst="rect">
             <a:avLst/>
@@ -18317,7 +22460,7 @@
 </p:sld>
 </file>
 
-<file path=ppt/slides/slide42.xml><?xml version="1.0" encoding="utf-8"?>
+<file path=ppt/slides/slide51.xml><?xml version="1.0" encoding="utf-8"?>
 <p:sld xmlns:a="http://schemas.openxmlformats.org/drawingml/2006/main" xmlns:r="http://schemas.openxmlformats.org/officeDocument/2006/relationships" xmlns:p="http://schemas.openxmlformats.org/presentationml/2006/main">
   <p:cSld>
     <p:bg>
@@ -19089,385 +23232,6 @@
           </a:p>
         </p:txBody>
       </p:sp>
-    </p:spTree>
-  </p:cSld>
-  <p:clrMapOvr>
-    <a:masterClrMapping/>
-  </p:clrMapOvr>
-</p:sld>
-</file>
-
-<file path=ppt/slides/slide5.xml><?xml version="1.0" encoding="utf-8"?>
-<p:sld xmlns:a="http://schemas.openxmlformats.org/drawingml/2006/main" xmlns:r="http://schemas.openxmlformats.org/officeDocument/2006/relationships" xmlns:p="http://schemas.openxmlformats.org/presentationml/2006/main">
-  <p:cSld>
-    <p:spTree>
-      <p:nvGrpSpPr>
-        <p:cNvPr id="1" name=""/>
-        <p:cNvGrpSpPr/>
-        <p:nvPr/>
-      </p:nvGrpSpPr>
-      <p:grpSpPr/>
-      <p:pic>
-        <p:nvPicPr>
-          <p:cNvPr id="8" name="Picture 7"/>
-          <p:cNvPicPr>
-            <a:picLocks noChangeAspect="1"/>
-          </p:cNvPicPr>
-          <p:nvPr/>
-        </p:nvPicPr>
-        <p:blipFill>
-          <a:blip r:embed="rId1"/>
-          <a:stretch>
-            <a:fillRect/>
-          </a:stretch>
-        </p:blipFill>
-        <p:spPr>
-          <a:xfrm>
-            <a:off x="1905" y="360045"/>
-            <a:ext cx="12192000" cy="1264920"/>
-          </a:xfrm>
-          <a:prstGeom prst="rect">
-            <a:avLst/>
-          </a:prstGeom>
-        </p:spPr>
-      </p:pic>
-      <p:sp>
-        <p:nvSpPr>
-          <p:cNvPr id="10" name="Rectangle 9"/>
-          <p:cNvSpPr/>
-          <p:nvPr/>
-        </p:nvSpPr>
-        <p:spPr>
-          <a:xfrm>
-            <a:off x="10817860" y="448310"/>
-            <a:ext cx="1162050" cy="1029970"/>
-          </a:xfrm>
-          <a:prstGeom prst="rect">
-            <a:avLst/>
-          </a:prstGeom>
-          <a:solidFill>
-            <a:schemeClr val="bg1"/>
-          </a:solidFill>
-          <a:ln w="50800">
-            <a:solidFill>
-              <a:srgbClr val="76E5AE"/>
-            </a:solidFill>
-          </a:ln>
-        </p:spPr>
-        <p:style>
-          <a:lnRef idx="2">
-            <a:schemeClr val="accent1">
-              <a:shade val="50000"/>
-            </a:schemeClr>
-          </a:lnRef>
-          <a:fillRef idx="1">
-            <a:schemeClr val="accent1"/>
-          </a:fillRef>
-          <a:effectRef idx="0">
-            <a:schemeClr val="accent1"/>
-          </a:effectRef>
-          <a:fontRef idx="minor">
-            <a:schemeClr val="lt1"/>
-          </a:fontRef>
-        </p:style>
-        <p:txBody>
-          <a:bodyPr rtlCol="0" anchor="ctr"/>
-          <a:p>
-            <a:pPr algn="ctr"/>
-            <a:endParaRPr lang="en-US"/>
-          </a:p>
-        </p:txBody>
-      </p:sp>
-      <p:pic>
-        <p:nvPicPr>
-          <p:cNvPr id="7" name="Picture 6"/>
-          <p:cNvPicPr>
-            <a:picLocks noChangeAspect="1"/>
-          </p:cNvPicPr>
-          <p:nvPr/>
-        </p:nvPicPr>
-        <p:blipFill>
-          <a:blip r:embed="rId2"/>
-          <a:stretch>
-            <a:fillRect/>
-          </a:stretch>
-        </p:blipFill>
-        <p:spPr>
-          <a:xfrm>
-            <a:off x="10962005" y="571500"/>
-            <a:ext cx="873760" cy="776605"/>
-          </a:xfrm>
-          <a:prstGeom prst="rect">
-            <a:avLst/>
-          </a:prstGeom>
-        </p:spPr>
-      </p:pic>
-      <p:sp>
-        <p:nvSpPr>
-          <p:cNvPr id="11" name="Rectangle 10"/>
-          <p:cNvSpPr/>
-          <p:nvPr/>
-        </p:nvSpPr>
-        <p:spPr>
-          <a:xfrm>
-            <a:off x="237490" y="509905"/>
-            <a:ext cx="9477375" cy="899795"/>
-          </a:xfrm>
-          <a:prstGeom prst="rect">
-            <a:avLst/>
-          </a:prstGeom>
-          <a:solidFill>
-            <a:schemeClr val="bg1">
-              <a:alpha val="79000"/>
-            </a:schemeClr>
-          </a:solidFill>
-          <a:ln>
-            <a:noFill/>
-          </a:ln>
-        </p:spPr>
-        <p:style>
-          <a:lnRef idx="2">
-            <a:schemeClr val="accent1">
-              <a:shade val="50000"/>
-            </a:schemeClr>
-          </a:lnRef>
-          <a:fillRef idx="1">
-            <a:schemeClr val="accent1"/>
-          </a:fillRef>
-          <a:effectRef idx="0">
-            <a:schemeClr val="accent1"/>
-          </a:effectRef>
-          <a:fontRef idx="minor">
-            <a:schemeClr val="lt1"/>
-          </a:fontRef>
-        </p:style>
-        <p:txBody>
-          <a:bodyPr rtlCol="0" anchor="ctr"/>
-          <a:p>
-            <a:pPr algn="ctr"/>
-            <a:endParaRPr lang="en-US"/>
-          </a:p>
-        </p:txBody>
-      </p:sp>
-      <p:sp>
-        <p:nvSpPr>
-          <p:cNvPr id="2" name="Título 1"/>
-          <p:cNvSpPr>
-            <a:spLocks noGrp="1"/>
-          </p:cNvSpPr>
-          <p:nvPr>
-            <p:ph type="ctrTitle"/>
-          </p:nvPr>
-        </p:nvSpPr>
-        <p:spPr>
-          <a:xfrm>
-            <a:off x="405765" y="839470"/>
-            <a:ext cx="7550150" cy="771525"/>
-          </a:xfrm>
-        </p:spPr>
-        <p:txBody>
-          <a:bodyPr>
-            <a:noAutofit/>
-          </a:bodyPr>
-          <a:p>
-            <a:pPr algn="l"/>
-            <a:r>
-              <a:rPr lang="" altLang="en-US" sz="4400">
-                <a:solidFill>
-                  <a:schemeClr val="tx1"/>
-                </a:solidFill>
-                <a:effectLst>
-                  <a:outerShdw blurRad="38100" dist="38100" dir="2700000" algn="tl">
-                    <a:srgbClr val="000000">
-                      <a:alpha val="43137"/>
-                    </a:srgbClr>
-                  </a:outerShdw>
-                </a:effectLst>
-                <a:latin typeface="Laksaman" panose="020B0500040200020003" charset="0"/>
-                <a:cs typeface="Laksaman" panose="020B0500040200020003" charset="0"/>
-              </a:rPr>
-              <a:t>Os Três Estados</a:t>
-            </a:r>
-            <a:endParaRPr lang="" altLang="en-US" sz="4400">
-              <a:solidFill>
-                <a:schemeClr val="tx1"/>
-              </a:solidFill>
-              <a:effectLst>
-                <a:outerShdw blurRad="38100" dist="38100" dir="2700000" algn="tl">
-                  <a:srgbClr val="000000">
-                    <a:alpha val="43137"/>
-                  </a:srgbClr>
-                </a:outerShdw>
-              </a:effectLst>
-              <a:latin typeface="Laksaman" panose="020B0500040200020003" charset="0"/>
-              <a:cs typeface="Laksaman" panose="020B0500040200020003" charset="0"/>
-            </a:endParaRPr>
-          </a:p>
-        </p:txBody>
-      </p:sp>
-      <p:sp>
-        <p:nvSpPr>
-          <p:cNvPr id="16" name="Retângulo 3"/>
-          <p:cNvSpPr/>
-          <p:nvPr/>
-        </p:nvSpPr>
-        <p:spPr>
-          <a:xfrm flipH="1">
-            <a:off x="-8255" y="6473190"/>
-            <a:ext cx="12192000" cy="151130"/>
-          </a:xfrm>
-          <a:prstGeom prst="rect">
-            <a:avLst/>
-          </a:prstGeom>
-          <a:solidFill>
-            <a:srgbClr val="003324"/>
-          </a:solidFill>
-          <a:ln>
-            <a:noFill/>
-          </a:ln>
-        </p:spPr>
-        <p:style>
-          <a:lnRef idx="2">
-            <a:schemeClr val="accent1">
-              <a:shade val="50000"/>
-            </a:schemeClr>
-          </a:lnRef>
-          <a:fillRef idx="1">
-            <a:schemeClr val="accent1"/>
-          </a:fillRef>
-          <a:effectRef idx="0">
-            <a:schemeClr val="accent1"/>
-          </a:effectRef>
-          <a:fontRef idx="minor">
-            <a:schemeClr val="lt1"/>
-          </a:fontRef>
-        </p:style>
-        <p:txBody>
-          <a:bodyPr rtlCol="0" anchor="ctr"/>
-          <a:p>
-            <a:pPr algn="ctr"/>
-            <a:endParaRPr lang="pt-BR" altLang="en-US"/>
-          </a:p>
-        </p:txBody>
-      </p:sp>
-      <p:sp>
-        <p:nvSpPr>
-          <p:cNvPr id="17" name="Retângulo 3"/>
-          <p:cNvSpPr/>
-          <p:nvPr/>
-        </p:nvSpPr>
-        <p:spPr>
-          <a:xfrm flipH="1">
-            <a:off x="-1270" y="6703060"/>
-            <a:ext cx="12192000" cy="151130"/>
-          </a:xfrm>
-          <a:prstGeom prst="rect">
-            <a:avLst/>
-          </a:prstGeom>
-          <a:solidFill>
-            <a:srgbClr val="003324"/>
-          </a:solidFill>
-          <a:ln>
-            <a:noFill/>
-          </a:ln>
-        </p:spPr>
-        <p:style>
-          <a:lnRef idx="2">
-            <a:schemeClr val="accent1">
-              <a:shade val="50000"/>
-            </a:schemeClr>
-          </a:lnRef>
-          <a:fillRef idx="1">
-            <a:schemeClr val="accent1"/>
-          </a:fillRef>
-          <a:effectRef idx="0">
-            <a:schemeClr val="accent1"/>
-          </a:effectRef>
-          <a:fontRef idx="minor">
-            <a:schemeClr val="lt1"/>
-          </a:fontRef>
-        </p:style>
-        <p:txBody>
-          <a:bodyPr rtlCol="0" anchor="ctr"/>
-          <a:p>
-            <a:pPr algn="ctr"/>
-            <a:endParaRPr lang="pt-BR" altLang="en-US"/>
-          </a:p>
-        </p:txBody>
-      </p:sp>
-      <p:sp>
-        <p:nvSpPr>
-          <p:cNvPr id="18" name="Rectangle 17"/>
-          <p:cNvSpPr/>
-          <p:nvPr/>
-        </p:nvSpPr>
-        <p:spPr>
-          <a:xfrm>
-            <a:off x="1595755" y="1842135"/>
-            <a:ext cx="9222105" cy="4414520"/>
-          </a:xfrm>
-          <a:prstGeom prst="rect">
-            <a:avLst/>
-          </a:prstGeom>
-          <a:solidFill>
-            <a:schemeClr val="bg1">
-              <a:alpha val="66000"/>
-            </a:schemeClr>
-          </a:solidFill>
-          <a:ln>
-            <a:noFill/>
-          </a:ln>
-        </p:spPr>
-        <p:style>
-          <a:lnRef idx="2">
-            <a:schemeClr val="accent1">
-              <a:shade val="50000"/>
-            </a:schemeClr>
-          </a:lnRef>
-          <a:fillRef idx="1">
-            <a:schemeClr val="accent1"/>
-          </a:fillRef>
-          <a:effectRef idx="0">
-            <a:schemeClr val="accent1"/>
-          </a:effectRef>
-          <a:fontRef idx="minor">
-            <a:schemeClr val="lt1"/>
-          </a:fontRef>
-        </p:style>
-        <p:txBody>
-          <a:bodyPr rtlCol="0" anchor="ctr"/>
-          <a:p>
-            <a:pPr algn="ctr"/>
-            <a:endParaRPr lang="en-US"/>
-          </a:p>
-        </p:txBody>
-      </p:sp>
-      <p:pic>
-        <p:nvPicPr>
-          <p:cNvPr id="19458" name="Picture 2" descr="Working directory, staging area, and Git directory."/>
-          <p:cNvPicPr>
-            <a:picLocks noChangeAspect="1" noChangeArrowheads="1"/>
-          </p:cNvPicPr>
-          <p:nvPr/>
-        </p:nvPicPr>
-        <p:blipFill>
-          <a:blip r:embed="rId3" cstate="print"/>
-          <a:srcRect/>
-          <a:stretch>
-            <a:fillRect/>
-          </a:stretch>
-        </p:blipFill>
-        <p:spPr bwMode="auto">
-          <a:xfrm>
-            <a:off x="2525395" y="2022475"/>
-            <a:ext cx="7847965" cy="4325620"/>
-          </a:xfrm>
-          <a:prstGeom prst="rect">
-            <a:avLst/>
-          </a:prstGeom>
-          <a:noFill/>
-        </p:spPr>
-      </p:pic>
     </p:spTree>
   </p:cSld>
   <p:clrMapOvr>
